--- a/Lecture 1/Lecture 1.pptx
+++ b/Lecture 1/Lecture 1.pptx
@@ -261,14 +261,14 @@
           </a:ln>
           <a:extLst>
             <a:ext uri="{909E8E84-426E-40dd-AFC4-6F175D3DCCD1}">
-              <a14:hiddenFill xmlns:a14="http://schemas.microsoft.com/office/drawing/2010/main" xmlns="">
+              <a14:hiddenFill xmlns="" xmlns:a14="http://schemas.microsoft.com/office/drawing/2010/main">
                 <a:solidFill>
                   <a:schemeClr val="accent1"/>
                 </a:solidFill>
               </a14:hiddenFill>
             </a:ext>
             <a:ext uri="{91240B29-F687-4f45-9708-019B960494DF}">
-              <a14:hiddenLine xmlns:a14="http://schemas.microsoft.com/office/drawing/2010/main" xmlns="" w="9525">
+              <a14:hiddenLine xmlns="" xmlns:a14="http://schemas.microsoft.com/office/drawing/2010/main" w="9525">
                 <a:solidFill>
                   <a:schemeClr val="tx1"/>
                 </a:solidFill>
@@ -278,7 +278,7 @@
               </a14:hiddenLine>
             </a:ext>
             <a:ext uri="{FAA26D3D-D897-4be2-8F04-BA451C77F1D7}">
-              <ma14:placeholderFlag xmlns:ma14="http://schemas.microsoft.com/office/mac/drawingml/2011/main" xmlns="" val="1"/>
+              <ma14:placeholderFlag xmlns="" xmlns:ma14="http://schemas.microsoft.com/office/mac/drawingml/2011/main" val="1"/>
             </a:ext>
           </a:extLst>
         </p:spPr>
@@ -338,14 +338,14 @@
           </a:ln>
           <a:extLst>
             <a:ext uri="{909E8E84-426E-40dd-AFC4-6F175D3DCCD1}">
-              <a14:hiddenFill xmlns:a14="http://schemas.microsoft.com/office/drawing/2010/main" xmlns="">
+              <a14:hiddenFill xmlns="" xmlns:a14="http://schemas.microsoft.com/office/drawing/2010/main">
                 <a:solidFill>
                   <a:schemeClr val="accent1"/>
                 </a:solidFill>
               </a14:hiddenFill>
             </a:ext>
             <a:ext uri="{91240B29-F687-4f45-9708-019B960494DF}">
-              <a14:hiddenLine xmlns:a14="http://schemas.microsoft.com/office/drawing/2010/main" xmlns="" w="9525">
+              <a14:hiddenLine xmlns="" xmlns:a14="http://schemas.microsoft.com/office/drawing/2010/main" w="9525">
                 <a:solidFill>
                   <a:schemeClr val="tx1"/>
                 </a:solidFill>
@@ -355,7 +355,7 @@
               </a14:hiddenLine>
             </a:ext>
             <a:ext uri="{FAA26D3D-D897-4be2-8F04-BA451C77F1D7}">
-              <ma14:placeholderFlag xmlns:ma14="http://schemas.microsoft.com/office/mac/drawingml/2011/main" xmlns="" val="1"/>
+              <ma14:placeholderFlag xmlns="" xmlns:ma14="http://schemas.microsoft.com/office/mac/drawingml/2011/main" val="1"/>
             </a:ext>
           </a:extLst>
         </p:spPr>
@@ -415,14 +415,14 @@
           </a:ln>
           <a:extLst>
             <a:ext uri="{909E8E84-426E-40dd-AFC4-6F175D3DCCD1}">
-              <a14:hiddenFill xmlns:a14="http://schemas.microsoft.com/office/drawing/2010/main" xmlns="">
+              <a14:hiddenFill xmlns="" xmlns:a14="http://schemas.microsoft.com/office/drawing/2010/main">
                 <a:solidFill>
                   <a:schemeClr val="accent1"/>
                 </a:solidFill>
               </a14:hiddenFill>
             </a:ext>
             <a:ext uri="{91240B29-F687-4f45-9708-019B960494DF}">
-              <a14:hiddenLine xmlns:a14="http://schemas.microsoft.com/office/drawing/2010/main" xmlns="" w="9525">
+              <a14:hiddenLine xmlns="" xmlns:a14="http://schemas.microsoft.com/office/drawing/2010/main" w="9525">
                 <a:solidFill>
                   <a:schemeClr val="tx1"/>
                 </a:solidFill>
@@ -432,7 +432,7 @@
               </a14:hiddenLine>
             </a:ext>
             <a:ext uri="{FAA26D3D-D897-4be2-8F04-BA451C77F1D7}">
-              <ma14:placeholderFlag xmlns:ma14="http://schemas.microsoft.com/office/mac/drawingml/2011/main" xmlns="" val="1"/>
+              <ma14:placeholderFlag xmlns="" xmlns:ma14="http://schemas.microsoft.com/office/mac/drawingml/2011/main" val="1"/>
             </a:ext>
           </a:extLst>
         </p:spPr>
@@ -492,14 +492,14 @@
           </a:ln>
           <a:extLst>
             <a:ext uri="{909E8E84-426E-40dd-AFC4-6F175D3DCCD1}">
-              <a14:hiddenFill xmlns:a14="http://schemas.microsoft.com/office/drawing/2010/main" xmlns="">
+              <a14:hiddenFill xmlns="" xmlns:a14="http://schemas.microsoft.com/office/drawing/2010/main">
                 <a:solidFill>
                   <a:schemeClr val="accent1"/>
                 </a:solidFill>
               </a14:hiddenFill>
             </a:ext>
             <a:ext uri="{91240B29-F687-4f45-9708-019B960494DF}">
-              <a14:hiddenLine xmlns:a14="http://schemas.microsoft.com/office/drawing/2010/main" xmlns="" w="9525">
+              <a14:hiddenLine xmlns="" xmlns:a14="http://schemas.microsoft.com/office/drawing/2010/main" w="9525">
                 <a:solidFill>
                   <a:schemeClr val="tx1"/>
                 </a:solidFill>
@@ -509,7 +509,7 @@
               </a14:hiddenLine>
             </a:ext>
             <a:ext uri="{FAA26D3D-D897-4be2-8F04-BA451C77F1D7}">
-              <ma14:placeholderFlag xmlns:ma14="http://schemas.microsoft.com/office/mac/drawingml/2011/main" xmlns="" val="1"/>
+              <ma14:placeholderFlag xmlns="" xmlns:ma14="http://schemas.microsoft.com/office/mac/drawingml/2011/main" val="1"/>
             </a:ext>
           </a:extLst>
         </p:spPr>
@@ -605,14 +605,14 @@
           </a:ln>
           <a:extLst>
             <a:ext uri="{909E8E84-426E-40dd-AFC4-6F175D3DCCD1}">
-              <a14:hiddenFill xmlns:a14="http://schemas.microsoft.com/office/drawing/2010/main" xmlns="">
+              <a14:hiddenFill xmlns="" xmlns:a14="http://schemas.microsoft.com/office/drawing/2010/main">
                 <a:solidFill>
                   <a:schemeClr val="accent1"/>
                 </a:solidFill>
               </a14:hiddenFill>
             </a:ext>
             <a:ext uri="{91240B29-F687-4f45-9708-019B960494DF}">
-              <a14:hiddenLine xmlns:a14="http://schemas.microsoft.com/office/drawing/2010/main" xmlns="" w="9525">
+              <a14:hiddenLine xmlns="" xmlns:a14="http://schemas.microsoft.com/office/drawing/2010/main" w="9525">
                 <a:solidFill>
                   <a:schemeClr val="tx1"/>
                 </a:solidFill>
@@ -622,7 +622,7 @@
               </a14:hiddenLine>
             </a:ext>
             <a:ext uri="{FAA26D3D-D897-4be2-8F04-BA451C77F1D7}">
-              <ma14:placeholderFlag xmlns:ma14="http://schemas.microsoft.com/office/mac/drawingml/2011/main" xmlns="" val="1"/>
+              <ma14:placeholderFlag xmlns="" xmlns:ma14="http://schemas.microsoft.com/office/mac/drawingml/2011/main" val="1"/>
             </a:ext>
           </a:extLst>
         </p:spPr>
@@ -682,14 +682,14 @@
           </a:ln>
           <a:extLst>
             <a:ext uri="{909E8E84-426E-40dd-AFC4-6F175D3DCCD1}">
-              <a14:hiddenFill xmlns:a14="http://schemas.microsoft.com/office/drawing/2010/main" xmlns="">
+              <a14:hiddenFill xmlns="" xmlns:a14="http://schemas.microsoft.com/office/drawing/2010/main">
                 <a:solidFill>
                   <a:schemeClr val="accent1"/>
                 </a:solidFill>
               </a14:hiddenFill>
             </a:ext>
             <a:ext uri="{91240B29-F687-4f45-9708-019B960494DF}">
-              <a14:hiddenLine xmlns:a14="http://schemas.microsoft.com/office/drawing/2010/main" xmlns="" w="9525">
+              <a14:hiddenLine xmlns="" xmlns:a14="http://schemas.microsoft.com/office/drawing/2010/main" w="9525">
                 <a:solidFill>
                   <a:schemeClr val="tx1"/>
                 </a:solidFill>
@@ -699,7 +699,7 @@
               </a14:hiddenLine>
             </a:ext>
             <a:ext uri="{FAA26D3D-D897-4be2-8F04-BA451C77F1D7}">
-              <ma14:placeholderFlag xmlns:ma14="http://schemas.microsoft.com/office/mac/drawingml/2011/main" xmlns="" val="1"/>
+              <ma14:placeholderFlag xmlns="" xmlns:ma14="http://schemas.microsoft.com/office/mac/drawingml/2011/main" val="1"/>
             </a:ext>
           </a:extLst>
         </p:spPr>
@@ -765,7 +765,7 @@
           <a:effectLst/>
           <a:extLst>
             <a:ext uri="{AF507438-7753-43e0-B8FC-AC1667EBCBE1}">
-              <a14:hiddenEffects xmlns:a14="http://schemas.microsoft.com/office/drawing/2010/main" xmlns="">
+              <a14:hiddenEffects xmlns="" xmlns:a14="http://schemas.microsoft.com/office/drawing/2010/main">
                 <a:effectLst>
                   <a:outerShdw blurRad="63500" dist="38099" dir="2700000" algn="ctr" rotWithShape="0">
                     <a:srgbClr val="000000">
@@ -776,7 +776,7 @@
               </a14:hiddenEffects>
             </a:ext>
             <a:ext uri="{53640926-AAD7-44d8-BBD7-CCE9431645EC}">
-              <a14:shadowObscured xmlns:a14="http://schemas.microsoft.com/office/drawing/2010/main" xmlns="" val="1"/>
+              <a14:shadowObscured xmlns="" xmlns:a14="http://schemas.microsoft.com/office/drawing/2010/main" val="1"/>
             </a:ext>
           </a:extLst>
         </p:spPr>
@@ -811,14 +811,14 @@
           </a:ln>
           <a:extLst>
             <a:ext uri="{909E8E84-426E-40dd-AFC4-6F175D3DCCD1}">
-              <a14:hiddenFill xmlns:a14="http://schemas.microsoft.com/office/drawing/2010/main" xmlns="">
+              <a14:hiddenFill xmlns="" xmlns:a14="http://schemas.microsoft.com/office/drawing/2010/main">
                 <a:solidFill>
                   <a:schemeClr val="accent1"/>
                 </a:solidFill>
               </a14:hiddenFill>
             </a:ext>
             <a:ext uri="{91240B29-F687-4f45-9708-019B960494DF}">
-              <a14:hiddenLine xmlns:a14="http://schemas.microsoft.com/office/drawing/2010/main" xmlns="" w="9525">
+              <a14:hiddenLine xmlns="" xmlns:a14="http://schemas.microsoft.com/office/drawing/2010/main" w="9525">
                 <a:solidFill>
                   <a:schemeClr val="tx1"/>
                 </a:solidFill>
@@ -828,7 +828,7 @@
               </a14:hiddenLine>
             </a:ext>
             <a:ext uri="{FAA26D3D-D897-4be2-8F04-BA451C77F1D7}">
-              <ma14:placeholderFlag xmlns:ma14="http://schemas.microsoft.com/office/mac/drawingml/2011/main" xmlns="" val="1"/>
+              <ma14:placeholderFlag xmlns="" xmlns:ma14="http://schemas.microsoft.com/office/mac/drawingml/2011/main" val="1"/>
             </a:ext>
           </a:extLst>
         </p:spPr>
@@ -906,14 +906,14 @@
           </a:ln>
           <a:extLst>
             <a:ext uri="{909E8E84-426E-40dd-AFC4-6F175D3DCCD1}">
-              <a14:hiddenFill xmlns:a14="http://schemas.microsoft.com/office/drawing/2010/main" xmlns="">
+              <a14:hiddenFill xmlns="" xmlns:a14="http://schemas.microsoft.com/office/drawing/2010/main">
                 <a:solidFill>
                   <a:schemeClr val="accent1"/>
                 </a:solidFill>
               </a14:hiddenFill>
             </a:ext>
             <a:ext uri="{91240B29-F687-4f45-9708-019B960494DF}">
-              <a14:hiddenLine xmlns:a14="http://schemas.microsoft.com/office/drawing/2010/main" xmlns="" w="9525">
+              <a14:hiddenLine xmlns="" xmlns:a14="http://schemas.microsoft.com/office/drawing/2010/main" w="9525">
                 <a:solidFill>
                   <a:schemeClr val="tx1"/>
                 </a:solidFill>
@@ -923,7 +923,7 @@
               </a14:hiddenLine>
             </a:ext>
             <a:ext uri="{FAA26D3D-D897-4be2-8F04-BA451C77F1D7}">
-              <ma14:placeholderFlag xmlns:ma14="http://schemas.microsoft.com/office/mac/drawingml/2011/main" xmlns="" val="1"/>
+              <ma14:placeholderFlag xmlns="" xmlns:ma14="http://schemas.microsoft.com/office/mac/drawingml/2011/main" val="1"/>
             </a:ext>
           </a:extLst>
         </p:spPr>
@@ -983,14 +983,14 @@
           </a:ln>
           <a:extLst>
             <a:ext uri="{909E8E84-426E-40dd-AFC4-6F175D3DCCD1}">
-              <a14:hiddenFill xmlns:a14="http://schemas.microsoft.com/office/drawing/2010/main" xmlns="">
+              <a14:hiddenFill xmlns="" xmlns:a14="http://schemas.microsoft.com/office/drawing/2010/main">
                 <a:solidFill>
                   <a:schemeClr val="accent1"/>
                 </a:solidFill>
               </a14:hiddenFill>
             </a:ext>
             <a:ext uri="{91240B29-F687-4f45-9708-019B960494DF}">
-              <a14:hiddenLine xmlns:a14="http://schemas.microsoft.com/office/drawing/2010/main" xmlns="" w="9525">
+              <a14:hiddenLine xmlns="" xmlns:a14="http://schemas.microsoft.com/office/drawing/2010/main" w="9525">
                 <a:solidFill>
                   <a:schemeClr val="tx1"/>
                 </a:solidFill>
@@ -1000,7 +1000,7 @@
               </a14:hiddenLine>
             </a:ext>
             <a:ext uri="{FAA26D3D-D897-4be2-8F04-BA451C77F1D7}">
-              <ma14:placeholderFlag xmlns:ma14="http://schemas.microsoft.com/office/mac/drawingml/2011/main" xmlns="" val="1"/>
+              <ma14:placeholderFlag xmlns="" xmlns:ma14="http://schemas.microsoft.com/office/mac/drawingml/2011/main" val="1"/>
             </a:ext>
           </a:extLst>
         </p:spPr>
@@ -1362,7 +1362,7 @@
           <a:ln/>
           <a:extLst>
             <a:ext uri="{FAA26D3D-D897-4be2-8F04-BA451C77F1D7}">
-              <ma14:placeholderFlag xmlns:ma14="http://schemas.microsoft.com/office/mac/drawingml/2011/main" xmlns="" val="1"/>
+              <ma14:placeholderFlag xmlns="" xmlns:ma14="http://schemas.microsoft.com/office/mac/drawingml/2011/main" val="1"/>
             </a:ext>
           </a:extLst>
         </p:spPr>
@@ -4472,7 +4472,7 @@
           <a:effectLst/>
           <a:extLst>
             <a:ext uri="{AF507438-7753-43e0-B8FC-AC1667EBCBE1}">
-              <a14:hiddenEffects xmlns:a14="http://schemas.microsoft.com/office/drawing/2010/main" xmlns="">
+              <a14:hiddenEffects xmlns="" xmlns:a14="http://schemas.microsoft.com/office/drawing/2010/main">
                 <a:effectLst>
                   <a:outerShdw blurRad="63500" dist="38099" dir="2700000" algn="ctr" rotWithShape="0">
                     <a:srgbClr val="000000">
@@ -5613,14 +5613,14 @@
           </a:ln>
           <a:extLst>
             <a:ext uri="{909E8E84-426E-40dd-AFC4-6F175D3DCCD1}">
-              <a14:hiddenFill xmlns="" xmlns:a14="http://schemas.microsoft.com/office/drawing/2010/main">
+              <a14:hiddenFill xmlns:a14="http://schemas.microsoft.com/office/drawing/2010/main" xmlns="">
                 <a:solidFill>
                   <a:schemeClr val="accent1"/>
                 </a:solidFill>
               </a14:hiddenFill>
             </a:ext>
             <a:ext uri="{91240B29-F687-4f45-9708-019B960494DF}">
-              <a14:hiddenLine xmlns="" xmlns:a14="http://schemas.microsoft.com/office/drawing/2010/main" w="9525" cap="flat" cmpd="sng" algn="ctr">
+              <a14:hiddenLine xmlns:a14="http://schemas.microsoft.com/office/drawing/2010/main" xmlns="" w="9525" cap="flat" cmpd="sng" algn="ctr">
                 <a:solidFill>
                   <a:schemeClr val="tx1"/>
                 </a:solidFill>
@@ -5631,7 +5631,7 @@
               </a14:hiddenLine>
             </a:ext>
             <a:ext uri="{AF507438-7753-43e0-B8FC-AC1667EBCBE1}">
-              <a14:hiddenEffects xmlns="" xmlns:a14="http://schemas.microsoft.com/office/drawing/2010/main">
+              <a14:hiddenEffects xmlns:a14="http://schemas.microsoft.com/office/drawing/2010/main" xmlns="">
                 <a:effectLst>
                   <a:outerShdw blurRad="63500" dist="38099" dir="2700000" algn="ctr" rotWithShape="0">
                     <a:srgbClr val="000000">
@@ -5898,14 +5898,14 @@
           </a:ln>
           <a:extLst>
             <a:ext uri="{909E8E84-426E-40dd-AFC4-6F175D3DCCD1}">
-              <a14:hiddenFill xmlns="" xmlns:a14="http://schemas.microsoft.com/office/drawing/2010/main">
+              <a14:hiddenFill xmlns:a14="http://schemas.microsoft.com/office/drawing/2010/main" xmlns="">
                 <a:solidFill>
                   <a:schemeClr val="accent1"/>
                 </a:solidFill>
               </a14:hiddenFill>
             </a:ext>
             <a:ext uri="{91240B29-F687-4f45-9708-019B960494DF}">
-              <a14:hiddenLine xmlns="" xmlns:a14="http://schemas.microsoft.com/office/drawing/2010/main" w="9525" cap="flat" cmpd="sng" algn="ctr">
+              <a14:hiddenLine xmlns:a14="http://schemas.microsoft.com/office/drawing/2010/main" xmlns="" w="9525" cap="flat" cmpd="sng" algn="ctr">
                 <a:solidFill>
                   <a:schemeClr val="tx1"/>
                 </a:solidFill>
@@ -5916,7 +5916,7 @@
               </a14:hiddenLine>
             </a:ext>
             <a:ext uri="{AF507438-7753-43e0-B8FC-AC1667EBCBE1}">
-              <a14:hiddenEffects xmlns="" xmlns:a14="http://schemas.microsoft.com/office/drawing/2010/main">
+              <a14:hiddenEffects xmlns:a14="http://schemas.microsoft.com/office/drawing/2010/main" xmlns="">
                 <a:effectLst>
                   <a:outerShdw blurRad="63500" dist="38099" dir="2700000" algn="ctr" rotWithShape="0">
                     <a:srgbClr val="000000">
@@ -6183,14 +6183,14 @@
           </a:ln>
           <a:extLst>
             <a:ext uri="{909E8E84-426E-40dd-AFC4-6F175D3DCCD1}">
-              <a14:hiddenFill xmlns="" xmlns:a14="http://schemas.microsoft.com/office/drawing/2010/main">
+              <a14:hiddenFill xmlns:a14="http://schemas.microsoft.com/office/drawing/2010/main" xmlns="">
                 <a:solidFill>
                   <a:schemeClr val="accent1"/>
                 </a:solidFill>
               </a14:hiddenFill>
             </a:ext>
             <a:ext uri="{91240B29-F687-4f45-9708-019B960494DF}">
-              <a14:hiddenLine xmlns="" xmlns:a14="http://schemas.microsoft.com/office/drawing/2010/main" w="9525" cap="flat" cmpd="sng" algn="ctr">
+              <a14:hiddenLine xmlns:a14="http://schemas.microsoft.com/office/drawing/2010/main" xmlns="" w="9525" cap="flat" cmpd="sng" algn="ctr">
                 <a:solidFill>
                   <a:schemeClr val="tx1"/>
                 </a:solidFill>
@@ -6201,7 +6201,7 @@
               </a14:hiddenLine>
             </a:ext>
             <a:ext uri="{AF507438-7753-43e0-B8FC-AC1667EBCBE1}">
-              <a14:hiddenEffects xmlns="" xmlns:a14="http://schemas.microsoft.com/office/drawing/2010/main">
+              <a14:hiddenEffects xmlns:a14="http://schemas.microsoft.com/office/drawing/2010/main" xmlns="">
                 <a:effectLst>
                   <a:outerShdw blurRad="63500" dist="38099" dir="2700000" algn="ctr" rotWithShape="0">
                     <a:srgbClr val="000000">
@@ -7713,14 +7713,14 @@
           </a:ln>
           <a:extLst>
             <a:ext uri="{909E8E84-426E-40dd-AFC4-6F175D3DCCD1}">
-              <a14:hiddenFill xmlns="" xmlns:a14="http://schemas.microsoft.com/office/drawing/2010/main">
+              <a14:hiddenFill xmlns:a14="http://schemas.microsoft.com/office/drawing/2010/main" xmlns="">
                 <a:solidFill>
                   <a:schemeClr val="accent1"/>
                 </a:solidFill>
               </a14:hiddenFill>
             </a:ext>
             <a:ext uri="{91240B29-F687-4f45-9708-019B960494DF}">
-              <a14:hiddenLine xmlns="" xmlns:a14="http://schemas.microsoft.com/office/drawing/2010/main" w="9525" cap="flat" cmpd="sng" algn="ctr">
+              <a14:hiddenLine xmlns:a14="http://schemas.microsoft.com/office/drawing/2010/main" xmlns="" w="9525" cap="flat" cmpd="sng" algn="ctr">
                 <a:solidFill>
                   <a:schemeClr val="tx1"/>
                 </a:solidFill>
@@ -7731,7 +7731,7 @@
               </a14:hiddenLine>
             </a:ext>
             <a:ext uri="{AF507438-7753-43e0-B8FC-AC1667EBCBE1}">
-              <a14:hiddenEffects xmlns="" xmlns:a14="http://schemas.microsoft.com/office/drawing/2010/main">
+              <a14:hiddenEffects xmlns:a14="http://schemas.microsoft.com/office/drawing/2010/main" xmlns="">
                 <a:effectLst>
                   <a:outerShdw blurRad="63500" dist="38099" dir="2700000" algn="ctr" rotWithShape="0">
                     <a:srgbClr val="000000">
@@ -9170,14 +9170,14 @@
           </a:ln>
           <a:extLst>
             <a:ext uri="{909E8E84-426E-40dd-AFC4-6F175D3DCCD1}">
-              <a14:hiddenFill xmlns="" xmlns:a14="http://schemas.microsoft.com/office/drawing/2010/main">
+              <a14:hiddenFill xmlns:a14="http://schemas.microsoft.com/office/drawing/2010/main" xmlns="">
                 <a:solidFill>
                   <a:schemeClr val="accent1"/>
                 </a:solidFill>
               </a14:hiddenFill>
             </a:ext>
             <a:ext uri="{91240B29-F687-4f45-9708-019B960494DF}">
-              <a14:hiddenLine xmlns="" xmlns:a14="http://schemas.microsoft.com/office/drawing/2010/main" w="9525" cap="flat" cmpd="sng" algn="ctr">
+              <a14:hiddenLine xmlns:a14="http://schemas.microsoft.com/office/drawing/2010/main" xmlns="" w="9525" cap="flat" cmpd="sng" algn="ctr">
                 <a:solidFill>
                   <a:schemeClr val="tx1"/>
                 </a:solidFill>
@@ -9188,7 +9188,7 @@
               </a14:hiddenLine>
             </a:ext>
             <a:ext uri="{AF507438-7753-43e0-B8FC-AC1667EBCBE1}">
-              <a14:hiddenEffects xmlns="" xmlns:a14="http://schemas.microsoft.com/office/drawing/2010/main">
+              <a14:hiddenEffects xmlns:a14="http://schemas.microsoft.com/office/drawing/2010/main" xmlns="">
                 <a:effectLst>
                   <a:outerShdw blurRad="63500" dist="38099" dir="2700000" algn="ctr" rotWithShape="0">
                     <a:srgbClr val="000000">
@@ -10980,14 +10980,14 @@
           <a:effectLst/>
           <a:extLst>
             <a:ext uri="{909E8E84-426E-40dd-AFC4-6F175D3DCCD1}">
-              <a14:hiddenFill xmlns="" xmlns:a14="http://schemas.microsoft.com/office/drawing/2010/main">
+              <a14:hiddenFill xmlns:a14="http://schemas.microsoft.com/office/drawing/2010/main" xmlns="">
                 <a:solidFill>
                   <a:schemeClr val="accent1"/>
                 </a:solidFill>
               </a14:hiddenFill>
             </a:ext>
             <a:ext uri="{91240B29-F687-4f45-9708-019B960494DF}">
-              <a14:hiddenLine xmlns="" xmlns:a14="http://schemas.microsoft.com/office/drawing/2010/main" w="9525" cap="flat" cmpd="sng" algn="ctr">
+              <a14:hiddenLine xmlns:a14="http://schemas.microsoft.com/office/drawing/2010/main" xmlns="" w="9525" cap="flat" cmpd="sng" algn="ctr">
                 <a:solidFill>
                   <a:schemeClr val="tx1"/>
                 </a:solidFill>
@@ -10998,7 +10998,7 @@
               </a14:hiddenLine>
             </a:ext>
             <a:ext uri="{AF507438-7753-43e0-B8FC-AC1667EBCBE1}">
-              <a14:hiddenEffects xmlns="" xmlns:a14="http://schemas.microsoft.com/office/drawing/2010/main">
+              <a14:hiddenEffects xmlns:a14="http://schemas.microsoft.com/office/drawing/2010/main" xmlns="">
                 <a:effectLst>
                   <a:outerShdw blurRad="63500" dist="38099" dir="2700000" algn="ctr" rotWithShape="0">
                     <a:srgbClr val="000000">
@@ -11293,7 +11293,15 @@
             </a:r>
             <a:r>
               <a:rPr lang="en-GB" altLang="it-IT" sz="2000" kern="0" dirty="0"/>
-              <a:t>each group will present the work (15 mins), preparing a set of slides to comment the results</a:t>
+              <a:t>each group will present the work (</a:t>
+            </a:r>
+            <a:r>
+              <a:rPr lang="en-GB" altLang="it-IT" sz="2000" kern="0"/>
+              <a:t>15 min), </a:t>
+            </a:r>
+            <a:r>
+              <a:rPr lang="en-GB" altLang="it-IT" sz="2000" kern="0" dirty="0"/>
+              <a:t>preparing a set of slides to comment the results</a:t>
             </a:r>
           </a:p>
         </p:txBody>
@@ -12237,14 +12245,14 @@
         <a:effectLst/>
         <a:extLst>
           <a:ext uri="{909E8E84-426E-40dd-AFC4-6F175D3DCCD1}">
-            <a14:hiddenFill xmlns:a14="http://schemas.microsoft.com/office/drawing/2010/main" xmlns="">
+            <a14:hiddenFill xmlns="" xmlns:a14="http://schemas.microsoft.com/office/drawing/2010/main">
               <a:solidFill>
                 <a:schemeClr val="accent1"/>
               </a:solidFill>
             </a14:hiddenFill>
           </a:ext>
           <a:ext uri="{91240B29-F687-4f45-9708-019B960494DF}">
-            <a14:hiddenLine xmlns:a14="http://schemas.microsoft.com/office/drawing/2010/main" xmlns="" w="9525" cap="flat" cmpd="sng" algn="ctr">
+            <a14:hiddenLine xmlns="" xmlns:a14="http://schemas.microsoft.com/office/drawing/2010/main" w="9525" cap="flat" cmpd="sng" algn="ctr">
               <a:solidFill>
                 <a:schemeClr val="tx1"/>
               </a:solidFill>
@@ -12255,7 +12263,7 @@
             </a14:hiddenLine>
           </a:ext>
           <a:ext uri="{AF507438-7753-43e0-B8FC-AC1667EBCBE1}">
-            <a14:hiddenEffects xmlns:a14="http://schemas.microsoft.com/office/drawing/2010/main" xmlns="">
+            <a14:hiddenEffects xmlns="" xmlns:a14="http://schemas.microsoft.com/office/drawing/2010/main">
               <a:effectLst>
                 <a:outerShdw blurRad="63500" dist="38099" dir="2700000" algn="ctr" rotWithShape="0">
                   <a:srgbClr val="000000">
@@ -12324,14 +12332,14 @@
         <a:effectLst/>
         <a:extLst>
           <a:ext uri="{909E8E84-426E-40dd-AFC4-6F175D3DCCD1}">
-            <a14:hiddenFill xmlns:a14="http://schemas.microsoft.com/office/drawing/2010/main" xmlns="">
+            <a14:hiddenFill xmlns="" xmlns:a14="http://schemas.microsoft.com/office/drawing/2010/main">
               <a:solidFill>
                 <a:schemeClr val="accent1"/>
               </a:solidFill>
             </a14:hiddenFill>
           </a:ext>
           <a:ext uri="{91240B29-F687-4f45-9708-019B960494DF}">
-            <a14:hiddenLine xmlns:a14="http://schemas.microsoft.com/office/drawing/2010/main" xmlns="" w="9525" cap="flat" cmpd="sng" algn="ctr">
+            <a14:hiddenLine xmlns="" xmlns:a14="http://schemas.microsoft.com/office/drawing/2010/main" w="9525" cap="flat" cmpd="sng" algn="ctr">
               <a:solidFill>
                 <a:schemeClr val="tx1"/>
               </a:solidFill>
@@ -12342,7 +12350,7 @@
             </a14:hiddenLine>
           </a:ext>
           <a:ext uri="{AF507438-7753-43e0-B8FC-AC1667EBCBE1}">
-            <a14:hiddenEffects xmlns:a14="http://schemas.microsoft.com/office/drawing/2010/main" xmlns="">
+            <a14:hiddenEffects xmlns="" xmlns:a14="http://schemas.microsoft.com/office/drawing/2010/main">
               <a:effectLst>
                 <a:outerShdw blurRad="63500" dist="38099" dir="2700000" algn="ctr" rotWithShape="0">
                   <a:srgbClr val="000000">

--- a/Lecture 1/Lecture 1.pptx
+++ b/Lecture 1/Lecture 1.pptx
@@ -18,7 +18,7 @@
     <p:sldId id="327" r:id="rId6"/>
     <p:sldId id="328" r:id="rId7"/>
     <p:sldId id="329" r:id="rId8"/>
-    <p:sldId id="325" r:id="rId9"/>
+    <p:sldId id="358" r:id="rId9"/>
     <p:sldId id="356" r:id="rId10"/>
     <p:sldId id="357" r:id="rId11"/>
     <p:sldId id="330" r:id="rId12"/>
@@ -261,14 +261,14 @@
           </a:ln>
           <a:extLst>
             <a:ext uri="{909E8E84-426E-40dd-AFC4-6F175D3DCCD1}">
-              <a14:hiddenFill xmlns="" xmlns:a14="http://schemas.microsoft.com/office/drawing/2010/main">
+              <a14:hiddenFill xmlns:a14="http://schemas.microsoft.com/office/drawing/2010/main" xmlns="">
                 <a:solidFill>
                   <a:schemeClr val="accent1"/>
                 </a:solidFill>
               </a14:hiddenFill>
             </a:ext>
             <a:ext uri="{91240B29-F687-4f45-9708-019B960494DF}">
-              <a14:hiddenLine xmlns="" xmlns:a14="http://schemas.microsoft.com/office/drawing/2010/main" w="9525">
+              <a14:hiddenLine xmlns:a14="http://schemas.microsoft.com/office/drawing/2010/main" xmlns="" w="9525">
                 <a:solidFill>
                   <a:schemeClr val="tx1"/>
                 </a:solidFill>
@@ -278,7 +278,7 @@
               </a14:hiddenLine>
             </a:ext>
             <a:ext uri="{FAA26D3D-D897-4be2-8F04-BA451C77F1D7}">
-              <ma14:placeholderFlag xmlns="" xmlns:ma14="http://schemas.microsoft.com/office/mac/drawingml/2011/main" val="1"/>
+              <ma14:placeholderFlag xmlns:ma14="http://schemas.microsoft.com/office/mac/drawingml/2011/main" xmlns="" val="1"/>
             </a:ext>
           </a:extLst>
         </p:spPr>
@@ -338,14 +338,14 @@
           </a:ln>
           <a:extLst>
             <a:ext uri="{909E8E84-426E-40dd-AFC4-6F175D3DCCD1}">
-              <a14:hiddenFill xmlns="" xmlns:a14="http://schemas.microsoft.com/office/drawing/2010/main">
+              <a14:hiddenFill xmlns:a14="http://schemas.microsoft.com/office/drawing/2010/main" xmlns="">
                 <a:solidFill>
                   <a:schemeClr val="accent1"/>
                 </a:solidFill>
               </a14:hiddenFill>
             </a:ext>
             <a:ext uri="{91240B29-F687-4f45-9708-019B960494DF}">
-              <a14:hiddenLine xmlns="" xmlns:a14="http://schemas.microsoft.com/office/drawing/2010/main" w="9525">
+              <a14:hiddenLine xmlns:a14="http://schemas.microsoft.com/office/drawing/2010/main" xmlns="" w="9525">
                 <a:solidFill>
                   <a:schemeClr val="tx1"/>
                 </a:solidFill>
@@ -355,7 +355,7 @@
               </a14:hiddenLine>
             </a:ext>
             <a:ext uri="{FAA26D3D-D897-4be2-8F04-BA451C77F1D7}">
-              <ma14:placeholderFlag xmlns="" xmlns:ma14="http://schemas.microsoft.com/office/mac/drawingml/2011/main" val="1"/>
+              <ma14:placeholderFlag xmlns:ma14="http://schemas.microsoft.com/office/mac/drawingml/2011/main" xmlns="" val="1"/>
             </a:ext>
           </a:extLst>
         </p:spPr>
@@ -415,14 +415,14 @@
           </a:ln>
           <a:extLst>
             <a:ext uri="{909E8E84-426E-40dd-AFC4-6F175D3DCCD1}">
-              <a14:hiddenFill xmlns="" xmlns:a14="http://schemas.microsoft.com/office/drawing/2010/main">
+              <a14:hiddenFill xmlns:a14="http://schemas.microsoft.com/office/drawing/2010/main" xmlns="">
                 <a:solidFill>
                   <a:schemeClr val="accent1"/>
                 </a:solidFill>
               </a14:hiddenFill>
             </a:ext>
             <a:ext uri="{91240B29-F687-4f45-9708-019B960494DF}">
-              <a14:hiddenLine xmlns="" xmlns:a14="http://schemas.microsoft.com/office/drawing/2010/main" w="9525">
+              <a14:hiddenLine xmlns:a14="http://schemas.microsoft.com/office/drawing/2010/main" xmlns="" w="9525">
                 <a:solidFill>
                   <a:schemeClr val="tx1"/>
                 </a:solidFill>
@@ -432,7 +432,7 @@
               </a14:hiddenLine>
             </a:ext>
             <a:ext uri="{FAA26D3D-D897-4be2-8F04-BA451C77F1D7}">
-              <ma14:placeholderFlag xmlns="" xmlns:ma14="http://schemas.microsoft.com/office/mac/drawingml/2011/main" val="1"/>
+              <ma14:placeholderFlag xmlns:ma14="http://schemas.microsoft.com/office/mac/drawingml/2011/main" xmlns="" val="1"/>
             </a:ext>
           </a:extLst>
         </p:spPr>
@@ -492,14 +492,14 @@
           </a:ln>
           <a:extLst>
             <a:ext uri="{909E8E84-426E-40dd-AFC4-6F175D3DCCD1}">
-              <a14:hiddenFill xmlns="" xmlns:a14="http://schemas.microsoft.com/office/drawing/2010/main">
+              <a14:hiddenFill xmlns:a14="http://schemas.microsoft.com/office/drawing/2010/main" xmlns="">
                 <a:solidFill>
                   <a:schemeClr val="accent1"/>
                 </a:solidFill>
               </a14:hiddenFill>
             </a:ext>
             <a:ext uri="{91240B29-F687-4f45-9708-019B960494DF}">
-              <a14:hiddenLine xmlns="" xmlns:a14="http://schemas.microsoft.com/office/drawing/2010/main" w="9525">
+              <a14:hiddenLine xmlns:a14="http://schemas.microsoft.com/office/drawing/2010/main" xmlns="" w="9525">
                 <a:solidFill>
                   <a:schemeClr val="tx1"/>
                 </a:solidFill>
@@ -509,7 +509,7 @@
               </a14:hiddenLine>
             </a:ext>
             <a:ext uri="{FAA26D3D-D897-4be2-8F04-BA451C77F1D7}">
-              <ma14:placeholderFlag xmlns="" xmlns:ma14="http://schemas.microsoft.com/office/mac/drawingml/2011/main" val="1"/>
+              <ma14:placeholderFlag xmlns:ma14="http://schemas.microsoft.com/office/mac/drawingml/2011/main" xmlns="" val="1"/>
             </a:ext>
           </a:extLst>
         </p:spPr>
@@ -605,14 +605,14 @@
           </a:ln>
           <a:extLst>
             <a:ext uri="{909E8E84-426E-40dd-AFC4-6F175D3DCCD1}">
-              <a14:hiddenFill xmlns="" xmlns:a14="http://schemas.microsoft.com/office/drawing/2010/main">
+              <a14:hiddenFill xmlns:a14="http://schemas.microsoft.com/office/drawing/2010/main" xmlns="">
                 <a:solidFill>
                   <a:schemeClr val="accent1"/>
                 </a:solidFill>
               </a14:hiddenFill>
             </a:ext>
             <a:ext uri="{91240B29-F687-4f45-9708-019B960494DF}">
-              <a14:hiddenLine xmlns="" xmlns:a14="http://schemas.microsoft.com/office/drawing/2010/main" w="9525">
+              <a14:hiddenLine xmlns:a14="http://schemas.microsoft.com/office/drawing/2010/main" xmlns="" w="9525">
                 <a:solidFill>
                   <a:schemeClr val="tx1"/>
                 </a:solidFill>
@@ -622,7 +622,7 @@
               </a14:hiddenLine>
             </a:ext>
             <a:ext uri="{FAA26D3D-D897-4be2-8F04-BA451C77F1D7}">
-              <ma14:placeholderFlag xmlns="" xmlns:ma14="http://schemas.microsoft.com/office/mac/drawingml/2011/main" val="1"/>
+              <ma14:placeholderFlag xmlns:ma14="http://schemas.microsoft.com/office/mac/drawingml/2011/main" xmlns="" val="1"/>
             </a:ext>
           </a:extLst>
         </p:spPr>
@@ -682,14 +682,14 @@
           </a:ln>
           <a:extLst>
             <a:ext uri="{909E8E84-426E-40dd-AFC4-6F175D3DCCD1}">
-              <a14:hiddenFill xmlns="" xmlns:a14="http://schemas.microsoft.com/office/drawing/2010/main">
+              <a14:hiddenFill xmlns:a14="http://schemas.microsoft.com/office/drawing/2010/main" xmlns="">
                 <a:solidFill>
                   <a:schemeClr val="accent1"/>
                 </a:solidFill>
               </a14:hiddenFill>
             </a:ext>
             <a:ext uri="{91240B29-F687-4f45-9708-019B960494DF}">
-              <a14:hiddenLine xmlns="" xmlns:a14="http://schemas.microsoft.com/office/drawing/2010/main" w="9525">
+              <a14:hiddenLine xmlns:a14="http://schemas.microsoft.com/office/drawing/2010/main" xmlns="" w="9525">
                 <a:solidFill>
                   <a:schemeClr val="tx1"/>
                 </a:solidFill>
@@ -699,7 +699,7 @@
               </a14:hiddenLine>
             </a:ext>
             <a:ext uri="{FAA26D3D-D897-4be2-8F04-BA451C77F1D7}">
-              <ma14:placeholderFlag xmlns="" xmlns:ma14="http://schemas.microsoft.com/office/mac/drawingml/2011/main" val="1"/>
+              <ma14:placeholderFlag xmlns:ma14="http://schemas.microsoft.com/office/mac/drawingml/2011/main" xmlns="" val="1"/>
             </a:ext>
           </a:extLst>
         </p:spPr>
@@ -765,7 +765,7 @@
           <a:effectLst/>
           <a:extLst>
             <a:ext uri="{AF507438-7753-43e0-B8FC-AC1667EBCBE1}">
-              <a14:hiddenEffects xmlns="" xmlns:a14="http://schemas.microsoft.com/office/drawing/2010/main">
+              <a14:hiddenEffects xmlns:a14="http://schemas.microsoft.com/office/drawing/2010/main" xmlns="">
                 <a:effectLst>
                   <a:outerShdw blurRad="63500" dist="38099" dir="2700000" algn="ctr" rotWithShape="0">
                     <a:srgbClr val="000000">
@@ -776,7 +776,7 @@
               </a14:hiddenEffects>
             </a:ext>
             <a:ext uri="{53640926-AAD7-44d8-BBD7-CCE9431645EC}">
-              <a14:shadowObscured xmlns="" xmlns:a14="http://schemas.microsoft.com/office/drawing/2010/main" val="1"/>
+              <a14:shadowObscured xmlns:a14="http://schemas.microsoft.com/office/drawing/2010/main" xmlns="" val="1"/>
             </a:ext>
           </a:extLst>
         </p:spPr>
@@ -811,14 +811,14 @@
           </a:ln>
           <a:extLst>
             <a:ext uri="{909E8E84-426E-40dd-AFC4-6F175D3DCCD1}">
-              <a14:hiddenFill xmlns="" xmlns:a14="http://schemas.microsoft.com/office/drawing/2010/main">
+              <a14:hiddenFill xmlns:a14="http://schemas.microsoft.com/office/drawing/2010/main" xmlns="">
                 <a:solidFill>
                   <a:schemeClr val="accent1"/>
                 </a:solidFill>
               </a14:hiddenFill>
             </a:ext>
             <a:ext uri="{91240B29-F687-4f45-9708-019B960494DF}">
-              <a14:hiddenLine xmlns="" xmlns:a14="http://schemas.microsoft.com/office/drawing/2010/main" w="9525">
+              <a14:hiddenLine xmlns:a14="http://schemas.microsoft.com/office/drawing/2010/main" xmlns="" w="9525">
                 <a:solidFill>
                   <a:schemeClr val="tx1"/>
                 </a:solidFill>
@@ -828,7 +828,7 @@
               </a14:hiddenLine>
             </a:ext>
             <a:ext uri="{FAA26D3D-D897-4be2-8F04-BA451C77F1D7}">
-              <ma14:placeholderFlag xmlns="" xmlns:ma14="http://schemas.microsoft.com/office/mac/drawingml/2011/main" val="1"/>
+              <ma14:placeholderFlag xmlns:ma14="http://schemas.microsoft.com/office/mac/drawingml/2011/main" xmlns="" val="1"/>
             </a:ext>
           </a:extLst>
         </p:spPr>
@@ -906,14 +906,14 @@
           </a:ln>
           <a:extLst>
             <a:ext uri="{909E8E84-426E-40dd-AFC4-6F175D3DCCD1}">
-              <a14:hiddenFill xmlns="" xmlns:a14="http://schemas.microsoft.com/office/drawing/2010/main">
+              <a14:hiddenFill xmlns:a14="http://schemas.microsoft.com/office/drawing/2010/main" xmlns="">
                 <a:solidFill>
                   <a:schemeClr val="accent1"/>
                 </a:solidFill>
               </a14:hiddenFill>
             </a:ext>
             <a:ext uri="{91240B29-F687-4f45-9708-019B960494DF}">
-              <a14:hiddenLine xmlns="" xmlns:a14="http://schemas.microsoft.com/office/drawing/2010/main" w="9525">
+              <a14:hiddenLine xmlns:a14="http://schemas.microsoft.com/office/drawing/2010/main" xmlns="" w="9525">
                 <a:solidFill>
                   <a:schemeClr val="tx1"/>
                 </a:solidFill>
@@ -923,7 +923,7 @@
               </a14:hiddenLine>
             </a:ext>
             <a:ext uri="{FAA26D3D-D897-4be2-8F04-BA451C77F1D7}">
-              <ma14:placeholderFlag xmlns="" xmlns:ma14="http://schemas.microsoft.com/office/mac/drawingml/2011/main" val="1"/>
+              <ma14:placeholderFlag xmlns:ma14="http://schemas.microsoft.com/office/mac/drawingml/2011/main" xmlns="" val="1"/>
             </a:ext>
           </a:extLst>
         </p:spPr>
@@ -983,14 +983,14 @@
           </a:ln>
           <a:extLst>
             <a:ext uri="{909E8E84-426E-40dd-AFC4-6F175D3DCCD1}">
-              <a14:hiddenFill xmlns="" xmlns:a14="http://schemas.microsoft.com/office/drawing/2010/main">
+              <a14:hiddenFill xmlns:a14="http://schemas.microsoft.com/office/drawing/2010/main" xmlns="">
                 <a:solidFill>
                   <a:schemeClr val="accent1"/>
                 </a:solidFill>
               </a14:hiddenFill>
             </a:ext>
             <a:ext uri="{91240B29-F687-4f45-9708-019B960494DF}">
-              <a14:hiddenLine xmlns="" xmlns:a14="http://schemas.microsoft.com/office/drawing/2010/main" w="9525">
+              <a14:hiddenLine xmlns:a14="http://schemas.microsoft.com/office/drawing/2010/main" xmlns="" w="9525">
                 <a:solidFill>
                   <a:schemeClr val="tx1"/>
                 </a:solidFill>
@@ -1000,7 +1000,7 @@
               </a14:hiddenLine>
             </a:ext>
             <a:ext uri="{FAA26D3D-D897-4be2-8F04-BA451C77F1D7}">
-              <ma14:placeholderFlag xmlns="" xmlns:ma14="http://schemas.microsoft.com/office/mac/drawingml/2011/main" val="1"/>
+              <ma14:placeholderFlag xmlns:ma14="http://schemas.microsoft.com/office/mac/drawingml/2011/main" xmlns="" val="1"/>
             </a:ext>
           </a:extLst>
         </p:spPr>
@@ -1362,7 +1362,7 @@
           <a:ln/>
           <a:extLst>
             <a:ext uri="{FAA26D3D-D897-4be2-8F04-BA451C77F1D7}">
-              <ma14:placeholderFlag xmlns="" xmlns:ma14="http://schemas.microsoft.com/office/mac/drawingml/2011/main" val="1"/>
+              <ma14:placeholderFlag xmlns:ma14="http://schemas.microsoft.com/office/mac/drawingml/2011/main" xmlns="" val="1"/>
             </a:ext>
           </a:extLst>
         </p:spPr>
@@ -4472,7 +4472,7 @@
           <a:effectLst/>
           <a:extLst>
             <a:ext uri="{AF507438-7753-43e0-B8FC-AC1667EBCBE1}">
-              <a14:hiddenEffects xmlns="" xmlns:a14="http://schemas.microsoft.com/office/drawing/2010/main">
+              <a14:hiddenEffects xmlns:a14="http://schemas.microsoft.com/office/drawing/2010/main" xmlns="">
                 <a:effectLst>
                   <a:outerShdw blurRad="63500" dist="38099" dir="2700000" algn="ctr" rotWithShape="0">
                     <a:srgbClr val="000000">
@@ -5613,14 +5613,14 @@
           </a:ln>
           <a:extLst>
             <a:ext uri="{909E8E84-426E-40dd-AFC4-6F175D3DCCD1}">
-              <a14:hiddenFill xmlns:a14="http://schemas.microsoft.com/office/drawing/2010/main" xmlns="">
+              <a14:hiddenFill xmlns="" xmlns:a14="http://schemas.microsoft.com/office/drawing/2010/main">
                 <a:solidFill>
                   <a:schemeClr val="accent1"/>
                 </a:solidFill>
               </a14:hiddenFill>
             </a:ext>
             <a:ext uri="{91240B29-F687-4f45-9708-019B960494DF}">
-              <a14:hiddenLine xmlns:a14="http://schemas.microsoft.com/office/drawing/2010/main" xmlns="" w="9525" cap="flat" cmpd="sng" algn="ctr">
+              <a14:hiddenLine xmlns="" xmlns:a14="http://schemas.microsoft.com/office/drawing/2010/main" w="9525" cap="flat" cmpd="sng" algn="ctr">
                 <a:solidFill>
                   <a:schemeClr val="tx1"/>
                 </a:solidFill>
@@ -5631,7 +5631,7 @@
               </a14:hiddenLine>
             </a:ext>
             <a:ext uri="{AF507438-7753-43e0-B8FC-AC1667EBCBE1}">
-              <a14:hiddenEffects xmlns:a14="http://schemas.microsoft.com/office/drawing/2010/main" xmlns="">
+              <a14:hiddenEffects xmlns="" xmlns:a14="http://schemas.microsoft.com/office/drawing/2010/main">
                 <a:effectLst>
                   <a:outerShdw blurRad="63500" dist="38099" dir="2700000" algn="ctr" rotWithShape="0">
                     <a:srgbClr val="000000">
@@ -5898,14 +5898,14 @@
           </a:ln>
           <a:extLst>
             <a:ext uri="{909E8E84-426E-40dd-AFC4-6F175D3DCCD1}">
-              <a14:hiddenFill xmlns:a14="http://schemas.microsoft.com/office/drawing/2010/main" xmlns="">
+              <a14:hiddenFill xmlns="" xmlns:a14="http://schemas.microsoft.com/office/drawing/2010/main">
                 <a:solidFill>
                   <a:schemeClr val="accent1"/>
                 </a:solidFill>
               </a14:hiddenFill>
             </a:ext>
             <a:ext uri="{91240B29-F687-4f45-9708-019B960494DF}">
-              <a14:hiddenLine xmlns:a14="http://schemas.microsoft.com/office/drawing/2010/main" xmlns="" w="9525" cap="flat" cmpd="sng" algn="ctr">
+              <a14:hiddenLine xmlns="" xmlns:a14="http://schemas.microsoft.com/office/drawing/2010/main" w="9525" cap="flat" cmpd="sng" algn="ctr">
                 <a:solidFill>
                   <a:schemeClr val="tx1"/>
                 </a:solidFill>
@@ -5916,7 +5916,7 @@
               </a14:hiddenLine>
             </a:ext>
             <a:ext uri="{AF507438-7753-43e0-B8FC-AC1667EBCBE1}">
-              <a14:hiddenEffects xmlns:a14="http://schemas.microsoft.com/office/drawing/2010/main" xmlns="">
+              <a14:hiddenEffects xmlns="" xmlns:a14="http://schemas.microsoft.com/office/drawing/2010/main">
                 <a:effectLst>
                   <a:outerShdw blurRad="63500" dist="38099" dir="2700000" algn="ctr" rotWithShape="0">
                     <a:srgbClr val="000000">
@@ -6183,14 +6183,14 @@
           </a:ln>
           <a:extLst>
             <a:ext uri="{909E8E84-426E-40dd-AFC4-6F175D3DCCD1}">
-              <a14:hiddenFill xmlns:a14="http://schemas.microsoft.com/office/drawing/2010/main" xmlns="">
+              <a14:hiddenFill xmlns="" xmlns:a14="http://schemas.microsoft.com/office/drawing/2010/main">
                 <a:solidFill>
                   <a:schemeClr val="accent1"/>
                 </a:solidFill>
               </a14:hiddenFill>
             </a:ext>
             <a:ext uri="{91240B29-F687-4f45-9708-019B960494DF}">
-              <a14:hiddenLine xmlns:a14="http://schemas.microsoft.com/office/drawing/2010/main" xmlns="" w="9525" cap="flat" cmpd="sng" algn="ctr">
+              <a14:hiddenLine xmlns="" xmlns:a14="http://schemas.microsoft.com/office/drawing/2010/main" w="9525" cap="flat" cmpd="sng" algn="ctr">
                 <a:solidFill>
                   <a:schemeClr val="tx1"/>
                 </a:solidFill>
@@ -6201,7 +6201,7 @@
               </a14:hiddenLine>
             </a:ext>
             <a:ext uri="{AF507438-7753-43e0-B8FC-AC1667EBCBE1}">
-              <a14:hiddenEffects xmlns:a14="http://schemas.microsoft.com/office/drawing/2010/main" xmlns="">
+              <a14:hiddenEffects xmlns="" xmlns:a14="http://schemas.microsoft.com/office/drawing/2010/main">
                 <a:effectLst>
                   <a:outerShdw blurRad="63500" dist="38099" dir="2700000" algn="ctr" rotWithShape="0">
                     <a:srgbClr val="000000">
@@ -7713,14 +7713,14 @@
           </a:ln>
           <a:extLst>
             <a:ext uri="{909E8E84-426E-40dd-AFC4-6F175D3DCCD1}">
-              <a14:hiddenFill xmlns:a14="http://schemas.microsoft.com/office/drawing/2010/main" xmlns="">
+              <a14:hiddenFill xmlns="" xmlns:a14="http://schemas.microsoft.com/office/drawing/2010/main">
                 <a:solidFill>
                   <a:schemeClr val="accent1"/>
                 </a:solidFill>
               </a14:hiddenFill>
             </a:ext>
             <a:ext uri="{91240B29-F687-4f45-9708-019B960494DF}">
-              <a14:hiddenLine xmlns:a14="http://schemas.microsoft.com/office/drawing/2010/main" xmlns="" w="9525" cap="flat" cmpd="sng" algn="ctr">
+              <a14:hiddenLine xmlns="" xmlns:a14="http://schemas.microsoft.com/office/drawing/2010/main" w="9525" cap="flat" cmpd="sng" algn="ctr">
                 <a:solidFill>
                   <a:schemeClr val="tx1"/>
                 </a:solidFill>
@@ -7731,7 +7731,7 @@
               </a14:hiddenLine>
             </a:ext>
             <a:ext uri="{AF507438-7753-43e0-B8FC-AC1667EBCBE1}">
-              <a14:hiddenEffects xmlns:a14="http://schemas.microsoft.com/office/drawing/2010/main" xmlns="">
+              <a14:hiddenEffects xmlns="" xmlns:a14="http://schemas.microsoft.com/office/drawing/2010/main">
                 <a:effectLst>
                   <a:outerShdw blurRad="63500" dist="38099" dir="2700000" algn="ctr" rotWithShape="0">
                     <a:srgbClr val="000000">
@@ -9170,14 +9170,14 @@
           </a:ln>
           <a:extLst>
             <a:ext uri="{909E8E84-426E-40dd-AFC4-6F175D3DCCD1}">
-              <a14:hiddenFill xmlns:a14="http://schemas.microsoft.com/office/drawing/2010/main" xmlns="">
+              <a14:hiddenFill xmlns="" xmlns:a14="http://schemas.microsoft.com/office/drawing/2010/main">
                 <a:solidFill>
                   <a:schemeClr val="accent1"/>
                 </a:solidFill>
               </a14:hiddenFill>
             </a:ext>
             <a:ext uri="{91240B29-F687-4f45-9708-019B960494DF}">
-              <a14:hiddenLine xmlns:a14="http://schemas.microsoft.com/office/drawing/2010/main" xmlns="" w="9525" cap="flat" cmpd="sng" algn="ctr">
+              <a14:hiddenLine xmlns="" xmlns:a14="http://schemas.microsoft.com/office/drawing/2010/main" w="9525" cap="flat" cmpd="sng" algn="ctr">
                 <a:solidFill>
                   <a:schemeClr val="tx1"/>
                 </a:solidFill>
@@ -9188,7 +9188,7 @@
               </a14:hiddenLine>
             </a:ext>
             <a:ext uri="{AF507438-7753-43e0-B8FC-AC1667EBCBE1}">
-              <a14:hiddenEffects xmlns:a14="http://schemas.microsoft.com/office/drawing/2010/main" xmlns="">
+              <a14:hiddenEffects xmlns="" xmlns:a14="http://schemas.microsoft.com/office/drawing/2010/main">
                 <a:effectLst>
                   <a:outerShdw blurRad="63500" dist="38099" dir="2700000" algn="ctr" rotWithShape="0">
                     <a:srgbClr val="000000">
@@ -10980,14 +10980,14 @@
           <a:effectLst/>
           <a:extLst>
             <a:ext uri="{909E8E84-426E-40dd-AFC4-6F175D3DCCD1}">
-              <a14:hiddenFill xmlns:a14="http://schemas.microsoft.com/office/drawing/2010/main" xmlns="">
+              <a14:hiddenFill xmlns="" xmlns:a14="http://schemas.microsoft.com/office/drawing/2010/main">
                 <a:solidFill>
                   <a:schemeClr val="accent1"/>
                 </a:solidFill>
               </a14:hiddenFill>
             </a:ext>
             <a:ext uri="{91240B29-F687-4f45-9708-019B960494DF}">
-              <a14:hiddenLine xmlns:a14="http://schemas.microsoft.com/office/drawing/2010/main" xmlns="" w="9525" cap="flat" cmpd="sng" algn="ctr">
+              <a14:hiddenLine xmlns="" xmlns:a14="http://schemas.microsoft.com/office/drawing/2010/main" w="9525" cap="flat" cmpd="sng" algn="ctr">
                 <a:solidFill>
                   <a:schemeClr val="tx1"/>
                 </a:solidFill>
@@ -10998,7 +10998,7 @@
               </a14:hiddenLine>
             </a:ext>
             <a:ext uri="{AF507438-7753-43e0-B8FC-AC1667EBCBE1}">
-              <a14:hiddenEffects xmlns:a14="http://schemas.microsoft.com/office/drawing/2010/main" xmlns="">
+              <a14:hiddenEffects xmlns="" xmlns:a14="http://schemas.microsoft.com/office/drawing/2010/main">
                 <a:effectLst>
                   <a:outerShdw blurRad="63500" dist="38099" dir="2700000" algn="ctr" rotWithShape="0">
                     <a:srgbClr val="000000">
@@ -11763,13 +11763,13 @@
         </p:nvSpPr>
         <p:spPr>
           <a:xfrm>
-            <a:off x="1619672" y="2132856"/>
-            <a:ext cx="5976664" cy="3096344"/>
+            <a:off x="395536" y="1844824"/>
+            <a:ext cx="8254355" cy="3384376"/>
           </a:xfrm>
         </p:spPr>
         <p:txBody>
           <a:bodyPr wrap="square" anchor="t">
-            <a:normAutofit/>
+            <a:normAutofit fontScale="92500"/>
           </a:bodyPr>
           <a:lstStyle/>
           <a:p>
@@ -11794,7 +11794,15 @@
             </a:pPr>
             <a:r>
               <a:rPr lang="it-IT" altLang="it-IT" sz="2800" dirty="0"/>
-              <a:t>with all the names of the components.</a:t>
+              <a:t>with all the names of the </a:t>
+            </a:r>
+            <a:r>
+              <a:rPr lang="it-IT" altLang="it-IT" sz="2800" dirty="0" err="1"/>
+              <a:t>components</a:t>
+            </a:r>
+            <a:r>
+              <a:rPr lang="it-IT" altLang="it-IT" sz="2800" dirty="0"/>
+              <a:t>.</a:t>
             </a:r>
           </a:p>
           <a:p>
@@ -11807,7 +11815,69 @@
             <a:pPr marL="0" indent="0" algn="ctr">
               <a:buNone/>
             </a:pPr>
-            <a:endParaRPr lang="it-IT" altLang="it-IT" sz="2800" dirty="0"/>
+            <a:r>
+              <a:rPr lang="it-IT" altLang="it-IT" sz="2800" u="sng" dirty="0" err="1"/>
+              <a:t>Otherwise</a:t>
+            </a:r>
+            <a:r>
+              <a:rPr lang="it-IT" altLang="it-IT" sz="2800" u="sng" dirty="0"/>
+              <a:t>, </a:t>
+            </a:r>
+            <a:r>
+              <a:rPr lang="it-IT" altLang="it-IT" sz="2800" u="sng" dirty="0" err="1"/>
+              <a:t>you</a:t>
+            </a:r>
+            <a:r>
+              <a:rPr lang="it-IT" altLang="it-IT" sz="2800" u="sng" dirty="0"/>
+              <a:t> can update the Excel file </a:t>
+            </a:r>
+            <a:r>
+              <a:rPr lang="it-IT" altLang="it-IT" sz="2800" u="sng" dirty="0" err="1"/>
+              <a:t>shared</a:t>
+            </a:r>
+            <a:r>
+              <a:rPr lang="it-IT" altLang="it-IT" sz="2800" u="sng" dirty="0"/>
+              <a:t> </a:t>
+            </a:r>
+            <a:r>
+              <a:rPr lang="it-IT" altLang="it-IT" sz="2800" u="sng" dirty="0" err="1"/>
+              <a:t>at</a:t>
+            </a:r>
+            <a:r>
+              <a:rPr lang="it-IT" altLang="it-IT" sz="2800" u="sng" dirty="0"/>
+              <a:t> </a:t>
+            </a:r>
+            <a:r>
+              <a:rPr lang="it-IT" altLang="it-IT" sz="2800" u="sng" dirty="0" err="1"/>
+              <a:t>this</a:t>
+            </a:r>
+            <a:r>
+              <a:rPr lang="it-IT" altLang="it-IT" sz="2800" u="sng" dirty="0"/>
+              <a:t> link:</a:t>
+            </a:r>
+          </a:p>
+          <a:p>
+            <a:pPr marL="0" indent="0" algn="ctr">
+              <a:buNone/>
+            </a:pPr>
+            <a:endParaRPr lang="it-IT" altLang="it-IT" sz="2800" u="sng" dirty="0"/>
+          </a:p>
+          <a:p>
+            <a:pPr marL="0" indent="0" algn="ctr">
+              <a:buNone/>
+            </a:pPr>
+            <a:r>
+              <a:rPr lang="it-IT" sz="1700" b="0" i="0" dirty="0">
+                <a:solidFill>
+                  <a:srgbClr val="24292E"/>
+                </a:solidFill>
+                <a:effectLst/>
+                <a:latin typeface="SFMono-Regular"/>
+                <a:hlinkClick r:id="rId3"/>
+              </a:rPr>
+              <a:t>https://drive.google.com/drive/folders/1YMwwPoekwJrw_-UYkZYUkTFqC8bqAy0F?usp=sharing</a:t>
+            </a:r>
+            <a:endParaRPr lang="it-IT" altLang="it-IT" sz="2200" dirty="0"/>
           </a:p>
           <a:p>
             <a:pPr marL="0" indent="0" algn="ctr">
@@ -11820,7 +11890,7 @@
     </p:spTree>
     <p:extLst>
       <p:ext uri="{BB962C8B-B14F-4D97-AF65-F5344CB8AC3E}">
-        <p14:creationId xmlns:p14="http://schemas.microsoft.com/office/powerpoint/2010/main" val="3099832856"/>
+        <p14:creationId xmlns:p14="http://schemas.microsoft.com/office/powerpoint/2010/main" val="818349708"/>
       </p:ext>
     </p:extLst>
   </p:cSld>
@@ -12245,14 +12315,14 @@
         <a:effectLst/>
         <a:extLst>
           <a:ext uri="{909E8E84-426E-40dd-AFC4-6F175D3DCCD1}">
-            <a14:hiddenFill xmlns="" xmlns:a14="http://schemas.microsoft.com/office/drawing/2010/main">
+            <a14:hiddenFill xmlns:a14="http://schemas.microsoft.com/office/drawing/2010/main" xmlns="">
               <a:solidFill>
                 <a:schemeClr val="accent1"/>
               </a:solidFill>
             </a14:hiddenFill>
           </a:ext>
           <a:ext uri="{91240B29-F687-4f45-9708-019B960494DF}">
-            <a14:hiddenLine xmlns="" xmlns:a14="http://schemas.microsoft.com/office/drawing/2010/main" w="9525" cap="flat" cmpd="sng" algn="ctr">
+            <a14:hiddenLine xmlns:a14="http://schemas.microsoft.com/office/drawing/2010/main" xmlns="" w="9525" cap="flat" cmpd="sng" algn="ctr">
               <a:solidFill>
                 <a:schemeClr val="tx1"/>
               </a:solidFill>
@@ -12263,7 +12333,7 @@
             </a14:hiddenLine>
           </a:ext>
           <a:ext uri="{AF507438-7753-43e0-B8FC-AC1667EBCBE1}">
-            <a14:hiddenEffects xmlns="" xmlns:a14="http://schemas.microsoft.com/office/drawing/2010/main">
+            <a14:hiddenEffects xmlns:a14="http://schemas.microsoft.com/office/drawing/2010/main" xmlns="">
               <a:effectLst>
                 <a:outerShdw blurRad="63500" dist="38099" dir="2700000" algn="ctr" rotWithShape="0">
                   <a:srgbClr val="000000">
@@ -12332,14 +12402,14 @@
         <a:effectLst/>
         <a:extLst>
           <a:ext uri="{909E8E84-426E-40dd-AFC4-6F175D3DCCD1}">
-            <a14:hiddenFill xmlns="" xmlns:a14="http://schemas.microsoft.com/office/drawing/2010/main">
+            <a14:hiddenFill xmlns:a14="http://schemas.microsoft.com/office/drawing/2010/main" xmlns="">
               <a:solidFill>
                 <a:schemeClr val="accent1"/>
               </a:solidFill>
             </a14:hiddenFill>
           </a:ext>
           <a:ext uri="{91240B29-F687-4f45-9708-019B960494DF}">
-            <a14:hiddenLine xmlns="" xmlns:a14="http://schemas.microsoft.com/office/drawing/2010/main" w="9525" cap="flat" cmpd="sng" algn="ctr">
+            <a14:hiddenLine xmlns:a14="http://schemas.microsoft.com/office/drawing/2010/main" xmlns="" w="9525" cap="flat" cmpd="sng" algn="ctr">
               <a:solidFill>
                 <a:schemeClr val="tx1"/>
               </a:solidFill>
@@ -12350,7 +12420,7 @@
             </a14:hiddenLine>
           </a:ext>
           <a:ext uri="{AF507438-7753-43e0-B8FC-AC1667EBCBE1}">
-            <a14:hiddenEffects xmlns="" xmlns:a14="http://schemas.microsoft.com/office/drawing/2010/main">
+            <a14:hiddenEffects xmlns:a14="http://schemas.microsoft.com/office/drawing/2010/main" xmlns="">
               <a:effectLst>
                 <a:outerShdw blurRad="63500" dist="38099" dir="2700000" algn="ctr" rotWithShape="0">
                   <a:srgbClr val="000000">

--- a/Lecture 1/Lecture 1.pptx
+++ b/Lecture 1/Lecture 1.pptx
@@ -261,14 +261,14 @@
           </a:ln>
           <a:extLst>
             <a:ext uri="{909E8E84-426E-40dd-AFC4-6F175D3DCCD1}">
-              <a14:hiddenFill xmlns:a14="http://schemas.microsoft.com/office/drawing/2010/main" xmlns="">
+              <a14:hiddenFill xmlns="" xmlns:a14="http://schemas.microsoft.com/office/drawing/2010/main">
                 <a:solidFill>
                   <a:schemeClr val="accent1"/>
                 </a:solidFill>
               </a14:hiddenFill>
             </a:ext>
             <a:ext uri="{91240B29-F687-4f45-9708-019B960494DF}">
-              <a14:hiddenLine xmlns:a14="http://schemas.microsoft.com/office/drawing/2010/main" xmlns="" w="9525">
+              <a14:hiddenLine xmlns="" xmlns:a14="http://schemas.microsoft.com/office/drawing/2010/main" w="9525">
                 <a:solidFill>
                   <a:schemeClr val="tx1"/>
                 </a:solidFill>
@@ -278,7 +278,7 @@
               </a14:hiddenLine>
             </a:ext>
             <a:ext uri="{FAA26D3D-D897-4be2-8F04-BA451C77F1D7}">
-              <ma14:placeholderFlag xmlns:ma14="http://schemas.microsoft.com/office/mac/drawingml/2011/main" xmlns="" val="1"/>
+              <ma14:placeholderFlag xmlns="" xmlns:ma14="http://schemas.microsoft.com/office/mac/drawingml/2011/main" val="1"/>
             </a:ext>
           </a:extLst>
         </p:spPr>
@@ -338,14 +338,14 @@
           </a:ln>
           <a:extLst>
             <a:ext uri="{909E8E84-426E-40dd-AFC4-6F175D3DCCD1}">
-              <a14:hiddenFill xmlns:a14="http://schemas.microsoft.com/office/drawing/2010/main" xmlns="">
+              <a14:hiddenFill xmlns="" xmlns:a14="http://schemas.microsoft.com/office/drawing/2010/main">
                 <a:solidFill>
                   <a:schemeClr val="accent1"/>
                 </a:solidFill>
               </a14:hiddenFill>
             </a:ext>
             <a:ext uri="{91240B29-F687-4f45-9708-019B960494DF}">
-              <a14:hiddenLine xmlns:a14="http://schemas.microsoft.com/office/drawing/2010/main" xmlns="" w="9525">
+              <a14:hiddenLine xmlns="" xmlns:a14="http://schemas.microsoft.com/office/drawing/2010/main" w="9525">
                 <a:solidFill>
                   <a:schemeClr val="tx1"/>
                 </a:solidFill>
@@ -355,7 +355,7 @@
               </a14:hiddenLine>
             </a:ext>
             <a:ext uri="{FAA26D3D-D897-4be2-8F04-BA451C77F1D7}">
-              <ma14:placeholderFlag xmlns:ma14="http://schemas.microsoft.com/office/mac/drawingml/2011/main" xmlns="" val="1"/>
+              <ma14:placeholderFlag xmlns="" xmlns:ma14="http://schemas.microsoft.com/office/mac/drawingml/2011/main" val="1"/>
             </a:ext>
           </a:extLst>
         </p:spPr>
@@ -415,14 +415,14 @@
           </a:ln>
           <a:extLst>
             <a:ext uri="{909E8E84-426E-40dd-AFC4-6F175D3DCCD1}">
-              <a14:hiddenFill xmlns:a14="http://schemas.microsoft.com/office/drawing/2010/main" xmlns="">
+              <a14:hiddenFill xmlns="" xmlns:a14="http://schemas.microsoft.com/office/drawing/2010/main">
                 <a:solidFill>
                   <a:schemeClr val="accent1"/>
                 </a:solidFill>
               </a14:hiddenFill>
             </a:ext>
             <a:ext uri="{91240B29-F687-4f45-9708-019B960494DF}">
-              <a14:hiddenLine xmlns:a14="http://schemas.microsoft.com/office/drawing/2010/main" xmlns="" w="9525">
+              <a14:hiddenLine xmlns="" xmlns:a14="http://schemas.microsoft.com/office/drawing/2010/main" w="9525">
                 <a:solidFill>
                   <a:schemeClr val="tx1"/>
                 </a:solidFill>
@@ -432,7 +432,7 @@
               </a14:hiddenLine>
             </a:ext>
             <a:ext uri="{FAA26D3D-D897-4be2-8F04-BA451C77F1D7}">
-              <ma14:placeholderFlag xmlns:ma14="http://schemas.microsoft.com/office/mac/drawingml/2011/main" xmlns="" val="1"/>
+              <ma14:placeholderFlag xmlns="" xmlns:ma14="http://schemas.microsoft.com/office/mac/drawingml/2011/main" val="1"/>
             </a:ext>
           </a:extLst>
         </p:spPr>
@@ -492,14 +492,14 @@
           </a:ln>
           <a:extLst>
             <a:ext uri="{909E8E84-426E-40dd-AFC4-6F175D3DCCD1}">
-              <a14:hiddenFill xmlns:a14="http://schemas.microsoft.com/office/drawing/2010/main" xmlns="">
+              <a14:hiddenFill xmlns="" xmlns:a14="http://schemas.microsoft.com/office/drawing/2010/main">
                 <a:solidFill>
                   <a:schemeClr val="accent1"/>
                 </a:solidFill>
               </a14:hiddenFill>
             </a:ext>
             <a:ext uri="{91240B29-F687-4f45-9708-019B960494DF}">
-              <a14:hiddenLine xmlns:a14="http://schemas.microsoft.com/office/drawing/2010/main" xmlns="" w="9525">
+              <a14:hiddenLine xmlns="" xmlns:a14="http://schemas.microsoft.com/office/drawing/2010/main" w="9525">
                 <a:solidFill>
                   <a:schemeClr val="tx1"/>
                 </a:solidFill>
@@ -509,7 +509,7 @@
               </a14:hiddenLine>
             </a:ext>
             <a:ext uri="{FAA26D3D-D897-4be2-8F04-BA451C77F1D7}">
-              <ma14:placeholderFlag xmlns:ma14="http://schemas.microsoft.com/office/mac/drawingml/2011/main" xmlns="" val="1"/>
+              <ma14:placeholderFlag xmlns="" xmlns:ma14="http://schemas.microsoft.com/office/mac/drawingml/2011/main" val="1"/>
             </a:ext>
           </a:extLst>
         </p:spPr>
@@ -605,14 +605,14 @@
           </a:ln>
           <a:extLst>
             <a:ext uri="{909E8E84-426E-40dd-AFC4-6F175D3DCCD1}">
-              <a14:hiddenFill xmlns:a14="http://schemas.microsoft.com/office/drawing/2010/main" xmlns="">
+              <a14:hiddenFill xmlns="" xmlns:a14="http://schemas.microsoft.com/office/drawing/2010/main">
                 <a:solidFill>
                   <a:schemeClr val="accent1"/>
                 </a:solidFill>
               </a14:hiddenFill>
             </a:ext>
             <a:ext uri="{91240B29-F687-4f45-9708-019B960494DF}">
-              <a14:hiddenLine xmlns:a14="http://schemas.microsoft.com/office/drawing/2010/main" xmlns="" w="9525">
+              <a14:hiddenLine xmlns="" xmlns:a14="http://schemas.microsoft.com/office/drawing/2010/main" w="9525">
                 <a:solidFill>
                   <a:schemeClr val="tx1"/>
                 </a:solidFill>
@@ -622,7 +622,7 @@
               </a14:hiddenLine>
             </a:ext>
             <a:ext uri="{FAA26D3D-D897-4be2-8F04-BA451C77F1D7}">
-              <ma14:placeholderFlag xmlns:ma14="http://schemas.microsoft.com/office/mac/drawingml/2011/main" xmlns="" val="1"/>
+              <ma14:placeholderFlag xmlns="" xmlns:ma14="http://schemas.microsoft.com/office/mac/drawingml/2011/main" val="1"/>
             </a:ext>
           </a:extLst>
         </p:spPr>
@@ -682,14 +682,14 @@
           </a:ln>
           <a:extLst>
             <a:ext uri="{909E8E84-426E-40dd-AFC4-6F175D3DCCD1}">
-              <a14:hiddenFill xmlns:a14="http://schemas.microsoft.com/office/drawing/2010/main" xmlns="">
+              <a14:hiddenFill xmlns="" xmlns:a14="http://schemas.microsoft.com/office/drawing/2010/main">
                 <a:solidFill>
                   <a:schemeClr val="accent1"/>
                 </a:solidFill>
               </a14:hiddenFill>
             </a:ext>
             <a:ext uri="{91240B29-F687-4f45-9708-019B960494DF}">
-              <a14:hiddenLine xmlns:a14="http://schemas.microsoft.com/office/drawing/2010/main" xmlns="" w="9525">
+              <a14:hiddenLine xmlns="" xmlns:a14="http://schemas.microsoft.com/office/drawing/2010/main" w="9525">
                 <a:solidFill>
                   <a:schemeClr val="tx1"/>
                 </a:solidFill>
@@ -699,7 +699,7 @@
               </a14:hiddenLine>
             </a:ext>
             <a:ext uri="{FAA26D3D-D897-4be2-8F04-BA451C77F1D7}">
-              <ma14:placeholderFlag xmlns:ma14="http://schemas.microsoft.com/office/mac/drawingml/2011/main" xmlns="" val="1"/>
+              <ma14:placeholderFlag xmlns="" xmlns:ma14="http://schemas.microsoft.com/office/mac/drawingml/2011/main" val="1"/>
             </a:ext>
           </a:extLst>
         </p:spPr>
@@ -765,7 +765,7 @@
           <a:effectLst/>
           <a:extLst>
             <a:ext uri="{AF507438-7753-43e0-B8FC-AC1667EBCBE1}">
-              <a14:hiddenEffects xmlns:a14="http://schemas.microsoft.com/office/drawing/2010/main" xmlns="">
+              <a14:hiddenEffects xmlns="" xmlns:a14="http://schemas.microsoft.com/office/drawing/2010/main">
                 <a:effectLst>
                   <a:outerShdw blurRad="63500" dist="38099" dir="2700000" algn="ctr" rotWithShape="0">
                     <a:srgbClr val="000000">
@@ -776,7 +776,7 @@
               </a14:hiddenEffects>
             </a:ext>
             <a:ext uri="{53640926-AAD7-44d8-BBD7-CCE9431645EC}">
-              <a14:shadowObscured xmlns:a14="http://schemas.microsoft.com/office/drawing/2010/main" xmlns="" val="1"/>
+              <a14:shadowObscured xmlns="" xmlns:a14="http://schemas.microsoft.com/office/drawing/2010/main" val="1"/>
             </a:ext>
           </a:extLst>
         </p:spPr>
@@ -811,14 +811,14 @@
           </a:ln>
           <a:extLst>
             <a:ext uri="{909E8E84-426E-40dd-AFC4-6F175D3DCCD1}">
-              <a14:hiddenFill xmlns:a14="http://schemas.microsoft.com/office/drawing/2010/main" xmlns="">
+              <a14:hiddenFill xmlns="" xmlns:a14="http://schemas.microsoft.com/office/drawing/2010/main">
                 <a:solidFill>
                   <a:schemeClr val="accent1"/>
                 </a:solidFill>
               </a14:hiddenFill>
             </a:ext>
             <a:ext uri="{91240B29-F687-4f45-9708-019B960494DF}">
-              <a14:hiddenLine xmlns:a14="http://schemas.microsoft.com/office/drawing/2010/main" xmlns="" w="9525">
+              <a14:hiddenLine xmlns="" xmlns:a14="http://schemas.microsoft.com/office/drawing/2010/main" w="9525">
                 <a:solidFill>
                   <a:schemeClr val="tx1"/>
                 </a:solidFill>
@@ -828,7 +828,7 @@
               </a14:hiddenLine>
             </a:ext>
             <a:ext uri="{FAA26D3D-D897-4be2-8F04-BA451C77F1D7}">
-              <ma14:placeholderFlag xmlns:ma14="http://schemas.microsoft.com/office/mac/drawingml/2011/main" xmlns="" val="1"/>
+              <ma14:placeholderFlag xmlns="" xmlns:ma14="http://schemas.microsoft.com/office/mac/drawingml/2011/main" val="1"/>
             </a:ext>
           </a:extLst>
         </p:spPr>
@@ -906,14 +906,14 @@
           </a:ln>
           <a:extLst>
             <a:ext uri="{909E8E84-426E-40dd-AFC4-6F175D3DCCD1}">
-              <a14:hiddenFill xmlns:a14="http://schemas.microsoft.com/office/drawing/2010/main" xmlns="">
+              <a14:hiddenFill xmlns="" xmlns:a14="http://schemas.microsoft.com/office/drawing/2010/main">
                 <a:solidFill>
                   <a:schemeClr val="accent1"/>
                 </a:solidFill>
               </a14:hiddenFill>
             </a:ext>
             <a:ext uri="{91240B29-F687-4f45-9708-019B960494DF}">
-              <a14:hiddenLine xmlns:a14="http://schemas.microsoft.com/office/drawing/2010/main" xmlns="" w="9525">
+              <a14:hiddenLine xmlns="" xmlns:a14="http://schemas.microsoft.com/office/drawing/2010/main" w="9525">
                 <a:solidFill>
                   <a:schemeClr val="tx1"/>
                 </a:solidFill>
@@ -923,7 +923,7 @@
               </a14:hiddenLine>
             </a:ext>
             <a:ext uri="{FAA26D3D-D897-4be2-8F04-BA451C77F1D7}">
-              <ma14:placeholderFlag xmlns:ma14="http://schemas.microsoft.com/office/mac/drawingml/2011/main" xmlns="" val="1"/>
+              <ma14:placeholderFlag xmlns="" xmlns:ma14="http://schemas.microsoft.com/office/mac/drawingml/2011/main" val="1"/>
             </a:ext>
           </a:extLst>
         </p:spPr>
@@ -983,14 +983,14 @@
           </a:ln>
           <a:extLst>
             <a:ext uri="{909E8E84-426E-40dd-AFC4-6F175D3DCCD1}">
-              <a14:hiddenFill xmlns:a14="http://schemas.microsoft.com/office/drawing/2010/main" xmlns="">
+              <a14:hiddenFill xmlns="" xmlns:a14="http://schemas.microsoft.com/office/drawing/2010/main">
                 <a:solidFill>
                   <a:schemeClr val="accent1"/>
                 </a:solidFill>
               </a14:hiddenFill>
             </a:ext>
             <a:ext uri="{91240B29-F687-4f45-9708-019B960494DF}">
-              <a14:hiddenLine xmlns:a14="http://schemas.microsoft.com/office/drawing/2010/main" xmlns="" w="9525">
+              <a14:hiddenLine xmlns="" xmlns:a14="http://schemas.microsoft.com/office/drawing/2010/main" w="9525">
                 <a:solidFill>
                   <a:schemeClr val="tx1"/>
                 </a:solidFill>
@@ -1000,7 +1000,7 @@
               </a14:hiddenLine>
             </a:ext>
             <a:ext uri="{FAA26D3D-D897-4be2-8F04-BA451C77F1D7}">
-              <ma14:placeholderFlag xmlns:ma14="http://schemas.microsoft.com/office/mac/drawingml/2011/main" xmlns="" val="1"/>
+              <ma14:placeholderFlag xmlns="" xmlns:ma14="http://schemas.microsoft.com/office/mac/drawingml/2011/main" val="1"/>
             </a:ext>
           </a:extLst>
         </p:spPr>
@@ -1362,7 +1362,7 @@
           <a:ln/>
           <a:extLst>
             <a:ext uri="{FAA26D3D-D897-4be2-8F04-BA451C77F1D7}">
-              <ma14:placeholderFlag xmlns:ma14="http://schemas.microsoft.com/office/mac/drawingml/2011/main" xmlns="" val="1"/>
+              <ma14:placeholderFlag xmlns="" xmlns:ma14="http://schemas.microsoft.com/office/mac/drawingml/2011/main" val="1"/>
             </a:ext>
           </a:extLst>
         </p:spPr>
@@ -4472,7 +4472,7 @@
           <a:effectLst/>
           <a:extLst>
             <a:ext uri="{AF507438-7753-43e0-B8FC-AC1667EBCBE1}">
-              <a14:hiddenEffects xmlns:a14="http://schemas.microsoft.com/office/drawing/2010/main" xmlns="">
+              <a14:hiddenEffects xmlns="" xmlns:a14="http://schemas.microsoft.com/office/drawing/2010/main">
                 <a:effectLst>
                   <a:outerShdw blurRad="63500" dist="38099" dir="2700000" algn="ctr" rotWithShape="0">
                     <a:srgbClr val="000000">
@@ -4773,7 +4773,25 @@
                 </a:solidFill>
                 <a:latin typeface="Calibri" panose="020F0502020204030204" pitchFamily="34" charset="0"/>
               </a:rPr>
-              <a:t>Academic Year 2020-2021</a:t>
+              <a:t>Academic </a:t>
+            </a:r>
+            <a:r>
+              <a:rPr lang="it-IT" altLang="it-IT" sz="1600" b="0" dirty="0" err="1">
+                <a:solidFill>
+                  <a:srgbClr val="FFFFFF"/>
+                </a:solidFill>
+                <a:latin typeface="Calibri" panose="020F0502020204030204" pitchFamily="34" charset="0"/>
+              </a:rPr>
+              <a:t>Year</a:t>
+            </a:r>
+            <a:r>
+              <a:rPr lang="it-IT" altLang="it-IT" sz="1600" b="0">
+                <a:solidFill>
+                  <a:srgbClr val="FFFFFF"/>
+                </a:solidFill>
+                <a:latin typeface="Calibri" panose="020F0502020204030204" pitchFamily="34" charset="0"/>
+              </a:rPr>
+              <a:t> 2021-2022</a:t>
             </a:r>
             <a:br>
               <a:rPr lang="it-IT" altLang="it-IT" sz="1600" b="0" dirty="0">
@@ -5613,14 +5631,14 @@
           </a:ln>
           <a:extLst>
             <a:ext uri="{909E8E84-426E-40dd-AFC4-6F175D3DCCD1}">
-              <a14:hiddenFill xmlns="" xmlns:a14="http://schemas.microsoft.com/office/drawing/2010/main">
+              <a14:hiddenFill xmlns:a14="http://schemas.microsoft.com/office/drawing/2010/main" xmlns="">
                 <a:solidFill>
                   <a:schemeClr val="accent1"/>
                 </a:solidFill>
               </a14:hiddenFill>
             </a:ext>
             <a:ext uri="{91240B29-F687-4f45-9708-019B960494DF}">
-              <a14:hiddenLine xmlns="" xmlns:a14="http://schemas.microsoft.com/office/drawing/2010/main" w="9525" cap="flat" cmpd="sng" algn="ctr">
+              <a14:hiddenLine xmlns:a14="http://schemas.microsoft.com/office/drawing/2010/main" xmlns="" w="9525" cap="flat" cmpd="sng" algn="ctr">
                 <a:solidFill>
                   <a:schemeClr val="tx1"/>
                 </a:solidFill>
@@ -5631,7 +5649,7 @@
               </a14:hiddenLine>
             </a:ext>
             <a:ext uri="{AF507438-7753-43e0-B8FC-AC1667EBCBE1}">
-              <a14:hiddenEffects xmlns="" xmlns:a14="http://schemas.microsoft.com/office/drawing/2010/main">
+              <a14:hiddenEffects xmlns:a14="http://schemas.microsoft.com/office/drawing/2010/main" xmlns="">
                 <a:effectLst>
                   <a:outerShdw blurRad="63500" dist="38099" dir="2700000" algn="ctr" rotWithShape="0">
                     <a:srgbClr val="000000">
@@ -5898,14 +5916,14 @@
           </a:ln>
           <a:extLst>
             <a:ext uri="{909E8E84-426E-40dd-AFC4-6F175D3DCCD1}">
-              <a14:hiddenFill xmlns="" xmlns:a14="http://schemas.microsoft.com/office/drawing/2010/main">
+              <a14:hiddenFill xmlns:a14="http://schemas.microsoft.com/office/drawing/2010/main" xmlns="">
                 <a:solidFill>
                   <a:schemeClr val="accent1"/>
                 </a:solidFill>
               </a14:hiddenFill>
             </a:ext>
             <a:ext uri="{91240B29-F687-4f45-9708-019B960494DF}">
-              <a14:hiddenLine xmlns="" xmlns:a14="http://schemas.microsoft.com/office/drawing/2010/main" w="9525" cap="flat" cmpd="sng" algn="ctr">
+              <a14:hiddenLine xmlns:a14="http://schemas.microsoft.com/office/drawing/2010/main" xmlns="" w="9525" cap="flat" cmpd="sng" algn="ctr">
                 <a:solidFill>
                   <a:schemeClr val="tx1"/>
                 </a:solidFill>
@@ -5916,7 +5934,7 @@
               </a14:hiddenLine>
             </a:ext>
             <a:ext uri="{AF507438-7753-43e0-B8FC-AC1667EBCBE1}">
-              <a14:hiddenEffects xmlns="" xmlns:a14="http://schemas.microsoft.com/office/drawing/2010/main">
+              <a14:hiddenEffects xmlns:a14="http://schemas.microsoft.com/office/drawing/2010/main" xmlns="">
                 <a:effectLst>
                   <a:outerShdw blurRad="63500" dist="38099" dir="2700000" algn="ctr" rotWithShape="0">
                     <a:srgbClr val="000000">
@@ -6183,14 +6201,14 @@
           </a:ln>
           <a:extLst>
             <a:ext uri="{909E8E84-426E-40dd-AFC4-6F175D3DCCD1}">
-              <a14:hiddenFill xmlns="" xmlns:a14="http://schemas.microsoft.com/office/drawing/2010/main">
+              <a14:hiddenFill xmlns:a14="http://schemas.microsoft.com/office/drawing/2010/main" xmlns="">
                 <a:solidFill>
                   <a:schemeClr val="accent1"/>
                 </a:solidFill>
               </a14:hiddenFill>
             </a:ext>
             <a:ext uri="{91240B29-F687-4f45-9708-019B960494DF}">
-              <a14:hiddenLine xmlns="" xmlns:a14="http://schemas.microsoft.com/office/drawing/2010/main" w="9525" cap="flat" cmpd="sng" algn="ctr">
+              <a14:hiddenLine xmlns:a14="http://schemas.microsoft.com/office/drawing/2010/main" xmlns="" w="9525" cap="flat" cmpd="sng" algn="ctr">
                 <a:solidFill>
                   <a:schemeClr val="tx1"/>
                 </a:solidFill>
@@ -6201,7 +6219,7 @@
               </a14:hiddenLine>
             </a:ext>
             <a:ext uri="{AF507438-7753-43e0-B8FC-AC1667EBCBE1}">
-              <a14:hiddenEffects xmlns="" xmlns:a14="http://schemas.microsoft.com/office/drawing/2010/main">
+              <a14:hiddenEffects xmlns:a14="http://schemas.microsoft.com/office/drawing/2010/main" xmlns="">
                 <a:effectLst>
                   <a:outerShdw blurRad="63500" dist="38099" dir="2700000" algn="ctr" rotWithShape="0">
                     <a:srgbClr val="000000">
@@ -6778,7 +6796,7 @@
             </a:pPr>
             <a:r>
               <a:rPr lang="en-GB" altLang="it-IT" sz="2800" dirty="0"/>
-              <a:t>Until now you have received a complete explanation about Networking Fundamentals</a:t>
+              <a:t>Until now you have received a theoretical explanation about Networking Fundamentals</a:t>
             </a:r>
           </a:p>
           <a:p>
@@ -7236,7 +7254,15 @@
             </a:pPr>
             <a:r>
               <a:rPr lang="it-IT" altLang="it-IT" dirty="0"/>
-              <a:t>Observing the different analysis made within Wireshark, we take the inspiration to implement something similar for our ML Project.</a:t>
+              <a:t>Observing the different analysis made within Wireshark, we take the inspiration to implement something similar for </a:t>
+            </a:r>
+            <a:r>
+              <a:rPr lang="it-IT" altLang="it-IT" dirty="0" err="1"/>
+              <a:t>our</a:t>
+            </a:r>
+            <a:r>
+              <a:rPr lang="it-IT" altLang="it-IT" dirty="0"/>
+              <a:t> Machine Learning Project.</a:t>
             </a:r>
           </a:p>
           <a:p>
@@ -7251,7 +7277,15 @@
             </a:pPr>
             <a:r>
               <a:rPr lang="en-GB" altLang="it-IT" dirty="0"/>
-              <a:t>But now let’s start to install Wireshark !</a:t>
+              <a:t>But now let’s start by </a:t>
+            </a:r>
+            <a:r>
+              <a:rPr lang="en-GB" altLang="it-IT" b="1" dirty="0"/>
+              <a:t>installing Wireshark</a:t>
+            </a:r>
+            <a:r>
+              <a:rPr lang="en-GB" altLang="it-IT" dirty="0"/>
+              <a:t> !</a:t>
             </a:r>
             <a:endParaRPr lang="it-IT" altLang="it-IT" dirty="0"/>
           </a:p>
@@ -7387,7 +7421,7 @@
                   <a:srgbClr val="C00000"/>
                 </a:solidFill>
               </a:rPr>
-              <a:t>Under Windows: </a:t>
+              <a:t>Windows: </a:t>
             </a:r>
             <a:r>
               <a:rPr lang="it-IT" altLang="it-IT" dirty="0"/>
@@ -7405,12 +7439,20 @@
               <a:buNone/>
             </a:pPr>
             <a:r>
+              <a:rPr lang="it-IT" altLang="it-IT" dirty="0" err="1">
+                <a:solidFill>
+                  <a:srgbClr val="C00000"/>
+                </a:solidFill>
+              </a:rPr>
+              <a:t>macOS</a:t>
+            </a:r>
+            <a:r>
               <a:rPr lang="it-IT" altLang="it-IT" dirty="0">
                 <a:solidFill>
                   <a:srgbClr val="C00000"/>
                 </a:solidFill>
               </a:rPr>
-              <a:t>Under macOS:</a:t>
+              <a:t>:</a:t>
             </a:r>
             <a:r>
               <a:rPr lang="it-IT" altLang="it-IT" dirty="0"/>
@@ -7428,12 +7470,20 @@
               <a:buNone/>
             </a:pPr>
             <a:r>
+              <a:rPr lang="it-IT" altLang="it-IT">
+                <a:solidFill>
+                  <a:srgbClr val="C00000"/>
+                </a:solidFill>
+              </a:rPr>
+              <a:t>Unix</a:t>
+            </a:r>
+            <a:r>
               <a:rPr lang="it-IT" altLang="it-IT" dirty="0">
                 <a:solidFill>
                   <a:srgbClr val="C00000"/>
                 </a:solidFill>
               </a:rPr>
-              <a:t>Under Unix:</a:t>
+              <a:t>:</a:t>
             </a:r>
           </a:p>
           <a:p>
@@ -7713,14 +7763,14 @@
           </a:ln>
           <a:extLst>
             <a:ext uri="{909E8E84-426E-40dd-AFC4-6F175D3DCCD1}">
-              <a14:hiddenFill xmlns="" xmlns:a14="http://schemas.microsoft.com/office/drawing/2010/main">
+              <a14:hiddenFill xmlns:a14="http://schemas.microsoft.com/office/drawing/2010/main" xmlns="">
                 <a:solidFill>
                   <a:schemeClr val="accent1"/>
                 </a:solidFill>
               </a14:hiddenFill>
             </a:ext>
             <a:ext uri="{91240B29-F687-4f45-9708-019B960494DF}">
-              <a14:hiddenLine xmlns="" xmlns:a14="http://schemas.microsoft.com/office/drawing/2010/main" w="9525" cap="flat" cmpd="sng" algn="ctr">
+              <a14:hiddenLine xmlns:a14="http://schemas.microsoft.com/office/drawing/2010/main" xmlns="" w="9525" cap="flat" cmpd="sng" algn="ctr">
                 <a:solidFill>
                   <a:schemeClr val="tx1"/>
                 </a:solidFill>
@@ -7731,7 +7781,7 @@
               </a14:hiddenLine>
             </a:ext>
             <a:ext uri="{AF507438-7753-43e0-B8FC-AC1667EBCBE1}">
-              <a14:hiddenEffects xmlns="" xmlns:a14="http://schemas.microsoft.com/office/drawing/2010/main">
+              <a14:hiddenEffects xmlns:a14="http://schemas.microsoft.com/office/drawing/2010/main" xmlns="">
                 <a:effectLst>
                   <a:outerShdw blurRad="63500" dist="38099" dir="2700000" algn="ctr" rotWithShape="0">
                     <a:srgbClr val="000000">
@@ -8151,7 +8201,47 @@
                 <a:latin typeface="+mn-lt"/>
                 <a:sym typeface="Wingdings" panose="05000000000000000000" pitchFamily="2" charset="2"/>
               </a:rPr>
-              <a:t>**We can also custumized them</a:t>
+              <a:t>**We can </a:t>
+            </a:r>
+            <a:r>
+              <a:rPr lang="it-IT" sz="1800" dirty="0" err="1">
+                <a:solidFill>
+                  <a:srgbClr val="000000"/>
+                </a:solidFill>
+                <a:latin typeface="+mn-lt"/>
+                <a:sym typeface="Wingdings" panose="05000000000000000000" pitchFamily="2" charset="2"/>
+              </a:rPr>
+              <a:t>also</a:t>
+            </a:r>
+            <a:r>
+              <a:rPr lang="it-IT" sz="1800" dirty="0">
+                <a:solidFill>
+                  <a:srgbClr val="000000"/>
+                </a:solidFill>
+                <a:latin typeface="+mn-lt"/>
+                <a:sym typeface="Wingdings" panose="05000000000000000000" pitchFamily="2" charset="2"/>
+              </a:rPr>
+              <a:t> </a:t>
+            </a:r>
+            <a:r>
+              <a:rPr lang="it-IT" sz="1800" dirty="0" err="1">
+                <a:solidFill>
+                  <a:srgbClr val="000000"/>
+                </a:solidFill>
+                <a:latin typeface="+mn-lt"/>
+                <a:sym typeface="Wingdings" panose="05000000000000000000" pitchFamily="2" charset="2"/>
+              </a:rPr>
+              <a:t>customize</a:t>
+            </a:r>
+            <a:r>
+              <a:rPr lang="it-IT" sz="1800" dirty="0">
+                <a:solidFill>
+                  <a:srgbClr val="000000"/>
+                </a:solidFill>
+                <a:latin typeface="+mn-lt"/>
+                <a:sym typeface="Wingdings" panose="05000000000000000000" pitchFamily="2" charset="2"/>
+              </a:rPr>
+              <a:t> them</a:t>
             </a:r>
           </a:p>
           <a:p>
@@ -9170,14 +9260,14 @@
           </a:ln>
           <a:extLst>
             <a:ext uri="{909E8E84-426E-40dd-AFC4-6F175D3DCCD1}">
-              <a14:hiddenFill xmlns="" xmlns:a14="http://schemas.microsoft.com/office/drawing/2010/main">
+              <a14:hiddenFill xmlns:a14="http://schemas.microsoft.com/office/drawing/2010/main" xmlns="">
                 <a:solidFill>
                   <a:schemeClr val="accent1"/>
                 </a:solidFill>
               </a14:hiddenFill>
             </a:ext>
             <a:ext uri="{91240B29-F687-4f45-9708-019B960494DF}">
-              <a14:hiddenLine xmlns="" xmlns:a14="http://schemas.microsoft.com/office/drawing/2010/main" w="9525" cap="flat" cmpd="sng" algn="ctr">
+              <a14:hiddenLine xmlns:a14="http://schemas.microsoft.com/office/drawing/2010/main" xmlns="" w="9525" cap="flat" cmpd="sng" algn="ctr">
                 <a:solidFill>
                   <a:schemeClr val="tx1"/>
                 </a:solidFill>
@@ -9188,7 +9278,7 @@
               </a14:hiddenLine>
             </a:ext>
             <a:ext uri="{AF507438-7753-43e0-B8FC-AC1667EBCBE1}">
-              <a14:hiddenEffects xmlns="" xmlns:a14="http://schemas.microsoft.com/office/drawing/2010/main">
+              <a14:hiddenEffects xmlns:a14="http://schemas.microsoft.com/office/drawing/2010/main" xmlns="">
                 <a:effectLst>
                   <a:outerShdw blurRad="63500" dist="38099" dir="2700000" algn="ctr" rotWithShape="0">
                     <a:srgbClr val="000000">
@@ -10892,7 +10982,7 @@
         </p:spPr>
         <p:txBody>
           <a:bodyPr wrap="square" anchor="t">
-            <a:normAutofit fontScale="92500" lnSpcReduction="20000"/>
+            <a:normAutofit fontScale="85000" lnSpcReduction="10000"/>
           </a:bodyPr>
           <a:lstStyle/>
           <a:p>
@@ -10913,8 +11003,21 @@
             </a:r>
             <a:r>
               <a:rPr lang="en-GB" altLang="it-IT" sz="2000" dirty="0"/>
-              <a:t>: It is possible to use the groups formed with Prof. Baiocchi</a:t>
-            </a:r>
+              <a:t>: It is possible to use the groups formed with Prof. </a:t>
+            </a:r>
+            <a:r>
+              <a:rPr lang="en-GB" altLang="it-IT" sz="2000" dirty="0" err="1"/>
+              <a:t>Baiocchi</a:t>
+            </a:r>
+            <a:r>
+              <a:rPr lang="en-GB" altLang="it-IT" sz="2000" dirty="0"/>
+              <a:t> and Prof. </a:t>
+            </a:r>
+            <a:r>
+              <a:rPr lang="en-GB" altLang="it-IT" sz="2000" dirty="0" err="1"/>
+              <a:t>Cianfrani</a:t>
+            </a:r>
+            <a:endParaRPr lang="en-GB" altLang="it-IT" sz="2000" dirty="0"/>
           </a:p>
         </p:txBody>
       </p:sp>
@@ -10980,14 +11083,14 @@
           <a:effectLst/>
           <a:extLst>
             <a:ext uri="{909E8E84-426E-40dd-AFC4-6F175D3DCCD1}">
-              <a14:hiddenFill xmlns="" xmlns:a14="http://schemas.microsoft.com/office/drawing/2010/main">
+              <a14:hiddenFill xmlns:a14="http://schemas.microsoft.com/office/drawing/2010/main" xmlns="">
                 <a:solidFill>
                   <a:schemeClr val="accent1"/>
                 </a:solidFill>
               </a14:hiddenFill>
             </a:ext>
             <a:ext uri="{91240B29-F687-4f45-9708-019B960494DF}">
-              <a14:hiddenLine xmlns="" xmlns:a14="http://schemas.microsoft.com/office/drawing/2010/main" w="9525" cap="flat" cmpd="sng" algn="ctr">
+              <a14:hiddenLine xmlns:a14="http://schemas.microsoft.com/office/drawing/2010/main" xmlns="" w="9525" cap="flat" cmpd="sng" algn="ctr">
                 <a:solidFill>
                   <a:schemeClr val="tx1"/>
                 </a:solidFill>
@@ -10998,7 +11101,7 @@
               </a14:hiddenLine>
             </a:ext>
             <a:ext uri="{AF507438-7753-43e0-B8FC-AC1667EBCBE1}">
-              <a14:hiddenEffects xmlns="" xmlns:a14="http://schemas.microsoft.com/office/drawing/2010/main">
+              <a14:hiddenEffects xmlns:a14="http://schemas.microsoft.com/office/drawing/2010/main" xmlns="">
                 <a:effectLst>
                   <a:outerShdw blurRad="63500" dist="38099" dir="2700000" algn="ctr" rotWithShape="0">
                     <a:srgbClr val="000000">
@@ -11740,7 +11843,7 @@
           <a:p>
             <a:r>
               <a:rPr lang="en-US" dirty="0"/>
-              <a:t>IMPORTANT: Group Composition</a:t>
+              <a:t>IMPORTANT: Email Account</a:t>
             </a:r>
           </a:p>
         </p:txBody>
@@ -11763,13 +11866,13 @@
         </p:nvSpPr>
         <p:spPr>
           <a:xfrm>
-            <a:off x="395536" y="1844824"/>
-            <a:ext cx="8254355" cy="3384376"/>
+            <a:off x="107503" y="1916832"/>
+            <a:ext cx="8928993" cy="3384376"/>
           </a:xfrm>
         </p:spPr>
         <p:txBody>
           <a:bodyPr wrap="square" anchor="t">
-            <a:normAutofit fontScale="92500"/>
+            <a:normAutofit/>
           </a:bodyPr>
           <a:lstStyle/>
           <a:p>
@@ -11777,8 +11880,52 @@
               <a:buNone/>
             </a:pPr>
             <a:r>
+              <a:rPr lang="it-IT" altLang="it-IT" sz="2800" dirty="0" err="1"/>
+              <a:t>If</a:t>
+            </a:r>
+            <a:r>
               <a:rPr lang="it-IT" altLang="it-IT" sz="2800" dirty="0"/>
-              <a:t>Please, send just one email for each group to </a:t>
+              <a:t> </a:t>
+            </a:r>
+            <a:r>
+              <a:rPr lang="it-IT" altLang="it-IT" sz="2800" dirty="0" err="1"/>
+              <a:t>someone</a:t>
+            </a:r>
+            <a:r>
+              <a:rPr lang="it-IT" altLang="it-IT" sz="2800" dirty="0"/>
+              <a:t> </a:t>
+            </a:r>
+            <a:r>
+              <a:rPr lang="it-IT" altLang="it-IT" sz="2800" dirty="0" err="1"/>
+              <a:t>is</a:t>
+            </a:r>
+            <a:r>
+              <a:rPr lang="it-IT" altLang="it-IT" sz="2800" dirty="0"/>
+              <a:t> </a:t>
+            </a:r>
+            <a:r>
+              <a:rPr lang="it-IT" altLang="it-IT" sz="2800" dirty="0" err="1"/>
+              <a:t>shy</a:t>
+            </a:r>
+            <a:r>
+              <a:rPr lang="it-IT" altLang="it-IT" sz="2800" dirty="0"/>
+              <a:t>, just </a:t>
+            </a:r>
+            <a:r>
+              <a:rPr lang="it-IT" altLang="it-IT" sz="2800" dirty="0" err="1"/>
+              <a:t>write</a:t>
+            </a:r>
+            <a:r>
+              <a:rPr lang="it-IT" altLang="it-IT" sz="2800" dirty="0"/>
+              <a:t> me </a:t>
+            </a:r>
+            <a:r>
+              <a:rPr lang="it-IT" altLang="it-IT" sz="2800" dirty="0" err="1"/>
+              <a:t>here</a:t>
+            </a:r>
+            <a:r>
+              <a:rPr lang="it-IT" altLang="it-IT" sz="2800" dirty="0"/>
+              <a:t>: </a:t>
             </a:r>
             <a:r>
               <a:rPr lang="it-IT" altLang="it-IT" sz="2800" dirty="0">
@@ -11792,40 +11939,15 @@
             <a:pPr marL="0" indent="0" algn="ctr">
               <a:buNone/>
             </a:pPr>
-            <a:r>
-              <a:rPr lang="it-IT" altLang="it-IT" sz="2800" dirty="0"/>
-              <a:t>with all the names of the </a:t>
-            </a:r>
-            <a:r>
-              <a:rPr lang="it-IT" altLang="it-IT" sz="2800" dirty="0" err="1"/>
-              <a:t>components</a:t>
-            </a:r>
-            <a:r>
-              <a:rPr lang="it-IT" altLang="it-IT" sz="2800" dirty="0"/>
-              <a:t>.</a:t>
-            </a:r>
+            <a:endParaRPr lang="it-IT" altLang="it-IT" sz="2800" dirty="0"/>
           </a:p>
           <a:p>
             <a:pPr marL="0" indent="0" algn="ctr">
               <a:buNone/>
             </a:pPr>
-            <a:endParaRPr lang="it-IT" altLang="it-IT" sz="2800" dirty="0"/>
-          </a:p>
-          <a:p>
-            <a:pPr marL="0" indent="0" algn="ctr">
-              <a:buNone/>
-            </a:pPr>
             <a:r>
               <a:rPr lang="it-IT" altLang="it-IT" sz="2800" u="sng" dirty="0" err="1"/>
-              <a:t>Otherwise</a:t>
-            </a:r>
-            <a:r>
-              <a:rPr lang="it-IT" altLang="it-IT" sz="2800" u="sng" dirty="0"/>
-              <a:t>, </a:t>
-            </a:r>
-            <a:r>
-              <a:rPr lang="it-IT" altLang="it-IT" sz="2800" u="sng" dirty="0" err="1"/>
-              <a:t>you</a:t>
+              <a:t>You</a:t>
             </a:r>
             <a:r>
               <a:rPr lang="it-IT" altLang="it-IT" sz="2800" u="sng" dirty="0"/>
@@ -11873,16 +11995,9 @@
                 </a:solidFill>
                 <a:effectLst/>
                 <a:latin typeface="SFMono-Regular"/>
-                <a:hlinkClick r:id="rId3"/>
               </a:rPr>
-              <a:t>https://drive.google.com/drive/folders/1YMwwPoekwJrw_-UYkZYUkTFqC8bqAy0F?usp=sharing</a:t>
-            </a:r>
-            <a:endParaRPr lang="it-IT" altLang="it-IT" sz="2200" dirty="0"/>
-          </a:p>
-          <a:p>
-            <a:pPr marL="0" indent="0" algn="ctr">
-              <a:buNone/>
-            </a:pPr>
+              <a:t>https://docs.google.com/spreadsheets/d/1j_uFCVRob_ztTos5q0N1r_YiOEXGARsB/edit#gid=310448381</a:t>
+            </a:r>
             <a:endParaRPr lang="en-GB" altLang="it-IT" sz="2800" dirty="0"/>
           </a:p>
         </p:txBody>
@@ -11983,7 +12098,63 @@
             </a:pPr>
             <a:r>
               <a:rPr lang="it-IT" altLang="it-IT" sz="2800" dirty="0"/>
-              <a:t>The project will start during class hour, and everything that remains uncomplete will be finished by July.</a:t>
+              <a:t>The project will start during class hour, and everything </a:t>
+            </a:r>
+            <a:r>
+              <a:rPr lang="it-IT" altLang="it-IT" sz="2800" dirty="0" err="1"/>
+              <a:t>that</a:t>
+            </a:r>
+            <a:r>
+              <a:rPr lang="it-IT" altLang="it-IT" sz="2800" dirty="0"/>
+              <a:t> </a:t>
+            </a:r>
+            <a:r>
+              <a:rPr lang="it-IT" altLang="it-IT" sz="2800" dirty="0" err="1"/>
+              <a:t>is</a:t>
+            </a:r>
+            <a:r>
+              <a:rPr lang="it-IT" altLang="it-IT" sz="2800" dirty="0"/>
+              <a:t> </a:t>
+            </a:r>
+            <a:r>
+              <a:rPr lang="it-IT" altLang="it-IT" sz="2800" dirty="0" err="1"/>
+              <a:t>not</a:t>
+            </a:r>
+            <a:r>
+              <a:rPr lang="it-IT" altLang="it-IT" sz="2800" dirty="0"/>
+              <a:t> </a:t>
+            </a:r>
+            <a:r>
+              <a:rPr lang="it-IT" altLang="it-IT" sz="2800" dirty="0" err="1"/>
+              <a:t>finished</a:t>
+            </a:r>
+            <a:r>
+              <a:rPr lang="it-IT" altLang="it-IT" sz="2800" dirty="0"/>
+              <a:t> </a:t>
+            </a:r>
+            <a:r>
+              <a:rPr lang="it-IT" altLang="it-IT" sz="2800" dirty="0" err="1"/>
+              <a:t>will</a:t>
+            </a:r>
+            <a:r>
+              <a:rPr lang="it-IT" altLang="it-IT" sz="2800" dirty="0"/>
+              <a:t> be </a:t>
+            </a:r>
+            <a:r>
+              <a:rPr lang="it-IT" altLang="it-IT" sz="2800" dirty="0" err="1"/>
+              <a:t>ended</a:t>
+            </a:r>
+            <a:r>
+              <a:rPr lang="it-IT" altLang="it-IT" sz="2800" dirty="0"/>
+              <a:t> by </a:t>
+            </a:r>
+            <a:r>
+              <a:rPr lang="it-IT" altLang="it-IT" sz="2800" dirty="0" err="1"/>
+              <a:t>September</a:t>
+            </a:r>
+            <a:r>
+              <a:rPr lang="it-IT" altLang="it-IT" sz="2800" dirty="0"/>
+              <a:t>.</a:t>
             </a:r>
           </a:p>
           <a:p>
@@ -11998,7 +12169,15 @@
             </a:pPr>
             <a:r>
               <a:rPr lang="it-IT" altLang="it-IT" sz="2800" dirty="0"/>
-              <a:t>The oral exam will be scheduled all together with Prof. Cianfrani</a:t>
+              <a:t>The </a:t>
+            </a:r>
+            <a:r>
+              <a:rPr lang="it-IT" altLang="it-IT" sz="2800" b="1" dirty="0"/>
+              <a:t>oral exam </a:t>
+            </a:r>
+            <a:r>
+              <a:rPr lang="it-IT" altLang="it-IT" sz="2800" dirty="0"/>
+              <a:t>will be scheduled all together with Prof. Cianfrani</a:t>
             </a:r>
             <a:endParaRPr lang="en-GB" altLang="it-IT" sz="2800" dirty="0"/>
           </a:p>
@@ -12315,14 +12494,14 @@
         <a:effectLst/>
         <a:extLst>
           <a:ext uri="{909E8E84-426E-40dd-AFC4-6F175D3DCCD1}">
-            <a14:hiddenFill xmlns:a14="http://schemas.microsoft.com/office/drawing/2010/main" xmlns="">
+            <a14:hiddenFill xmlns="" xmlns:a14="http://schemas.microsoft.com/office/drawing/2010/main">
               <a:solidFill>
                 <a:schemeClr val="accent1"/>
               </a:solidFill>
             </a14:hiddenFill>
           </a:ext>
           <a:ext uri="{91240B29-F687-4f45-9708-019B960494DF}">
-            <a14:hiddenLine xmlns:a14="http://schemas.microsoft.com/office/drawing/2010/main" xmlns="" w="9525" cap="flat" cmpd="sng" algn="ctr">
+            <a14:hiddenLine xmlns="" xmlns:a14="http://schemas.microsoft.com/office/drawing/2010/main" w="9525" cap="flat" cmpd="sng" algn="ctr">
               <a:solidFill>
                 <a:schemeClr val="tx1"/>
               </a:solidFill>
@@ -12333,7 +12512,7 @@
             </a14:hiddenLine>
           </a:ext>
           <a:ext uri="{AF507438-7753-43e0-B8FC-AC1667EBCBE1}">
-            <a14:hiddenEffects xmlns:a14="http://schemas.microsoft.com/office/drawing/2010/main" xmlns="">
+            <a14:hiddenEffects xmlns="" xmlns:a14="http://schemas.microsoft.com/office/drawing/2010/main">
               <a:effectLst>
                 <a:outerShdw blurRad="63500" dist="38099" dir="2700000" algn="ctr" rotWithShape="0">
                   <a:srgbClr val="000000">
@@ -12402,14 +12581,14 @@
         <a:effectLst/>
         <a:extLst>
           <a:ext uri="{909E8E84-426E-40dd-AFC4-6F175D3DCCD1}">
-            <a14:hiddenFill xmlns:a14="http://schemas.microsoft.com/office/drawing/2010/main" xmlns="">
+            <a14:hiddenFill xmlns="" xmlns:a14="http://schemas.microsoft.com/office/drawing/2010/main">
               <a:solidFill>
                 <a:schemeClr val="accent1"/>
               </a:solidFill>
             </a14:hiddenFill>
           </a:ext>
           <a:ext uri="{91240B29-F687-4f45-9708-019B960494DF}">
-            <a14:hiddenLine xmlns:a14="http://schemas.microsoft.com/office/drawing/2010/main" xmlns="" w="9525" cap="flat" cmpd="sng" algn="ctr">
+            <a14:hiddenLine xmlns="" xmlns:a14="http://schemas.microsoft.com/office/drawing/2010/main" w="9525" cap="flat" cmpd="sng" algn="ctr">
               <a:solidFill>
                 <a:schemeClr val="tx1"/>
               </a:solidFill>
@@ -12420,7 +12599,7 @@
             </a14:hiddenLine>
           </a:ext>
           <a:ext uri="{AF507438-7753-43e0-B8FC-AC1667EBCBE1}">
-            <a14:hiddenEffects xmlns:a14="http://schemas.microsoft.com/office/drawing/2010/main" xmlns="">
+            <a14:hiddenEffects xmlns="" xmlns:a14="http://schemas.microsoft.com/office/drawing/2010/main">
               <a:effectLst>
                 <a:outerShdw blurRad="63500" dist="38099" dir="2700000" algn="ctr" rotWithShape="0">
                   <a:srgbClr val="000000">

--- a/Lecture 1/Lecture 1.pptx
+++ b/Lecture 1/Lecture 1.pptx
@@ -5,10 +5,10 @@
     <p:sldMasterId id="2147483678" r:id="rId1"/>
   </p:sldMasterIdLst>
   <p:notesMasterIdLst>
-    <p:notesMasterId r:id="rId36"/>
+    <p:notesMasterId r:id="rId42"/>
   </p:notesMasterIdLst>
   <p:handoutMasterIdLst>
-    <p:handoutMasterId r:id="rId37"/>
+    <p:handoutMasterId r:id="rId43"/>
   </p:handoutMasterIdLst>
   <p:sldIdLst>
     <p:sldId id="264" r:id="rId2"/>
@@ -35,16 +35,22 @@
     <p:sldId id="288" r:id="rId23"/>
     <p:sldId id="289" r:id="rId24"/>
     <p:sldId id="290" r:id="rId25"/>
-    <p:sldId id="292" r:id="rId26"/>
-    <p:sldId id="293" r:id="rId27"/>
-    <p:sldId id="295" r:id="rId28"/>
-    <p:sldId id="294" r:id="rId29"/>
-    <p:sldId id="291" r:id="rId30"/>
-    <p:sldId id="279" r:id="rId31"/>
-    <p:sldId id="296" r:id="rId32"/>
-    <p:sldId id="297" r:id="rId33"/>
-    <p:sldId id="298" r:id="rId34"/>
-    <p:sldId id="300" r:id="rId35"/>
+    <p:sldId id="293" r:id="rId26"/>
+    <p:sldId id="359" r:id="rId27"/>
+    <p:sldId id="360" r:id="rId28"/>
+    <p:sldId id="361" r:id="rId29"/>
+    <p:sldId id="292" r:id="rId30"/>
+    <p:sldId id="362" r:id="rId31"/>
+    <p:sldId id="363" r:id="rId32"/>
+    <p:sldId id="295" r:id="rId33"/>
+    <p:sldId id="294" r:id="rId34"/>
+    <p:sldId id="364" r:id="rId35"/>
+    <p:sldId id="291" r:id="rId36"/>
+    <p:sldId id="279" r:id="rId37"/>
+    <p:sldId id="296" r:id="rId38"/>
+    <p:sldId id="297" r:id="rId39"/>
+    <p:sldId id="298" r:id="rId40"/>
+    <p:sldId id="300" r:id="rId41"/>
   </p:sldIdLst>
   <p:sldSz cx="9144000" cy="6858000" type="screen4x3"/>
   <p:notesSz cx="6858000" cy="9144000"/>
@@ -261,14 +267,14 @@
           </a:ln>
           <a:extLst>
             <a:ext uri="{909E8E84-426E-40dd-AFC4-6F175D3DCCD1}">
-              <a14:hiddenFill xmlns="" xmlns:a14="http://schemas.microsoft.com/office/drawing/2010/main">
+              <a14:hiddenFill xmlns:a14="http://schemas.microsoft.com/office/drawing/2010/main" xmlns="">
                 <a:solidFill>
                   <a:schemeClr val="accent1"/>
                 </a:solidFill>
               </a14:hiddenFill>
             </a:ext>
             <a:ext uri="{91240B29-F687-4f45-9708-019B960494DF}">
-              <a14:hiddenLine xmlns="" xmlns:a14="http://schemas.microsoft.com/office/drawing/2010/main" w="9525">
+              <a14:hiddenLine xmlns:a14="http://schemas.microsoft.com/office/drawing/2010/main" xmlns="" w="9525">
                 <a:solidFill>
                   <a:schemeClr val="tx1"/>
                 </a:solidFill>
@@ -278,7 +284,7 @@
               </a14:hiddenLine>
             </a:ext>
             <a:ext uri="{FAA26D3D-D897-4be2-8F04-BA451C77F1D7}">
-              <ma14:placeholderFlag xmlns="" xmlns:ma14="http://schemas.microsoft.com/office/mac/drawingml/2011/main" val="1"/>
+              <ma14:placeholderFlag xmlns:ma14="http://schemas.microsoft.com/office/mac/drawingml/2011/main" xmlns="" val="1"/>
             </a:ext>
           </a:extLst>
         </p:spPr>
@@ -338,14 +344,14 @@
           </a:ln>
           <a:extLst>
             <a:ext uri="{909E8E84-426E-40dd-AFC4-6F175D3DCCD1}">
-              <a14:hiddenFill xmlns="" xmlns:a14="http://schemas.microsoft.com/office/drawing/2010/main">
+              <a14:hiddenFill xmlns:a14="http://schemas.microsoft.com/office/drawing/2010/main" xmlns="">
                 <a:solidFill>
                   <a:schemeClr val="accent1"/>
                 </a:solidFill>
               </a14:hiddenFill>
             </a:ext>
             <a:ext uri="{91240B29-F687-4f45-9708-019B960494DF}">
-              <a14:hiddenLine xmlns="" xmlns:a14="http://schemas.microsoft.com/office/drawing/2010/main" w="9525">
+              <a14:hiddenLine xmlns:a14="http://schemas.microsoft.com/office/drawing/2010/main" xmlns="" w="9525">
                 <a:solidFill>
                   <a:schemeClr val="tx1"/>
                 </a:solidFill>
@@ -355,7 +361,7 @@
               </a14:hiddenLine>
             </a:ext>
             <a:ext uri="{FAA26D3D-D897-4be2-8F04-BA451C77F1D7}">
-              <ma14:placeholderFlag xmlns="" xmlns:ma14="http://schemas.microsoft.com/office/mac/drawingml/2011/main" val="1"/>
+              <ma14:placeholderFlag xmlns:ma14="http://schemas.microsoft.com/office/mac/drawingml/2011/main" xmlns="" val="1"/>
             </a:ext>
           </a:extLst>
         </p:spPr>
@@ -415,14 +421,14 @@
           </a:ln>
           <a:extLst>
             <a:ext uri="{909E8E84-426E-40dd-AFC4-6F175D3DCCD1}">
-              <a14:hiddenFill xmlns="" xmlns:a14="http://schemas.microsoft.com/office/drawing/2010/main">
+              <a14:hiddenFill xmlns:a14="http://schemas.microsoft.com/office/drawing/2010/main" xmlns="">
                 <a:solidFill>
                   <a:schemeClr val="accent1"/>
                 </a:solidFill>
               </a14:hiddenFill>
             </a:ext>
             <a:ext uri="{91240B29-F687-4f45-9708-019B960494DF}">
-              <a14:hiddenLine xmlns="" xmlns:a14="http://schemas.microsoft.com/office/drawing/2010/main" w="9525">
+              <a14:hiddenLine xmlns:a14="http://schemas.microsoft.com/office/drawing/2010/main" xmlns="" w="9525">
                 <a:solidFill>
                   <a:schemeClr val="tx1"/>
                 </a:solidFill>
@@ -432,7 +438,7 @@
               </a14:hiddenLine>
             </a:ext>
             <a:ext uri="{FAA26D3D-D897-4be2-8F04-BA451C77F1D7}">
-              <ma14:placeholderFlag xmlns="" xmlns:ma14="http://schemas.microsoft.com/office/mac/drawingml/2011/main" val="1"/>
+              <ma14:placeholderFlag xmlns:ma14="http://schemas.microsoft.com/office/mac/drawingml/2011/main" xmlns="" val="1"/>
             </a:ext>
           </a:extLst>
         </p:spPr>
@@ -492,14 +498,14 @@
           </a:ln>
           <a:extLst>
             <a:ext uri="{909E8E84-426E-40dd-AFC4-6F175D3DCCD1}">
-              <a14:hiddenFill xmlns="" xmlns:a14="http://schemas.microsoft.com/office/drawing/2010/main">
+              <a14:hiddenFill xmlns:a14="http://schemas.microsoft.com/office/drawing/2010/main" xmlns="">
                 <a:solidFill>
                   <a:schemeClr val="accent1"/>
                 </a:solidFill>
               </a14:hiddenFill>
             </a:ext>
             <a:ext uri="{91240B29-F687-4f45-9708-019B960494DF}">
-              <a14:hiddenLine xmlns="" xmlns:a14="http://schemas.microsoft.com/office/drawing/2010/main" w="9525">
+              <a14:hiddenLine xmlns:a14="http://schemas.microsoft.com/office/drawing/2010/main" xmlns="" w="9525">
                 <a:solidFill>
                   <a:schemeClr val="tx1"/>
                 </a:solidFill>
@@ -509,7 +515,7 @@
               </a14:hiddenLine>
             </a:ext>
             <a:ext uri="{FAA26D3D-D897-4be2-8F04-BA451C77F1D7}">
-              <ma14:placeholderFlag xmlns="" xmlns:ma14="http://schemas.microsoft.com/office/mac/drawingml/2011/main" val="1"/>
+              <ma14:placeholderFlag xmlns:ma14="http://schemas.microsoft.com/office/mac/drawingml/2011/main" xmlns="" val="1"/>
             </a:ext>
           </a:extLst>
         </p:spPr>
@@ -605,14 +611,14 @@
           </a:ln>
           <a:extLst>
             <a:ext uri="{909E8E84-426E-40dd-AFC4-6F175D3DCCD1}">
-              <a14:hiddenFill xmlns="" xmlns:a14="http://schemas.microsoft.com/office/drawing/2010/main">
+              <a14:hiddenFill xmlns:a14="http://schemas.microsoft.com/office/drawing/2010/main" xmlns="">
                 <a:solidFill>
                   <a:schemeClr val="accent1"/>
                 </a:solidFill>
               </a14:hiddenFill>
             </a:ext>
             <a:ext uri="{91240B29-F687-4f45-9708-019B960494DF}">
-              <a14:hiddenLine xmlns="" xmlns:a14="http://schemas.microsoft.com/office/drawing/2010/main" w="9525">
+              <a14:hiddenLine xmlns:a14="http://schemas.microsoft.com/office/drawing/2010/main" xmlns="" w="9525">
                 <a:solidFill>
                   <a:schemeClr val="tx1"/>
                 </a:solidFill>
@@ -622,7 +628,7 @@
               </a14:hiddenLine>
             </a:ext>
             <a:ext uri="{FAA26D3D-D897-4be2-8F04-BA451C77F1D7}">
-              <ma14:placeholderFlag xmlns="" xmlns:ma14="http://schemas.microsoft.com/office/mac/drawingml/2011/main" val="1"/>
+              <ma14:placeholderFlag xmlns:ma14="http://schemas.microsoft.com/office/mac/drawingml/2011/main" xmlns="" val="1"/>
             </a:ext>
           </a:extLst>
         </p:spPr>
@@ -682,14 +688,14 @@
           </a:ln>
           <a:extLst>
             <a:ext uri="{909E8E84-426E-40dd-AFC4-6F175D3DCCD1}">
-              <a14:hiddenFill xmlns="" xmlns:a14="http://schemas.microsoft.com/office/drawing/2010/main">
+              <a14:hiddenFill xmlns:a14="http://schemas.microsoft.com/office/drawing/2010/main" xmlns="">
                 <a:solidFill>
                   <a:schemeClr val="accent1"/>
                 </a:solidFill>
               </a14:hiddenFill>
             </a:ext>
             <a:ext uri="{91240B29-F687-4f45-9708-019B960494DF}">
-              <a14:hiddenLine xmlns="" xmlns:a14="http://schemas.microsoft.com/office/drawing/2010/main" w="9525">
+              <a14:hiddenLine xmlns:a14="http://schemas.microsoft.com/office/drawing/2010/main" xmlns="" w="9525">
                 <a:solidFill>
                   <a:schemeClr val="tx1"/>
                 </a:solidFill>
@@ -699,7 +705,7 @@
               </a14:hiddenLine>
             </a:ext>
             <a:ext uri="{FAA26D3D-D897-4be2-8F04-BA451C77F1D7}">
-              <ma14:placeholderFlag xmlns="" xmlns:ma14="http://schemas.microsoft.com/office/mac/drawingml/2011/main" val="1"/>
+              <ma14:placeholderFlag xmlns:ma14="http://schemas.microsoft.com/office/mac/drawingml/2011/main" xmlns="" val="1"/>
             </a:ext>
           </a:extLst>
         </p:spPr>
@@ -765,7 +771,7 @@
           <a:effectLst/>
           <a:extLst>
             <a:ext uri="{AF507438-7753-43e0-B8FC-AC1667EBCBE1}">
-              <a14:hiddenEffects xmlns="" xmlns:a14="http://schemas.microsoft.com/office/drawing/2010/main">
+              <a14:hiddenEffects xmlns:a14="http://schemas.microsoft.com/office/drawing/2010/main" xmlns="">
                 <a:effectLst>
                   <a:outerShdw blurRad="63500" dist="38099" dir="2700000" algn="ctr" rotWithShape="0">
                     <a:srgbClr val="000000">
@@ -776,7 +782,7 @@
               </a14:hiddenEffects>
             </a:ext>
             <a:ext uri="{53640926-AAD7-44d8-BBD7-CCE9431645EC}">
-              <a14:shadowObscured xmlns="" xmlns:a14="http://schemas.microsoft.com/office/drawing/2010/main" val="1"/>
+              <a14:shadowObscured xmlns:a14="http://schemas.microsoft.com/office/drawing/2010/main" xmlns="" val="1"/>
             </a:ext>
           </a:extLst>
         </p:spPr>
@@ -811,14 +817,14 @@
           </a:ln>
           <a:extLst>
             <a:ext uri="{909E8E84-426E-40dd-AFC4-6F175D3DCCD1}">
-              <a14:hiddenFill xmlns="" xmlns:a14="http://schemas.microsoft.com/office/drawing/2010/main">
+              <a14:hiddenFill xmlns:a14="http://schemas.microsoft.com/office/drawing/2010/main" xmlns="">
                 <a:solidFill>
                   <a:schemeClr val="accent1"/>
                 </a:solidFill>
               </a14:hiddenFill>
             </a:ext>
             <a:ext uri="{91240B29-F687-4f45-9708-019B960494DF}">
-              <a14:hiddenLine xmlns="" xmlns:a14="http://schemas.microsoft.com/office/drawing/2010/main" w="9525">
+              <a14:hiddenLine xmlns:a14="http://schemas.microsoft.com/office/drawing/2010/main" xmlns="" w="9525">
                 <a:solidFill>
                   <a:schemeClr val="tx1"/>
                 </a:solidFill>
@@ -828,7 +834,7 @@
               </a14:hiddenLine>
             </a:ext>
             <a:ext uri="{FAA26D3D-D897-4be2-8F04-BA451C77F1D7}">
-              <ma14:placeholderFlag xmlns="" xmlns:ma14="http://schemas.microsoft.com/office/mac/drawingml/2011/main" val="1"/>
+              <ma14:placeholderFlag xmlns:ma14="http://schemas.microsoft.com/office/mac/drawingml/2011/main" xmlns="" val="1"/>
             </a:ext>
           </a:extLst>
         </p:spPr>
@@ -906,14 +912,14 @@
           </a:ln>
           <a:extLst>
             <a:ext uri="{909E8E84-426E-40dd-AFC4-6F175D3DCCD1}">
-              <a14:hiddenFill xmlns="" xmlns:a14="http://schemas.microsoft.com/office/drawing/2010/main">
+              <a14:hiddenFill xmlns:a14="http://schemas.microsoft.com/office/drawing/2010/main" xmlns="">
                 <a:solidFill>
                   <a:schemeClr val="accent1"/>
                 </a:solidFill>
               </a14:hiddenFill>
             </a:ext>
             <a:ext uri="{91240B29-F687-4f45-9708-019B960494DF}">
-              <a14:hiddenLine xmlns="" xmlns:a14="http://schemas.microsoft.com/office/drawing/2010/main" w="9525">
+              <a14:hiddenLine xmlns:a14="http://schemas.microsoft.com/office/drawing/2010/main" xmlns="" w="9525">
                 <a:solidFill>
                   <a:schemeClr val="tx1"/>
                 </a:solidFill>
@@ -923,7 +929,7 @@
               </a14:hiddenLine>
             </a:ext>
             <a:ext uri="{FAA26D3D-D897-4be2-8F04-BA451C77F1D7}">
-              <ma14:placeholderFlag xmlns="" xmlns:ma14="http://schemas.microsoft.com/office/mac/drawingml/2011/main" val="1"/>
+              <ma14:placeholderFlag xmlns:ma14="http://schemas.microsoft.com/office/mac/drawingml/2011/main" xmlns="" val="1"/>
             </a:ext>
           </a:extLst>
         </p:spPr>
@@ -983,14 +989,14 @@
           </a:ln>
           <a:extLst>
             <a:ext uri="{909E8E84-426E-40dd-AFC4-6F175D3DCCD1}">
-              <a14:hiddenFill xmlns="" xmlns:a14="http://schemas.microsoft.com/office/drawing/2010/main">
+              <a14:hiddenFill xmlns:a14="http://schemas.microsoft.com/office/drawing/2010/main" xmlns="">
                 <a:solidFill>
                   <a:schemeClr val="accent1"/>
                 </a:solidFill>
               </a14:hiddenFill>
             </a:ext>
             <a:ext uri="{91240B29-F687-4f45-9708-019B960494DF}">
-              <a14:hiddenLine xmlns="" xmlns:a14="http://schemas.microsoft.com/office/drawing/2010/main" w="9525">
+              <a14:hiddenLine xmlns:a14="http://schemas.microsoft.com/office/drawing/2010/main" xmlns="" w="9525">
                 <a:solidFill>
                   <a:schemeClr val="tx1"/>
                 </a:solidFill>
@@ -1000,7 +1006,7 @@
               </a14:hiddenLine>
             </a:ext>
             <a:ext uri="{FAA26D3D-D897-4be2-8F04-BA451C77F1D7}">
-              <ma14:placeholderFlag xmlns="" xmlns:ma14="http://schemas.microsoft.com/office/mac/drawingml/2011/main" val="1"/>
+              <ma14:placeholderFlag xmlns:ma14="http://schemas.microsoft.com/office/mac/drawingml/2011/main" xmlns="" val="1"/>
             </a:ext>
           </a:extLst>
         </p:spPr>
@@ -1362,7 +1368,7 @@
           <a:ln/>
           <a:extLst>
             <a:ext uri="{FAA26D3D-D897-4be2-8F04-BA451C77F1D7}">
-              <ma14:placeholderFlag xmlns="" xmlns:ma14="http://schemas.microsoft.com/office/mac/drawingml/2011/main" val="1"/>
+              <ma14:placeholderFlag xmlns:ma14="http://schemas.microsoft.com/office/mac/drawingml/2011/main" xmlns="" val="1"/>
             </a:ext>
           </a:extLst>
         </p:spPr>
@@ -4472,7 +4478,7 @@
           <a:effectLst/>
           <a:extLst>
             <a:ext uri="{AF507438-7753-43e0-B8FC-AC1667EBCBE1}">
-              <a14:hiddenEffects xmlns="" xmlns:a14="http://schemas.microsoft.com/office/drawing/2010/main">
+              <a14:hiddenEffects xmlns:a14="http://schemas.microsoft.com/office/drawing/2010/main" xmlns="">
                 <a:effectLst>
                   <a:outerShdw blurRad="63500" dist="38099" dir="2700000" algn="ctr" rotWithShape="0">
                     <a:srgbClr val="000000">
@@ -5631,14 +5637,14 @@
           </a:ln>
           <a:extLst>
             <a:ext uri="{909E8E84-426E-40dd-AFC4-6F175D3DCCD1}">
-              <a14:hiddenFill xmlns:a14="http://schemas.microsoft.com/office/drawing/2010/main" xmlns="">
+              <a14:hiddenFill xmlns="" xmlns:a14="http://schemas.microsoft.com/office/drawing/2010/main">
                 <a:solidFill>
                   <a:schemeClr val="accent1"/>
                 </a:solidFill>
               </a14:hiddenFill>
             </a:ext>
             <a:ext uri="{91240B29-F687-4f45-9708-019B960494DF}">
-              <a14:hiddenLine xmlns:a14="http://schemas.microsoft.com/office/drawing/2010/main" xmlns="" w="9525" cap="flat" cmpd="sng" algn="ctr">
+              <a14:hiddenLine xmlns="" xmlns:a14="http://schemas.microsoft.com/office/drawing/2010/main" w="9525" cap="flat" cmpd="sng" algn="ctr">
                 <a:solidFill>
                   <a:schemeClr val="tx1"/>
                 </a:solidFill>
@@ -5649,7 +5655,7 @@
               </a14:hiddenLine>
             </a:ext>
             <a:ext uri="{AF507438-7753-43e0-B8FC-AC1667EBCBE1}">
-              <a14:hiddenEffects xmlns:a14="http://schemas.microsoft.com/office/drawing/2010/main" xmlns="">
+              <a14:hiddenEffects xmlns="" xmlns:a14="http://schemas.microsoft.com/office/drawing/2010/main">
                 <a:effectLst>
                   <a:outerShdw blurRad="63500" dist="38099" dir="2700000" algn="ctr" rotWithShape="0">
                     <a:srgbClr val="000000">
@@ -5916,14 +5922,14 @@
           </a:ln>
           <a:extLst>
             <a:ext uri="{909E8E84-426E-40dd-AFC4-6F175D3DCCD1}">
-              <a14:hiddenFill xmlns:a14="http://schemas.microsoft.com/office/drawing/2010/main" xmlns="">
+              <a14:hiddenFill xmlns="" xmlns:a14="http://schemas.microsoft.com/office/drawing/2010/main">
                 <a:solidFill>
                   <a:schemeClr val="accent1"/>
                 </a:solidFill>
               </a14:hiddenFill>
             </a:ext>
             <a:ext uri="{91240B29-F687-4f45-9708-019B960494DF}">
-              <a14:hiddenLine xmlns:a14="http://schemas.microsoft.com/office/drawing/2010/main" xmlns="" w="9525" cap="flat" cmpd="sng" algn="ctr">
+              <a14:hiddenLine xmlns="" xmlns:a14="http://schemas.microsoft.com/office/drawing/2010/main" w="9525" cap="flat" cmpd="sng" algn="ctr">
                 <a:solidFill>
                   <a:schemeClr val="tx1"/>
                 </a:solidFill>
@@ -5934,7 +5940,7 @@
               </a14:hiddenLine>
             </a:ext>
             <a:ext uri="{AF507438-7753-43e0-B8FC-AC1667EBCBE1}">
-              <a14:hiddenEffects xmlns:a14="http://schemas.microsoft.com/office/drawing/2010/main" xmlns="">
+              <a14:hiddenEffects xmlns="" xmlns:a14="http://schemas.microsoft.com/office/drawing/2010/main">
                 <a:effectLst>
                   <a:outerShdw blurRad="63500" dist="38099" dir="2700000" algn="ctr" rotWithShape="0">
                     <a:srgbClr val="000000">
@@ -6201,14 +6207,14 @@
           </a:ln>
           <a:extLst>
             <a:ext uri="{909E8E84-426E-40dd-AFC4-6F175D3DCCD1}">
-              <a14:hiddenFill xmlns:a14="http://schemas.microsoft.com/office/drawing/2010/main" xmlns="">
+              <a14:hiddenFill xmlns="" xmlns:a14="http://schemas.microsoft.com/office/drawing/2010/main">
                 <a:solidFill>
                   <a:schemeClr val="accent1"/>
                 </a:solidFill>
               </a14:hiddenFill>
             </a:ext>
             <a:ext uri="{91240B29-F687-4f45-9708-019B960494DF}">
-              <a14:hiddenLine xmlns:a14="http://schemas.microsoft.com/office/drawing/2010/main" xmlns="" w="9525" cap="flat" cmpd="sng" algn="ctr">
+              <a14:hiddenLine xmlns="" xmlns:a14="http://schemas.microsoft.com/office/drawing/2010/main" w="9525" cap="flat" cmpd="sng" algn="ctr">
                 <a:solidFill>
                   <a:schemeClr val="tx1"/>
                 </a:solidFill>
@@ -6219,7 +6225,7 @@
               </a14:hiddenLine>
             </a:ext>
             <a:ext uri="{AF507438-7753-43e0-B8FC-AC1667EBCBE1}">
-              <a14:hiddenEffects xmlns:a14="http://schemas.microsoft.com/office/drawing/2010/main" xmlns="">
+              <a14:hiddenEffects xmlns="" xmlns:a14="http://schemas.microsoft.com/office/drawing/2010/main">
                 <a:effectLst>
                   <a:outerShdw blurRad="63500" dist="38099" dir="2700000" algn="ctr" rotWithShape="0">
                     <a:srgbClr val="000000">
@@ -7763,14 +7769,14 @@
           </a:ln>
           <a:extLst>
             <a:ext uri="{909E8E84-426E-40dd-AFC4-6F175D3DCCD1}">
-              <a14:hiddenFill xmlns:a14="http://schemas.microsoft.com/office/drawing/2010/main" xmlns="">
+              <a14:hiddenFill xmlns="" xmlns:a14="http://schemas.microsoft.com/office/drawing/2010/main">
                 <a:solidFill>
                   <a:schemeClr val="accent1"/>
                 </a:solidFill>
               </a14:hiddenFill>
             </a:ext>
             <a:ext uri="{91240B29-F687-4f45-9708-019B960494DF}">
-              <a14:hiddenLine xmlns:a14="http://schemas.microsoft.com/office/drawing/2010/main" xmlns="" w="9525" cap="flat" cmpd="sng" algn="ctr">
+              <a14:hiddenLine xmlns="" xmlns:a14="http://schemas.microsoft.com/office/drawing/2010/main" w="9525" cap="flat" cmpd="sng" algn="ctr">
                 <a:solidFill>
                   <a:schemeClr val="tx1"/>
                 </a:solidFill>
@@ -7781,7 +7787,7 @@
               </a14:hiddenLine>
             </a:ext>
             <a:ext uri="{AF507438-7753-43e0-B8FC-AC1667EBCBE1}">
-              <a14:hiddenEffects xmlns:a14="http://schemas.microsoft.com/office/drawing/2010/main" xmlns="">
+              <a14:hiddenEffects xmlns="" xmlns:a14="http://schemas.microsoft.com/office/drawing/2010/main">
                 <a:effectLst>
                   <a:outerShdw blurRad="63500" dist="38099" dir="2700000" algn="ctr" rotWithShape="0">
                     <a:srgbClr val="000000">
@@ -8614,10 +8620,10 @@
       </p:sp>
       <p:pic>
         <p:nvPicPr>
-          <p:cNvPr id="5" name="Immagine 4" descr="Immagine che contiene testo, tavolo&#10;&#10;Descrizione generata automaticamente">
+          <p:cNvPr id="3" name="Immagine 2" descr="Immagine che contiene tavolo&#10;&#10;Descrizione generata automaticamente">
             <a:extLst>
               <a:ext uri="{FF2B5EF4-FFF2-40B4-BE49-F238E27FC236}">
-                <a16:creationId xmlns:a16="http://schemas.microsoft.com/office/drawing/2014/main" id="{3281D4BE-43DE-4A12-A41A-0D255633A4EC}"/>
+                <a16:creationId xmlns:a16="http://schemas.microsoft.com/office/drawing/2014/main" id="{5DA94B3A-5221-4ABC-ACA8-394EA4BAEF49}"/>
               </a:ext>
             </a:extLst>
           </p:cNvPr>
@@ -8634,8 +8640,8 @@
         </p:blipFill>
         <p:spPr>
           <a:xfrm>
-            <a:off x="1073602" y="1844824"/>
-            <a:ext cx="6996795" cy="3410029"/>
+            <a:off x="1115616" y="1663745"/>
+            <a:ext cx="7128792" cy="3948421"/>
           </a:xfrm>
           <a:prstGeom prst="rect">
             <a:avLst/>
@@ -8645,7 +8651,7 @@
     </p:spTree>
     <p:extLst>
       <p:ext uri="{BB962C8B-B14F-4D97-AF65-F5344CB8AC3E}">
-        <p14:creationId xmlns:p14="http://schemas.microsoft.com/office/powerpoint/2010/main" val="3816824412"/>
+        <p14:creationId xmlns:p14="http://schemas.microsoft.com/office/powerpoint/2010/main" val="3713877886"/>
       </p:ext>
     </p:extLst>
   </p:cSld>
@@ -8709,10 +8715,10 @@
       </p:sp>
       <p:pic>
         <p:nvPicPr>
-          <p:cNvPr id="3" name="Immagine 2" descr="Immagine che contiene tavolo&#10;&#10;Descrizione generata automaticamente">
+          <p:cNvPr id="6" name="Immagine 5" descr="Immagine che contiene tavolo&#10;&#10;Descrizione generata automaticamente">
             <a:extLst>
               <a:ext uri="{FF2B5EF4-FFF2-40B4-BE49-F238E27FC236}">
-                <a16:creationId xmlns:a16="http://schemas.microsoft.com/office/drawing/2014/main" id="{5DA94B3A-5221-4ABC-ACA8-394EA4BAEF49}"/>
+                <a16:creationId xmlns:a16="http://schemas.microsoft.com/office/drawing/2014/main" id="{C3F6C105-93F3-46A5-AACE-08D1637DC6A9}"/>
               </a:ext>
             </a:extLst>
           </p:cNvPr>
@@ -8721,26 +8727,265 @@
           </p:cNvPicPr>
           <p:nvPr/>
         </p:nvPicPr>
-        <p:blipFill>
+        <p:blipFill rotWithShape="1">
           <a:blip r:embed="rId2"/>
-          <a:stretch>
-            <a:fillRect/>
-          </a:stretch>
+          <a:srcRect r="1731" b="3806"/>
+          <a:stretch/>
         </p:blipFill>
         <p:spPr>
           <a:xfrm>
-            <a:off x="1115616" y="1663745"/>
-            <a:ext cx="7128792" cy="3948421"/>
+            <a:off x="641209" y="1603244"/>
+            <a:ext cx="7415659" cy="3049891"/>
           </a:xfrm>
           <a:prstGeom prst="rect">
             <a:avLst/>
           </a:prstGeom>
         </p:spPr>
       </p:pic>
+      <p:sp>
+        <p:nvSpPr>
+          <p:cNvPr id="8" name="Segnaposto contenuto 2">
+            <a:extLst>
+              <a:ext uri="{FF2B5EF4-FFF2-40B4-BE49-F238E27FC236}">
+                <a16:creationId xmlns:a16="http://schemas.microsoft.com/office/drawing/2014/main" id="{1381D6D4-9184-47DF-BEDE-056F6B8617BF}"/>
+              </a:ext>
+            </a:extLst>
+          </p:cNvPr>
+          <p:cNvSpPr txBox="1">
+            <a:spLocks/>
+          </p:cNvSpPr>
+          <p:nvPr/>
+        </p:nvSpPr>
+        <p:spPr bwMode="auto">
+          <a:xfrm>
+            <a:off x="353177" y="4737176"/>
+            <a:ext cx="7805348" cy="1272080"/>
+          </a:xfrm>
+          <a:prstGeom prst="rect">
+            <a:avLst/>
+          </a:prstGeom>
+          <a:noFill/>
+          <a:ln>
+            <a:noFill/>
+          </a:ln>
+          <a:extLst>
+            <a:ext uri="{909E8E84-426E-40DD-AFC4-6F175D3DCCD1}">
+              <a14:hiddenFill xmlns:a14="http://schemas.microsoft.com/office/drawing/2010/main">
+                <a:solidFill>
+                  <a:schemeClr val="accent1"/>
+                </a:solidFill>
+              </a14:hiddenFill>
+            </a:ext>
+            <a:ext uri="{91240B29-F687-4F45-9708-019B960494DF}">
+              <a14:hiddenLine xmlns:a14="http://schemas.microsoft.com/office/drawing/2010/main" w="9525">
+                <a:solidFill>
+                  <a:schemeClr val="tx1"/>
+                </a:solidFill>
+                <a:miter lim="800000"/>
+                <a:headEnd/>
+                <a:tailEnd/>
+              </a14:hiddenLine>
+            </a:ext>
+          </a:extLst>
+        </p:spPr>
+        <p:txBody>
+          <a:bodyPr vert="horz" wrap="square" lIns="91440" tIns="45720" rIns="91440" bIns="45720" numCol="1" anchor="t" anchorCtr="0" compatLnSpc="1">
+            <a:prstTxWarp prst="textNoShape">
+              <a:avLst/>
+            </a:prstTxWarp>
+          </a:bodyPr>
+          <a:lstStyle>
+            <a:lvl1pPr marL="342900" indent="-342900" algn="l" rtl="0" eaLnBrk="0" fontAlgn="base" hangingPunct="0">
+              <a:spcBef>
+                <a:spcPct val="20000"/>
+              </a:spcBef>
+              <a:spcAft>
+                <a:spcPct val="0"/>
+              </a:spcAft>
+              <a:buClr>
+                <a:srgbClr val="822433"/>
+              </a:buClr>
+              <a:buChar char="•"/>
+              <a:defRPr sz="2400">
+                <a:solidFill>
+                  <a:srgbClr val="000000"/>
+                </a:solidFill>
+                <a:latin typeface="Calibri"/>
+                <a:ea typeface="MS PGothic" panose="020B0600070205080204" pitchFamily="34" charset="-128"/>
+                <a:cs typeface="ＭＳ Ｐゴシック" charset="0"/>
+              </a:defRPr>
+            </a:lvl1pPr>
+            <a:lvl2pPr marL="742950" indent="-285750" algn="l" rtl="0" eaLnBrk="0" fontAlgn="base" hangingPunct="0">
+              <a:spcBef>
+                <a:spcPct val="20000"/>
+              </a:spcBef>
+              <a:spcAft>
+                <a:spcPct val="0"/>
+              </a:spcAft>
+              <a:buChar char="–"/>
+              <a:defRPr sz="2000">
+                <a:solidFill>
+                  <a:srgbClr val="000000"/>
+                </a:solidFill>
+                <a:latin typeface="Calibri"/>
+                <a:ea typeface="MS PGothic" panose="020B0600070205080204" pitchFamily="34" charset="-128"/>
+              </a:defRPr>
+            </a:lvl2pPr>
+            <a:lvl3pPr marL="1143000" indent="-228600" algn="l" rtl="0" eaLnBrk="0" fontAlgn="base" hangingPunct="0">
+              <a:spcBef>
+                <a:spcPct val="20000"/>
+              </a:spcBef>
+              <a:spcAft>
+                <a:spcPct val="0"/>
+              </a:spcAft>
+              <a:buChar char="•"/>
+              <a:defRPr sz="1600">
+                <a:solidFill>
+                  <a:srgbClr val="000000"/>
+                </a:solidFill>
+                <a:latin typeface="Calibri"/>
+                <a:ea typeface="MS PGothic" panose="020B0600070205080204" pitchFamily="34" charset="-128"/>
+              </a:defRPr>
+            </a:lvl3pPr>
+            <a:lvl4pPr marL="1562100" indent="-228600" algn="l" rtl="0" eaLnBrk="0" fontAlgn="base" hangingPunct="0">
+              <a:spcBef>
+                <a:spcPct val="20000"/>
+              </a:spcBef>
+              <a:spcAft>
+                <a:spcPct val="0"/>
+              </a:spcAft>
+              <a:buChar char="–"/>
+              <a:defRPr sz="1400">
+                <a:solidFill>
+                  <a:srgbClr val="000000"/>
+                </a:solidFill>
+                <a:latin typeface="Calibri"/>
+                <a:ea typeface="MS PGothic" panose="020B0600070205080204" pitchFamily="34" charset="-128"/>
+              </a:defRPr>
+            </a:lvl4pPr>
+            <a:lvl5pPr marL="1981200" indent="-228600" algn="l" rtl="0" eaLnBrk="0" fontAlgn="base" hangingPunct="0">
+              <a:spcBef>
+                <a:spcPct val="20000"/>
+              </a:spcBef>
+              <a:spcAft>
+                <a:spcPct val="0"/>
+              </a:spcAft>
+              <a:buChar char="»"/>
+              <a:defRPr sz="1200">
+                <a:solidFill>
+                  <a:srgbClr val="000000"/>
+                </a:solidFill>
+                <a:latin typeface="Calibri"/>
+                <a:ea typeface="MS PGothic" panose="020B0600070205080204" pitchFamily="34" charset="-128"/>
+              </a:defRPr>
+            </a:lvl5pPr>
+            <a:lvl6pPr marL="2438400" indent="-228600" algn="l" rtl="0" eaLnBrk="1" fontAlgn="base" hangingPunct="1">
+              <a:spcBef>
+                <a:spcPct val="20000"/>
+              </a:spcBef>
+              <a:spcAft>
+                <a:spcPct val="0"/>
+              </a:spcAft>
+              <a:buChar char="»"/>
+              <a:defRPr sz="1200">
+                <a:solidFill>
+                  <a:srgbClr val="000000"/>
+                </a:solidFill>
+                <a:latin typeface="+mn-lt"/>
+                <a:ea typeface="+mn-ea"/>
+              </a:defRPr>
+            </a:lvl6pPr>
+            <a:lvl7pPr marL="2895600" indent="-228600" algn="l" rtl="0" eaLnBrk="1" fontAlgn="base" hangingPunct="1">
+              <a:spcBef>
+                <a:spcPct val="20000"/>
+              </a:spcBef>
+              <a:spcAft>
+                <a:spcPct val="0"/>
+              </a:spcAft>
+              <a:buChar char="»"/>
+              <a:defRPr sz="1200">
+                <a:solidFill>
+                  <a:srgbClr val="000000"/>
+                </a:solidFill>
+                <a:latin typeface="+mn-lt"/>
+                <a:ea typeface="+mn-ea"/>
+              </a:defRPr>
+            </a:lvl7pPr>
+            <a:lvl8pPr marL="3352800" indent="-228600" algn="l" rtl="0" eaLnBrk="1" fontAlgn="base" hangingPunct="1">
+              <a:spcBef>
+                <a:spcPct val="20000"/>
+              </a:spcBef>
+              <a:spcAft>
+                <a:spcPct val="0"/>
+              </a:spcAft>
+              <a:buChar char="»"/>
+              <a:defRPr sz="1200">
+                <a:solidFill>
+                  <a:srgbClr val="000000"/>
+                </a:solidFill>
+                <a:latin typeface="+mn-lt"/>
+                <a:ea typeface="+mn-ea"/>
+              </a:defRPr>
+            </a:lvl8pPr>
+            <a:lvl9pPr marL="3810000" indent="-228600" algn="l" rtl="0" eaLnBrk="1" fontAlgn="base" hangingPunct="1">
+              <a:spcBef>
+                <a:spcPct val="20000"/>
+              </a:spcBef>
+              <a:spcAft>
+                <a:spcPct val="0"/>
+              </a:spcAft>
+              <a:buChar char="»"/>
+              <a:defRPr sz="1200">
+                <a:solidFill>
+                  <a:srgbClr val="000000"/>
+                </a:solidFill>
+                <a:latin typeface="+mn-lt"/>
+                <a:ea typeface="+mn-ea"/>
+              </a:defRPr>
+            </a:lvl9pPr>
+          </a:lstStyle>
+          <a:p>
+            <a:pPr marL="0" indent="0">
+              <a:buFontTx/>
+              <a:buNone/>
+            </a:pPr>
+            <a:r>
+              <a:rPr lang="en-GB" altLang="it-IT" kern="0" dirty="0">
+                <a:latin typeface="Calibri" panose="020F0502020204030204" pitchFamily="34" charset="0"/>
+              </a:rPr>
+              <a:t>Frame 807 bytes = </a:t>
+            </a:r>
+          </a:p>
+          <a:p>
+            <a:pPr marL="0" indent="0">
+              <a:buFontTx/>
+              <a:buNone/>
+            </a:pPr>
+            <a:r>
+              <a:rPr lang="en-GB" altLang="it-IT" kern="0" dirty="0">
+                <a:latin typeface="Calibri" panose="020F0502020204030204" pitchFamily="34" charset="0"/>
+              </a:rPr>
+              <a:t>765 bytes Data, 14 bytes Header L2, 20 bytes IP Header, </a:t>
+            </a:r>
+          </a:p>
+          <a:p>
+            <a:pPr marL="0" indent="0">
+              <a:buFontTx/>
+              <a:buNone/>
+            </a:pPr>
+            <a:r>
+              <a:rPr lang="en-GB" altLang="it-IT" kern="0" dirty="0">
+                <a:latin typeface="Calibri" panose="020F0502020204030204" pitchFamily="34" charset="0"/>
+              </a:rPr>
+              <a:t>UDP Header ? Which information ?</a:t>
+            </a:r>
+          </a:p>
+        </p:txBody>
+      </p:sp>
     </p:spTree>
     <p:extLst>
       <p:ext uri="{BB962C8B-B14F-4D97-AF65-F5344CB8AC3E}">
-        <p14:creationId xmlns:p14="http://schemas.microsoft.com/office/powerpoint/2010/main" val="3713877886"/>
+        <p14:creationId xmlns:p14="http://schemas.microsoft.com/office/powerpoint/2010/main" val="1842460738"/>
       </p:ext>
     </p:extLst>
   </p:cSld>
@@ -8804,10 +9049,10 @@
       </p:sp>
       <p:pic>
         <p:nvPicPr>
-          <p:cNvPr id="4" name="Immagine 3" descr="Immagine che contiene tavolo&#10;&#10;Descrizione generata automaticamente">
+          <p:cNvPr id="6" name="Immagine 5" descr="Immagine che contiene tavolo&#10;&#10;Descrizione generata automaticamente">
             <a:extLst>
               <a:ext uri="{FF2B5EF4-FFF2-40B4-BE49-F238E27FC236}">
-                <a16:creationId xmlns:a16="http://schemas.microsoft.com/office/drawing/2014/main" id="{C8CCB9B0-9442-4B1C-A497-9BF61F98C494}"/>
+                <a16:creationId xmlns:a16="http://schemas.microsoft.com/office/drawing/2014/main" id="{C3F6C105-93F3-46A5-AACE-08D1637DC6A9}"/>
               </a:ext>
             </a:extLst>
           </p:cNvPr>
@@ -8816,26 +9061,277 @@
           </p:cNvPicPr>
           <p:nvPr/>
         </p:nvPicPr>
-        <p:blipFill>
+        <p:blipFill rotWithShape="1">
           <a:blip r:embed="rId2"/>
-          <a:stretch>
-            <a:fillRect/>
-          </a:stretch>
+          <a:srcRect r="1731" b="3806"/>
+          <a:stretch/>
         </p:blipFill>
         <p:spPr>
           <a:xfrm>
-            <a:off x="532041" y="1663870"/>
-            <a:ext cx="8079917" cy="4072021"/>
+            <a:off x="539552" y="1561436"/>
+            <a:ext cx="7517316" cy="3091700"/>
           </a:xfrm>
           <a:prstGeom prst="rect">
             <a:avLst/>
           </a:prstGeom>
         </p:spPr>
       </p:pic>
+      <p:sp>
+        <p:nvSpPr>
+          <p:cNvPr id="8" name="Segnaposto contenuto 2">
+            <a:extLst>
+              <a:ext uri="{FF2B5EF4-FFF2-40B4-BE49-F238E27FC236}">
+                <a16:creationId xmlns:a16="http://schemas.microsoft.com/office/drawing/2014/main" id="{1381D6D4-9184-47DF-BEDE-056F6B8617BF}"/>
+              </a:ext>
+            </a:extLst>
+          </p:cNvPr>
+          <p:cNvSpPr txBox="1">
+            <a:spLocks/>
+          </p:cNvSpPr>
+          <p:nvPr/>
+        </p:nvSpPr>
+        <p:spPr bwMode="auto">
+          <a:xfrm>
+            <a:off x="353177" y="4737176"/>
+            <a:ext cx="7805348" cy="1272080"/>
+          </a:xfrm>
+          <a:prstGeom prst="rect">
+            <a:avLst/>
+          </a:prstGeom>
+          <a:noFill/>
+          <a:ln>
+            <a:noFill/>
+          </a:ln>
+          <a:extLst>
+            <a:ext uri="{909E8E84-426E-40DD-AFC4-6F175D3DCCD1}">
+              <a14:hiddenFill xmlns:a14="http://schemas.microsoft.com/office/drawing/2010/main">
+                <a:solidFill>
+                  <a:schemeClr val="accent1"/>
+                </a:solidFill>
+              </a14:hiddenFill>
+            </a:ext>
+            <a:ext uri="{91240B29-F687-4F45-9708-019B960494DF}">
+              <a14:hiddenLine xmlns:a14="http://schemas.microsoft.com/office/drawing/2010/main" w="9525">
+                <a:solidFill>
+                  <a:schemeClr val="tx1"/>
+                </a:solidFill>
+                <a:miter lim="800000"/>
+                <a:headEnd/>
+                <a:tailEnd/>
+              </a14:hiddenLine>
+            </a:ext>
+          </a:extLst>
+        </p:spPr>
+        <p:txBody>
+          <a:bodyPr vert="horz" wrap="square" lIns="91440" tIns="45720" rIns="91440" bIns="45720" numCol="1" anchor="t" anchorCtr="0" compatLnSpc="1">
+            <a:prstTxWarp prst="textNoShape">
+              <a:avLst/>
+            </a:prstTxWarp>
+          </a:bodyPr>
+          <a:lstStyle>
+            <a:lvl1pPr marL="342900" indent="-342900" algn="l" rtl="0" eaLnBrk="0" fontAlgn="base" hangingPunct="0">
+              <a:spcBef>
+                <a:spcPct val="20000"/>
+              </a:spcBef>
+              <a:spcAft>
+                <a:spcPct val="0"/>
+              </a:spcAft>
+              <a:buClr>
+                <a:srgbClr val="822433"/>
+              </a:buClr>
+              <a:buChar char="•"/>
+              <a:defRPr sz="2400">
+                <a:solidFill>
+                  <a:srgbClr val="000000"/>
+                </a:solidFill>
+                <a:latin typeface="Calibri"/>
+                <a:ea typeface="MS PGothic" panose="020B0600070205080204" pitchFamily="34" charset="-128"/>
+                <a:cs typeface="ＭＳ Ｐゴシック" charset="0"/>
+              </a:defRPr>
+            </a:lvl1pPr>
+            <a:lvl2pPr marL="742950" indent="-285750" algn="l" rtl="0" eaLnBrk="0" fontAlgn="base" hangingPunct="0">
+              <a:spcBef>
+                <a:spcPct val="20000"/>
+              </a:spcBef>
+              <a:spcAft>
+                <a:spcPct val="0"/>
+              </a:spcAft>
+              <a:buChar char="–"/>
+              <a:defRPr sz="2000">
+                <a:solidFill>
+                  <a:srgbClr val="000000"/>
+                </a:solidFill>
+                <a:latin typeface="Calibri"/>
+                <a:ea typeface="MS PGothic" panose="020B0600070205080204" pitchFamily="34" charset="-128"/>
+              </a:defRPr>
+            </a:lvl2pPr>
+            <a:lvl3pPr marL="1143000" indent="-228600" algn="l" rtl="0" eaLnBrk="0" fontAlgn="base" hangingPunct="0">
+              <a:spcBef>
+                <a:spcPct val="20000"/>
+              </a:spcBef>
+              <a:spcAft>
+                <a:spcPct val="0"/>
+              </a:spcAft>
+              <a:buChar char="•"/>
+              <a:defRPr sz="1600">
+                <a:solidFill>
+                  <a:srgbClr val="000000"/>
+                </a:solidFill>
+                <a:latin typeface="Calibri"/>
+                <a:ea typeface="MS PGothic" panose="020B0600070205080204" pitchFamily="34" charset="-128"/>
+              </a:defRPr>
+            </a:lvl3pPr>
+            <a:lvl4pPr marL="1562100" indent="-228600" algn="l" rtl="0" eaLnBrk="0" fontAlgn="base" hangingPunct="0">
+              <a:spcBef>
+                <a:spcPct val="20000"/>
+              </a:spcBef>
+              <a:spcAft>
+                <a:spcPct val="0"/>
+              </a:spcAft>
+              <a:buChar char="–"/>
+              <a:defRPr sz="1400">
+                <a:solidFill>
+                  <a:srgbClr val="000000"/>
+                </a:solidFill>
+                <a:latin typeface="Calibri"/>
+                <a:ea typeface="MS PGothic" panose="020B0600070205080204" pitchFamily="34" charset="-128"/>
+              </a:defRPr>
+            </a:lvl4pPr>
+            <a:lvl5pPr marL="1981200" indent="-228600" algn="l" rtl="0" eaLnBrk="0" fontAlgn="base" hangingPunct="0">
+              <a:spcBef>
+                <a:spcPct val="20000"/>
+              </a:spcBef>
+              <a:spcAft>
+                <a:spcPct val="0"/>
+              </a:spcAft>
+              <a:buChar char="»"/>
+              <a:defRPr sz="1200">
+                <a:solidFill>
+                  <a:srgbClr val="000000"/>
+                </a:solidFill>
+                <a:latin typeface="Calibri"/>
+                <a:ea typeface="MS PGothic" panose="020B0600070205080204" pitchFamily="34" charset="-128"/>
+              </a:defRPr>
+            </a:lvl5pPr>
+            <a:lvl6pPr marL="2438400" indent="-228600" algn="l" rtl="0" eaLnBrk="1" fontAlgn="base" hangingPunct="1">
+              <a:spcBef>
+                <a:spcPct val="20000"/>
+              </a:spcBef>
+              <a:spcAft>
+                <a:spcPct val="0"/>
+              </a:spcAft>
+              <a:buChar char="»"/>
+              <a:defRPr sz="1200">
+                <a:solidFill>
+                  <a:srgbClr val="000000"/>
+                </a:solidFill>
+                <a:latin typeface="+mn-lt"/>
+                <a:ea typeface="+mn-ea"/>
+              </a:defRPr>
+            </a:lvl6pPr>
+            <a:lvl7pPr marL="2895600" indent="-228600" algn="l" rtl="0" eaLnBrk="1" fontAlgn="base" hangingPunct="1">
+              <a:spcBef>
+                <a:spcPct val="20000"/>
+              </a:spcBef>
+              <a:spcAft>
+                <a:spcPct val="0"/>
+              </a:spcAft>
+              <a:buChar char="»"/>
+              <a:defRPr sz="1200">
+                <a:solidFill>
+                  <a:srgbClr val="000000"/>
+                </a:solidFill>
+                <a:latin typeface="+mn-lt"/>
+                <a:ea typeface="+mn-ea"/>
+              </a:defRPr>
+            </a:lvl7pPr>
+            <a:lvl8pPr marL="3352800" indent="-228600" algn="l" rtl="0" eaLnBrk="1" fontAlgn="base" hangingPunct="1">
+              <a:spcBef>
+                <a:spcPct val="20000"/>
+              </a:spcBef>
+              <a:spcAft>
+                <a:spcPct val="0"/>
+              </a:spcAft>
+              <a:buChar char="»"/>
+              <a:defRPr sz="1200">
+                <a:solidFill>
+                  <a:srgbClr val="000000"/>
+                </a:solidFill>
+                <a:latin typeface="+mn-lt"/>
+                <a:ea typeface="+mn-ea"/>
+              </a:defRPr>
+            </a:lvl8pPr>
+            <a:lvl9pPr marL="3810000" indent="-228600" algn="l" rtl="0" eaLnBrk="1" fontAlgn="base" hangingPunct="1">
+              <a:spcBef>
+                <a:spcPct val="20000"/>
+              </a:spcBef>
+              <a:spcAft>
+                <a:spcPct val="0"/>
+              </a:spcAft>
+              <a:buChar char="»"/>
+              <a:defRPr sz="1200">
+                <a:solidFill>
+                  <a:srgbClr val="000000"/>
+                </a:solidFill>
+                <a:latin typeface="+mn-lt"/>
+                <a:ea typeface="+mn-ea"/>
+              </a:defRPr>
+            </a:lvl9pPr>
+          </a:lstStyle>
+          <a:p>
+            <a:pPr marL="0" indent="0">
+              <a:buFontTx/>
+              <a:buNone/>
+            </a:pPr>
+            <a:r>
+              <a:rPr lang="en-GB" altLang="it-IT" kern="0" dirty="0">
+                <a:latin typeface="Calibri" panose="020F0502020204030204" pitchFamily="34" charset="0"/>
+              </a:rPr>
+              <a:t>1) UDP Header ? 8 bytes</a:t>
+            </a:r>
+          </a:p>
+          <a:p>
+            <a:pPr marL="0" indent="0">
+              <a:buFontTx/>
+              <a:buNone/>
+            </a:pPr>
+            <a:r>
+              <a:rPr lang="en-GB" altLang="it-IT" kern="0" dirty="0">
+                <a:latin typeface="Calibri" panose="020F0502020204030204" pitchFamily="34" charset="0"/>
+              </a:rPr>
+              <a:t>2) Which information ? </a:t>
+            </a:r>
+            <a:r>
+              <a:rPr lang="en-GB" altLang="it-IT" kern="0" dirty="0" err="1">
+                <a:latin typeface="Calibri" panose="020F0502020204030204" pitchFamily="34" charset="0"/>
+              </a:rPr>
+              <a:t>Src_port</a:t>
+            </a:r>
+            <a:r>
+              <a:rPr lang="en-GB" altLang="it-IT" kern="0" dirty="0">
+                <a:latin typeface="Calibri" panose="020F0502020204030204" pitchFamily="34" charset="0"/>
+              </a:rPr>
+              <a:t>, </a:t>
+            </a:r>
+            <a:r>
+              <a:rPr lang="en-GB" altLang="it-IT" kern="0" dirty="0" err="1">
+                <a:latin typeface="Calibri" panose="020F0502020204030204" pitchFamily="34" charset="0"/>
+              </a:rPr>
+              <a:t>Dst_port</a:t>
+            </a:r>
+            <a:r>
+              <a:rPr lang="en-GB" altLang="it-IT" kern="0" dirty="0">
+                <a:latin typeface="Calibri" panose="020F0502020204030204" pitchFamily="34" charset="0"/>
+              </a:rPr>
+              <a:t>, Length, Checksum </a:t>
+            </a:r>
+          </a:p>
+        </p:txBody>
+      </p:sp>
     </p:spTree>
     <p:extLst>
       <p:ext uri="{BB962C8B-B14F-4D97-AF65-F5344CB8AC3E}">
-        <p14:creationId xmlns:p14="http://schemas.microsoft.com/office/powerpoint/2010/main" val="1851025452"/>
+        <p14:creationId xmlns:p14="http://schemas.microsoft.com/office/powerpoint/2010/main" val="2818158195"/>
       </p:ext>
     </p:extLst>
   </p:cSld>
@@ -8899,10 +9395,10 @@
       </p:sp>
       <p:pic>
         <p:nvPicPr>
-          <p:cNvPr id="6" name="Immagine 5" descr="Immagine che contiene tavolo&#10;&#10;Descrizione generata automaticamente">
+          <p:cNvPr id="4" name="Immagine 3" descr="Immagine che contiene tavolo&#10;&#10;Descrizione generata automaticamente">
             <a:extLst>
               <a:ext uri="{FF2B5EF4-FFF2-40B4-BE49-F238E27FC236}">
-                <a16:creationId xmlns:a16="http://schemas.microsoft.com/office/drawing/2014/main" id="{513CE20A-8B3B-48B4-9118-1529CFBB6924}"/>
+                <a16:creationId xmlns:a16="http://schemas.microsoft.com/office/drawing/2014/main" id="{E6B7B42D-090B-4481-847D-450EB4F40AF5}"/>
               </a:ext>
             </a:extLst>
           </p:cNvPr>
@@ -8919,8 +9415,8 @@
         </p:blipFill>
         <p:spPr>
           <a:xfrm>
-            <a:off x="467544" y="1649576"/>
-            <a:ext cx="8428450" cy="3558848"/>
+            <a:off x="1763688" y="1655670"/>
+            <a:ext cx="5112568" cy="4147257"/>
           </a:xfrm>
           <a:prstGeom prst="rect">
             <a:avLst/>
@@ -8930,7 +9426,7 @@
     </p:spTree>
     <p:extLst>
       <p:ext uri="{BB962C8B-B14F-4D97-AF65-F5344CB8AC3E}">
-        <p14:creationId xmlns:p14="http://schemas.microsoft.com/office/powerpoint/2010/main" val="3879483083"/>
+        <p14:creationId xmlns:p14="http://schemas.microsoft.com/office/powerpoint/2010/main" val="3211331281"/>
       </p:ext>
     </p:extLst>
   </p:cSld>
@@ -8980,238 +9476,24 @@
           </a:xfrm>
         </p:spPr>
         <p:txBody>
-          <a:bodyPr/>
+          <a:bodyPr wrap="square" anchor="t">
+            <a:normAutofit/>
+          </a:bodyPr>
           <a:lstStyle/>
           <a:p>
             <a:r>
               <a:rPr lang="en-US" dirty="0"/>
-              <a:t>Statistics</a:t>
-            </a:r>
-          </a:p>
-        </p:txBody>
-      </p:sp>
-      <p:sp>
-        <p:nvSpPr>
-          <p:cNvPr id="5" name="Segnaposto contenuto 2">
-            <a:extLst>
-              <a:ext uri="{FF2B5EF4-FFF2-40B4-BE49-F238E27FC236}">
-                <a16:creationId xmlns:a16="http://schemas.microsoft.com/office/drawing/2014/main" id="{B743704D-A3A9-40FA-82EC-9E70B33A8DDB}"/>
-              </a:ext>
-            </a:extLst>
-          </p:cNvPr>
-          <p:cNvSpPr txBox="1">
-            <a:spLocks/>
-          </p:cNvSpPr>
-          <p:nvPr/>
-        </p:nvSpPr>
-        <p:spPr bwMode="auto">
-          <a:xfrm>
-            <a:off x="683568" y="1772816"/>
-            <a:ext cx="8064128" cy="1224136"/>
-          </a:xfrm>
-          <a:prstGeom prst="rect">
-            <a:avLst/>
-          </a:prstGeom>
-          <a:noFill/>
-          <a:ln>
-            <a:noFill/>
-          </a:ln>
-          <a:extLst>
-            <a:ext uri="{909E8E84-426E-40DD-AFC4-6F175D3DCCD1}">
-              <a14:hiddenFill xmlns:a14="http://schemas.microsoft.com/office/drawing/2010/main">
-                <a:solidFill>
-                  <a:schemeClr val="accent1"/>
-                </a:solidFill>
-              </a14:hiddenFill>
-            </a:ext>
-            <a:ext uri="{91240B29-F687-4F45-9708-019B960494DF}">
-              <a14:hiddenLine xmlns:a14="http://schemas.microsoft.com/office/drawing/2010/main" w="9525">
-                <a:solidFill>
-                  <a:schemeClr val="tx1"/>
-                </a:solidFill>
-                <a:miter lim="800000"/>
-                <a:headEnd/>
-                <a:tailEnd/>
-              </a14:hiddenLine>
-            </a:ext>
-          </a:extLst>
-        </p:spPr>
-        <p:txBody>
-          <a:bodyPr vert="horz" wrap="square" lIns="91440" tIns="45720" rIns="91440" bIns="45720" numCol="1" anchor="t" anchorCtr="0" compatLnSpc="1">
-            <a:prstTxWarp prst="textNoShape">
-              <a:avLst/>
-            </a:prstTxWarp>
-          </a:bodyPr>
-          <a:lstStyle>
-            <a:lvl1pPr marL="342900" indent="-342900" algn="l" rtl="0" eaLnBrk="0" fontAlgn="base" hangingPunct="0">
-              <a:spcBef>
-                <a:spcPct val="20000"/>
-              </a:spcBef>
-              <a:spcAft>
-                <a:spcPct val="0"/>
-              </a:spcAft>
-              <a:buClr>
-                <a:srgbClr val="822433"/>
-              </a:buClr>
-              <a:buChar char="•"/>
-              <a:defRPr sz="2400">
-                <a:solidFill>
-                  <a:srgbClr val="000000"/>
-                </a:solidFill>
-                <a:latin typeface="Calibri"/>
-                <a:ea typeface="MS PGothic" panose="020B0600070205080204" pitchFamily="34" charset="-128"/>
-                <a:cs typeface="ＭＳ Ｐゴシック" charset="0"/>
-              </a:defRPr>
-            </a:lvl1pPr>
-            <a:lvl2pPr marL="742950" indent="-285750" algn="l" rtl="0" eaLnBrk="0" fontAlgn="base" hangingPunct="0">
-              <a:spcBef>
-                <a:spcPct val="20000"/>
-              </a:spcBef>
-              <a:spcAft>
-                <a:spcPct val="0"/>
-              </a:spcAft>
-              <a:buChar char="–"/>
-              <a:defRPr sz="2000">
-                <a:solidFill>
-                  <a:srgbClr val="000000"/>
-                </a:solidFill>
-                <a:latin typeface="Calibri"/>
-                <a:ea typeface="MS PGothic" panose="020B0600070205080204" pitchFamily="34" charset="-128"/>
-              </a:defRPr>
-            </a:lvl2pPr>
-            <a:lvl3pPr marL="1143000" indent="-228600" algn="l" rtl="0" eaLnBrk="0" fontAlgn="base" hangingPunct="0">
-              <a:spcBef>
-                <a:spcPct val="20000"/>
-              </a:spcBef>
-              <a:spcAft>
-                <a:spcPct val="0"/>
-              </a:spcAft>
-              <a:buChar char="•"/>
-              <a:defRPr sz="1600">
-                <a:solidFill>
-                  <a:srgbClr val="000000"/>
-                </a:solidFill>
-                <a:latin typeface="Calibri"/>
-                <a:ea typeface="MS PGothic" panose="020B0600070205080204" pitchFamily="34" charset="-128"/>
-              </a:defRPr>
-            </a:lvl3pPr>
-            <a:lvl4pPr marL="1562100" indent="-228600" algn="l" rtl="0" eaLnBrk="0" fontAlgn="base" hangingPunct="0">
-              <a:spcBef>
-                <a:spcPct val="20000"/>
-              </a:spcBef>
-              <a:spcAft>
-                <a:spcPct val="0"/>
-              </a:spcAft>
-              <a:buChar char="–"/>
-              <a:defRPr sz="1400">
-                <a:solidFill>
-                  <a:srgbClr val="000000"/>
-                </a:solidFill>
-                <a:latin typeface="Calibri"/>
-                <a:ea typeface="MS PGothic" panose="020B0600070205080204" pitchFamily="34" charset="-128"/>
-              </a:defRPr>
-            </a:lvl4pPr>
-            <a:lvl5pPr marL="1981200" indent="-228600" algn="l" rtl="0" eaLnBrk="0" fontAlgn="base" hangingPunct="0">
-              <a:spcBef>
-                <a:spcPct val="20000"/>
-              </a:spcBef>
-              <a:spcAft>
-                <a:spcPct val="0"/>
-              </a:spcAft>
-              <a:buChar char="»"/>
-              <a:defRPr sz="1200">
-                <a:solidFill>
-                  <a:srgbClr val="000000"/>
-                </a:solidFill>
-                <a:latin typeface="Calibri"/>
-                <a:ea typeface="MS PGothic" panose="020B0600070205080204" pitchFamily="34" charset="-128"/>
-              </a:defRPr>
-            </a:lvl5pPr>
-            <a:lvl6pPr marL="2438400" indent="-228600" algn="l" rtl="0" eaLnBrk="1" fontAlgn="base" hangingPunct="1">
-              <a:spcBef>
-                <a:spcPct val="20000"/>
-              </a:spcBef>
-              <a:spcAft>
-                <a:spcPct val="0"/>
-              </a:spcAft>
-              <a:buChar char="»"/>
-              <a:defRPr sz="1200">
-                <a:solidFill>
-                  <a:srgbClr val="000000"/>
-                </a:solidFill>
-                <a:latin typeface="+mn-lt"/>
-                <a:ea typeface="+mn-ea"/>
-              </a:defRPr>
-            </a:lvl6pPr>
-            <a:lvl7pPr marL="2895600" indent="-228600" algn="l" rtl="0" eaLnBrk="1" fontAlgn="base" hangingPunct="1">
-              <a:spcBef>
-                <a:spcPct val="20000"/>
-              </a:spcBef>
-              <a:spcAft>
-                <a:spcPct val="0"/>
-              </a:spcAft>
-              <a:buChar char="»"/>
-              <a:defRPr sz="1200">
-                <a:solidFill>
-                  <a:srgbClr val="000000"/>
-                </a:solidFill>
-                <a:latin typeface="+mn-lt"/>
-                <a:ea typeface="+mn-ea"/>
-              </a:defRPr>
-            </a:lvl7pPr>
-            <a:lvl8pPr marL="3352800" indent="-228600" algn="l" rtl="0" eaLnBrk="1" fontAlgn="base" hangingPunct="1">
-              <a:spcBef>
-                <a:spcPct val="20000"/>
-              </a:spcBef>
-              <a:spcAft>
-                <a:spcPct val="0"/>
-              </a:spcAft>
-              <a:buChar char="»"/>
-              <a:defRPr sz="1200">
-                <a:solidFill>
-                  <a:srgbClr val="000000"/>
-                </a:solidFill>
-                <a:latin typeface="+mn-lt"/>
-                <a:ea typeface="+mn-ea"/>
-              </a:defRPr>
-            </a:lvl8pPr>
-            <a:lvl9pPr marL="3810000" indent="-228600" algn="l" rtl="0" eaLnBrk="1" fontAlgn="base" hangingPunct="1">
-              <a:spcBef>
-                <a:spcPct val="20000"/>
-              </a:spcBef>
-              <a:spcAft>
-                <a:spcPct val="0"/>
-              </a:spcAft>
-              <a:buChar char="»"/>
-              <a:defRPr sz="1200">
-                <a:solidFill>
-                  <a:srgbClr val="000000"/>
-                </a:solidFill>
-                <a:latin typeface="+mn-lt"/>
-                <a:ea typeface="+mn-ea"/>
-              </a:defRPr>
-            </a:lvl9pPr>
-          </a:lstStyle>
-          <a:p>
-            <a:pPr marL="0" indent="0">
-              <a:buFontTx/>
-              <a:buNone/>
-            </a:pPr>
-            <a:r>
-              <a:rPr lang="en-GB" altLang="it-IT" kern="0" dirty="0">
-                <a:latin typeface="Calibri" panose="020F0502020204030204" pitchFamily="34" charset="0"/>
-              </a:rPr>
-              <a:t>Every time we talk about data our beloved statistics comes out</a:t>
+              <a:t>Filtering sniffed trace</a:t>
             </a:r>
           </a:p>
         </p:txBody>
       </p:sp>
       <p:pic>
         <p:nvPicPr>
-          <p:cNvPr id="4" name="Immagine 3" descr="Immagine che contiene testo&#10;&#10;Descrizione generata automaticamente">
+          <p:cNvPr id="5" name="Immagine 4" descr="Immagine che contiene testo, tavolo&#10;&#10;Descrizione generata automaticamente">
             <a:extLst>
               <a:ext uri="{FF2B5EF4-FFF2-40B4-BE49-F238E27FC236}">
-                <a16:creationId xmlns:a16="http://schemas.microsoft.com/office/drawing/2014/main" id="{6C7BA247-196E-4D93-9661-47BF01BED1D2}"/>
+                <a16:creationId xmlns:a16="http://schemas.microsoft.com/office/drawing/2014/main" id="{3281D4BE-43DE-4A12-A41A-0D255633A4EC}"/>
               </a:ext>
             </a:extLst>
           </p:cNvPr>
@@ -9220,95 +9502,26 @@
           </p:cNvPicPr>
           <p:nvPr/>
         </p:nvPicPr>
-        <p:blipFill rotWithShape="1">
+        <p:blipFill>
           <a:blip r:embed="rId2"/>
-          <a:srcRect r="18029"/>
-          <a:stretch/>
+          <a:stretch>
+            <a:fillRect/>
+          </a:stretch>
         </p:blipFill>
         <p:spPr>
           <a:xfrm>
-            <a:off x="414129" y="3140199"/>
-            <a:ext cx="8421007" cy="1936748"/>
+            <a:off x="1073602" y="1844824"/>
+            <a:ext cx="6996795" cy="3410029"/>
           </a:xfrm>
           <a:prstGeom prst="rect">
             <a:avLst/>
           </a:prstGeom>
         </p:spPr>
       </p:pic>
-      <p:cxnSp>
-        <p:nvCxnSpPr>
-          <p:cNvPr id="8" name="Connettore 2 7">
-            <a:extLst>
-              <a:ext uri="{FF2B5EF4-FFF2-40B4-BE49-F238E27FC236}">
-                <a16:creationId xmlns:a16="http://schemas.microsoft.com/office/drawing/2014/main" id="{EF95CB4E-29E5-49DF-8AB4-189B847FA26A}"/>
-              </a:ext>
-            </a:extLst>
-          </p:cNvPr>
-          <p:cNvCxnSpPr/>
-          <p:nvPr/>
-        </p:nvCxnSpPr>
-        <p:spPr bwMode="auto">
-          <a:xfrm flipH="1">
-            <a:off x="3707904" y="2780928"/>
-            <a:ext cx="504056" cy="648072"/>
-          </a:xfrm>
-          <a:prstGeom prst="straightConnector1">
-            <a:avLst/>
-          </a:prstGeom>
-          <a:ln>
-            <a:tailEnd type="triangle"/>
-          </a:ln>
-          <a:extLst>
-            <a:ext uri="{909E8E84-426E-40dd-AFC4-6F175D3DCCD1}">
-              <a14:hiddenFill xmlns:a14="http://schemas.microsoft.com/office/drawing/2010/main" xmlns="">
-                <a:solidFill>
-                  <a:schemeClr val="accent1"/>
-                </a:solidFill>
-              </a14:hiddenFill>
-            </a:ext>
-            <a:ext uri="{91240B29-F687-4f45-9708-019B960494DF}">
-              <a14:hiddenLine xmlns:a14="http://schemas.microsoft.com/office/drawing/2010/main" xmlns="" w="9525" cap="flat" cmpd="sng" algn="ctr">
-                <a:solidFill>
-                  <a:schemeClr val="tx1"/>
-                </a:solidFill>
-                <a:prstDash val="solid"/>
-                <a:round/>
-                <a:headEnd type="none" w="med" len="med"/>
-                <a:tailEnd type="none" w="med" len="med"/>
-              </a14:hiddenLine>
-            </a:ext>
-            <a:ext uri="{AF507438-7753-43e0-B8FC-AC1667EBCBE1}">
-              <a14:hiddenEffects xmlns:a14="http://schemas.microsoft.com/office/drawing/2010/main" xmlns="">
-                <a:effectLst>
-                  <a:outerShdw blurRad="63500" dist="38099" dir="2700000" algn="ctr" rotWithShape="0">
-                    <a:srgbClr val="000000">
-                      <a:alpha val="74998"/>
-                    </a:srgbClr>
-                  </a:outerShdw>
-                </a:effectLst>
-              </a14:hiddenEffects>
-            </a:ext>
-          </a:extLst>
-        </p:spPr>
-        <p:style>
-          <a:lnRef idx="2">
-            <a:schemeClr val="accent4"/>
-          </a:lnRef>
-          <a:fillRef idx="0">
-            <a:schemeClr val="accent4"/>
-          </a:fillRef>
-          <a:effectRef idx="1">
-            <a:schemeClr val="accent4"/>
-          </a:effectRef>
-          <a:fontRef idx="minor">
-            <a:schemeClr val="tx1"/>
-          </a:fontRef>
-        </p:style>
-      </p:cxnSp>
     </p:spTree>
     <p:extLst>
       <p:ext uri="{BB962C8B-B14F-4D97-AF65-F5344CB8AC3E}">
-        <p14:creationId xmlns:p14="http://schemas.microsoft.com/office/powerpoint/2010/main" val="3365183627"/>
+        <p14:creationId xmlns:p14="http://schemas.microsoft.com/office/powerpoint/2010/main" val="3816824412"/>
       </p:ext>
     </p:extLst>
   </p:cSld>
@@ -9430,10 +9643,10 @@
       </p:grpSpPr>
       <p:sp>
         <p:nvSpPr>
-          <p:cNvPr id="22530" name="Segnaposto contenuto 2">
+          <p:cNvPr id="71" name="Title 1">
             <a:extLst>
               <a:ext uri="{FF2B5EF4-FFF2-40B4-BE49-F238E27FC236}">
-                <a16:creationId xmlns:a16="http://schemas.microsoft.com/office/drawing/2014/main" id="{2CB01D02-6D42-4E8D-8544-627F15ABE9F0}"/>
+                <a16:creationId xmlns:a16="http://schemas.microsoft.com/office/drawing/2014/main" id="{ECFE5F78-E215-452E-B02D-49597153C527}"/>
               </a:ext>
             </a:extLst>
           </p:cNvPr>
@@ -9441,47 +9654,34 @@
             <a:spLocks noGrp="1"/>
           </p:cNvSpPr>
           <p:nvPr>
-            <p:ph idx="1"/>
+            <p:ph type="title"/>
           </p:nvPr>
         </p:nvSpPr>
         <p:spPr>
           <a:xfrm>
-            <a:off x="539935" y="1052736"/>
-            <a:ext cx="8064128" cy="576064"/>
+            <a:off x="1259632" y="1124744"/>
+            <a:ext cx="7415659" cy="504825"/>
           </a:xfrm>
         </p:spPr>
         <p:txBody>
-          <a:bodyPr/>
+          <a:bodyPr wrap="square" anchor="t">
+            <a:normAutofit/>
+          </a:bodyPr>
           <a:lstStyle/>
           <a:p>
-            <a:pPr marL="0" indent="0" algn="ctr">
-              <a:buNone/>
-            </a:pPr>
-            <a:r>
-              <a:rPr lang="en-GB" altLang="it-IT" dirty="0">
-                <a:latin typeface="Calibri" panose="020F0502020204030204" pitchFamily="34" charset="0"/>
-              </a:rPr>
-              <a:t>Statistics </a:t>
-            </a:r>
-            <a:r>
-              <a:rPr lang="en-GB" altLang="it-IT" dirty="0">
-                <a:latin typeface="Calibri" panose="020F0502020204030204" pitchFamily="34" charset="0"/>
-                <a:sym typeface="Wingdings" panose="05000000000000000000" pitchFamily="2" charset="2"/>
-              </a:rPr>
-              <a:t> Protocol Hierarchy</a:t>
-            </a:r>
-            <a:endParaRPr lang="en-GB" altLang="it-IT" dirty="0">
-              <a:latin typeface="Calibri" panose="020F0502020204030204" pitchFamily="34" charset="0"/>
-            </a:endParaRPr>
+            <a:r>
+              <a:rPr lang="en-US" dirty="0"/>
+              <a:t>Filtering sniffed trace</a:t>
+            </a:r>
           </a:p>
         </p:txBody>
       </p:sp>
       <p:pic>
         <p:nvPicPr>
-          <p:cNvPr id="7" name="Immagine 6">
+          <p:cNvPr id="3" name="Immagine 2">
             <a:extLst>
               <a:ext uri="{FF2B5EF4-FFF2-40B4-BE49-F238E27FC236}">
-                <a16:creationId xmlns:a16="http://schemas.microsoft.com/office/drawing/2014/main" id="{F298A001-16B7-4DD8-9756-F6997F439C37}"/>
+                <a16:creationId xmlns:a16="http://schemas.microsoft.com/office/drawing/2014/main" id="{8B551592-ACA2-4531-AE6D-48712D9BAC25}"/>
               </a:ext>
             </a:extLst>
           </p:cNvPr>
@@ -9490,26 +9690,265 @@
           </p:cNvPicPr>
           <p:nvPr/>
         </p:nvPicPr>
-        <p:blipFill>
+        <p:blipFill rotWithShape="1">
           <a:blip r:embed="rId2"/>
-          <a:stretch>
-            <a:fillRect/>
-          </a:stretch>
+          <a:srcRect r="15498" b="2886"/>
+          <a:stretch/>
         </p:blipFill>
         <p:spPr>
           <a:xfrm>
-            <a:off x="23481" y="1700808"/>
-            <a:ext cx="8724984" cy="3470164"/>
+            <a:off x="433135" y="1844824"/>
+            <a:ext cx="7860071" cy="2664295"/>
           </a:xfrm>
           <a:prstGeom prst="rect">
             <a:avLst/>
           </a:prstGeom>
         </p:spPr>
       </p:pic>
+      <p:sp>
+        <p:nvSpPr>
+          <p:cNvPr id="6" name="Segnaposto contenuto 2">
+            <a:extLst>
+              <a:ext uri="{FF2B5EF4-FFF2-40B4-BE49-F238E27FC236}">
+                <a16:creationId xmlns:a16="http://schemas.microsoft.com/office/drawing/2014/main" id="{3F09A3E1-B2C8-41B2-A578-A88FA9560DB9}"/>
+              </a:ext>
+            </a:extLst>
+          </p:cNvPr>
+          <p:cNvSpPr txBox="1">
+            <a:spLocks/>
+          </p:cNvSpPr>
+          <p:nvPr/>
+        </p:nvSpPr>
+        <p:spPr bwMode="auto">
+          <a:xfrm>
+            <a:off x="353177" y="4737176"/>
+            <a:ext cx="7805348" cy="1272080"/>
+          </a:xfrm>
+          <a:prstGeom prst="rect">
+            <a:avLst/>
+          </a:prstGeom>
+          <a:noFill/>
+          <a:ln>
+            <a:noFill/>
+          </a:ln>
+          <a:extLst>
+            <a:ext uri="{909E8E84-426E-40DD-AFC4-6F175D3DCCD1}">
+              <a14:hiddenFill xmlns:a14="http://schemas.microsoft.com/office/drawing/2010/main">
+                <a:solidFill>
+                  <a:schemeClr val="accent1"/>
+                </a:solidFill>
+              </a14:hiddenFill>
+            </a:ext>
+            <a:ext uri="{91240B29-F687-4F45-9708-019B960494DF}">
+              <a14:hiddenLine xmlns:a14="http://schemas.microsoft.com/office/drawing/2010/main" w="9525">
+                <a:solidFill>
+                  <a:schemeClr val="tx1"/>
+                </a:solidFill>
+                <a:miter lim="800000"/>
+                <a:headEnd/>
+                <a:tailEnd/>
+              </a14:hiddenLine>
+            </a:ext>
+          </a:extLst>
+        </p:spPr>
+        <p:txBody>
+          <a:bodyPr vert="horz" wrap="square" lIns="91440" tIns="45720" rIns="91440" bIns="45720" numCol="1" anchor="t" anchorCtr="0" compatLnSpc="1">
+            <a:prstTxWarp prst="textNoShape">
+              <a:avLst/>
+            </a:prstTxWarp>
+          </a:bodyPr>
+          <a:lstStyle>
+            <a:lvl1pPr marL="342900" indent="-342900" algn="l" rtl="0" eaLnBrk="0" fontAlgn="base" hangingPunct="0">
+              <a:spcBef>
+                <a:spcPct val="20000"/>
+              </a:spcBef>
+              <a:spcAft>
+                <a:spcPct val="0"/>
+              </a:spcAft>
+              <a:buClr>
+                <a:srgbClr val="822433"/>
+              </a:buClr>
+              <a:buChar char="•"/>
+              <a:defRPr sz="2400">
+                <a:solidFill>
+                  <a:srgbClr val="000000"/>
+                </a:solidFill>
+                <a:latin typeface="Calibri"/>
+                <a:ea typeface="MS PGothic" panose="020B0600070205080204" pitchFamily="34" charset="-128"/>
+                <a:cs typeface="ＭＳ Ｐゴシック" charset="0"/>
+              </a:defRPr>
+            </a:lvl1pPr>
+            <a:lvl2pPr marL="742950" indent="-285750" algn="l" rtl="0" eaLnBrk="0" fontAlgn="base" hangingPunct="0">
+              <a:spcBef>
+                <a:spcPct val="20000"/>
+              </a:spcBef>
+              <a:spcAft>
+                <a:spcPct val="0"/>
+              </a:spcAft>
+              <a:buChar char="–"/>
+              <a:defRPr sz="2000">
+                <a:solidFill>
+                  <a:srgbClr val="000000"/>
+                </a:solidFill>
+                <a:latin typeface="Calibri"/>
+                <a:ea typeface="MS PGothic" panose="020B0600070205080204" pitchFamily="34" charset="-128"/>
+              </a:defRPr>
+            </a:lvl2pPr>
+            <a:lvl3pPr marL="1143000" indent="-228600" algn="l" rtl="0" eaLnBrk="0" fontAlgn="base" hangingPunct="0">
+              <a:spcBef>
+                <a:spcPct val="20000"/>
+              </a:spcBef>
+              <a:spcAft>
+                <a:spcPct val="0"/>
+              </a:spcAft>
+              <a:buChar char="•"/>
+              <a:defRPr sz="1600">
+                <a:solidFill>
+                  <a:srgbClr val="000000"/>
+                </a:solidFill>
+                <a:latin typeface="Calibri"/>
+                <a:ea typeface="MS PGothic" panose="020B0600070205080204" pitchFamily="34" charset="-128"/>
+              </a:defRPr>
+            </a:lvl3pPr>
+            <a:lvl4pPr marL="1562100" indent="-228600" algn="l" rtl="0" eaLnBrk="0" fontAlgn="base" hangingPunct="0">
+              <a:spcBef>
+                <a:spcPct val="20000"/>
+              </a:spcBef>
+              <a:spcAft>
+                <a:spcPct val="0"/>
+              </a:spcAft>
+              <a:buChar char="–"/>
+              <a:defRPr sz="1400">
+                <a:solidFill>
+                  <a:srgbClr val="000000"/>
+                </a:solidFill>
+                <a:latin typeface="Calibri"/>
+                <a:ea typeface="MS PGothic" panose="020B0600070205080204" pitchFamily="34" charset="-128"/>
+              </a:defRPr>
+            </a:lvl4pPr>
+            <a:lvl5pPr marL="1981200" indent="-228600" algn="l" rtl="0" eaLnBrk="0" fontAlgn="base" hangingPunct="0">
+              <a:spcBef>
+                <a:spcPct val="20000"/>
+              </a:spcBef>
+              <a:spcAft>
+                <a:spcPct val="0"/>
+              </a:spcAft>
+              <a:buChar char="»"/>
+              <a:defRPr sz="1200">
+                <a:solidFill>
+                  <a:srgbClr val="000000"/>
+                </a:solidFill>
+                <a:latin typeface="Calibri"/>
+                <a:ea typeface="MS PGothic" panose="020B0600070205080204" pitchFamily="34" charset="-128"/>
+              </a:defRPr>
+            </a:lvl5pPr>
+            <a:lvl6pPr marL="2438400" indent="-228600" algn="l" rtl="0" eaLnBrk="1" fontAlgn="base" hangingPunct="1">
+              <a:spcBef>
+                <a:spcPct val="20000"/>
+              </a:spcBef>
+              <a:spcAft>
+                <a:spcPct val="0"/>
+              </a:spcAft>
+              <a:buChar char="»"/>
+              <a:defRPr sz="1200">
+                <a:solidFill>
+                  <a:srgbClr val="000000"/>
+                </a:solidFill>
+                <a:latin typeface="+mn-lt"/>
+                <a:ea typeface="+mn-ea"/>
+              </a:defRPr>
+            </a:lvl6pPr>
+            <a:lvl7pPr marL="2895600" indent="-228600" algn="l" rtl="0" eaLnBrk="1" fontAlgn="base" hangingPunct="1">
+              <a:spcBef>
+                <a:spcPct val="20000"/>
+              </a:spcBef>
+              <a:spcAft>
+                <a:spcPct val="0"/>
+              </a:spcAft>
+              <a:buChar char="»"/>
+              <a:defRPr sz="1200">
+                <a:solidFill>
+                  <a:srgbClr val="000000"/>
+                </a:solidFill>
+                <a:latin typeface="+mn-lt"/>
+                <a:ea typeface="+mn-ea"/>
+              </a:defRPr>
+            </a:lvl7pPr>
+            <a:lvl8pPr marL="3352800" indent="-228600" algn="l" rtl="0" eaLnBrk="1" fontAlgn="base" hangingPunct="1">
+              <a:spcBef>
+                <a:spcPct val="20000"/>
+              </a:spcBef>
+              <a:spcAft>
+                <a:spcPct val="0"/>
+              </a:spcAft>
+              <a:buChar char="»"/>
+              <a:defRPr sz="1200">
+                <a:solidFill>
+                  <a:srgbClr val="000000"/>
+                </a:solidFill>
+                <a:latin typeface="+mn-lt"/>
+                <a:ea typeface="+mn-ea"/>
+              </a:defRPr>
+            </a:lvl8pPr>
+            <a:lvl9pPr marL="3810000" indent="-228600" algn="l" rtl="0" eaLnBrk="1" fontAlgn="base" hangingPunct="1">
+              <a:spcBef>
+                <a:spcPct val="20000"/>
+              </a:spcBef>
+              <a:spcAft>
+                <a:spcPct val="0"/>
+              </a:spcAft>
+              <a:buChar char="»"/>
+              <a:defRPr sz="1200">
+                <a:solidFill>
+                  <a:srgbClr val="000000"/>
+                </a:solidFill>
+                <a:latin typeface="+mn-lt"/>
+                <a:ea typeface="+mn-ea"/>
+              </a:defRPr>
+            </a:lvl9pPr>
+          </a:lstStyle>
+          <a:p>
+            <a:pPr marL="0" indent="0">
+              <a:buFontTx/>
+              <a:buNone/>
+            </a:pPr>
+            <a:r>
+              <a:rPr lang="en-GB" altLang="it-IT" kern="0" dirty="0">
+                <a:latin typeface="Calibri" panose="020F0502020204030204" pitchFamily="34" charset="0"/>
+              </a:rPr>
+              <a:t>Frame 1414 bytes = </a:t>
+            </a:r>
+          </a:p>
+          <a:p>
+            <a:pPr marL="0" indent="0">
+              <a:buFontTx/>
+              <a:buNone/>
+            </a:pPr>
+            <a:r>
+              <a:rPr lang="en-GB" altLang="it-IT" kern="0" dirty="0">
+                <a:latin typeface="Calibri" panose="020F0502020204030204" pitchFamily="34" charset="0"/>
+              </a:rPr>
+              <a:t>1360 bytes Data, 14 bytes Header L2, 20 bytes IP Header, </a:t>
+            </a:r>
+          </a:p>
+          <a:p>
+            <a:pPr marL="0" indent="0">
+              <a:buFontTx/>
+              <a:buNone/>
+            </a:pPr>
+            <a:r>
+              <a:rPr lang="en-GB" altLang="it-IT" kern="0" dirty="0">
+                <a:latin typeface="Calibri" panose="020F0502020204030204" pitchFamily="34" charset="0"/>
+              </a:rPr>
+              <a:t>20 bytes TCP Header </a:t>
+            </a:r>
+          </a:p>
+        </p:txBody>
+      </p:sp>
     </p:spTree>
     <p:extLst>
       <p:ext uri="{BB962C8B-B14F-4D97-AF65-F5344CB8AC3E}">
-        <p14:creationId xmlns:p14="http://schemas.microsoft.com/office/powerpoint/2010/main" val="248360581"/>
+        <p14:creationId xmlns:p14="http://schemas.microsoft.com/office/powerpoint/2010/main" val="1140316313"/>
       </p:ext>
     </p:extLst>
   </p:cSld>
@@ -9538,10 +9977,10 @@
       </p:grpSpPr>
       <p:sp>
         <p:nvSpPr>
-          <p:cNvPr id="22530" name="Segnaposto contenuto 2">
+          <p:cNvPr id="71" name="Title 1">
             <a:extLst>
               <a:ext uri="{FF2B5EF4-FFF2-40B4-BE49-F238E27FC236}">
-                <a16:creationId xmlns:a16="http://schemas.microsoft.com/office/drawing/2014/main" id="{2CB01D02-6D42-4E8D-8544-627F15ABE9F0}"/>
+                <a16:creationId xmlns:a16="http://schemas.microsoft.com/office/drawing/2014/main" id="{ECFE5F78-E215-452E-B02D-49597153C527}"/>
               </a:ext>
             </a:extLst>
           </p:cNvPr>
@@ -9549,47 +9988,34 @@
             <a:spLocks noGrp="1"/>
           </p:cNvSpPr>
           <p:nvPr>
-            <p:ph idx="1"/>
+            <p:ph type="title"/>
           </p:nvPr>
         </p:nvSpPr>
         <p:spPr>
           <a:xfrm>
-            <a:off x="539935" y="1052736"/>
-            <a:ext cx="8064128" cy="576064"/>
+            <a:off x="1259632" y="1124744"/>
+            <a:ext cx="7415659" cy="504825"/>
           </a:xfrm>
         </p:spPr>
         <p:txBody>
-          <a:bodyPr/>
+          <a:bodyPr wrap="square" anchor="t">
+            <a:normAutofit/>
+          </a:bodyPr>
           <a:lstStyle/>
           <a:p>
-            <a:pPr marL="0" indent="0" algn="ctr">
-              <a:buNone/>
-            </a:pPr>
-            <a:r>
-              <a:rPr lang="en-GB" altLang="it-IT" dirty="0">
-                <a:latin typeface="Calibri" panose="020F0502020204030204" pitchFamily="34" charset="0"/>
-              </a:rPr>
-              <a:t>Statistics </a:t>
-            </a:r>
-            <a:r>
-              <a:rPr lang="en-GB" altLang="it-IT" dirty="0">
-                <a:latin typeface="Calibri" panose="020F0502020204030204" pitchFamily="34" charset="0"/>
-                <a:sym typeface="Wingdings" panose="05000000000000000000" pitchFamily="2" charset="2"/>
-              </a:rPr>
-              <a:t> Packet Lengths</a:t>
-            </a:r>
-            <a:endParaRPr lang="en-GB" altLang="it-IT" dirty="0">
-              <a:latin typeface="Calibri" panose="020F0502020204030204" pitchFamily="34" charset="0"/>
-            </a:endParaRPr>
+            <a:r>
+              <a:rPr lang="en-US" dirty="0"/>
+              <a:t>Filtering sniffed trace</a:t>
+            </a:r>
           </a:p>
         </p:txBody>
       </p:sp>
       <p:pic>
         <p:nvPicPr>
-          <p:cNvPr id="3" name="Immagine 2" descr="Immagine che contiene tavolo&#10;&#10;Descrizione generata automaticamente">
+          <p:cNvPr id="4" name="Immagine 3">
             <a:extLst>
               <a:ext uri="{FF2B5EF4-FFF2-40B4-BE49-F238E27FC236}">
-                <a16:creationId xmlns:a16="http://schemas.microsoft.com/office/drawing/2014/main" id="{B5DCA3D1-A942-40BF-B381-66A9784A4807}"/>
+                <a16:creationId xmlns:a16="http://schemas.microsoft.com/office/drawing/2014/main" id="{4C1E0F07-1B69-4CA8-9F5D-78ADE1047A30}"/>
               </a:ext>
             </a:extLst>
           </p:cNvPr>
@@ -9606,18 +10032,234 @@
         </p:blipFill>
         <p:spPr>
           <a:xfrm>
-            <a:off x="688317" y="1916832"/>
-            <a:ext cx="7564904" cy="3299917"/>
+            <a:off x="467544" y="1705441"/>
+            <a:ext cx="6444746" cy="4046437"/>
           </a:xfrm>
           <a:prstGeom prst="rect">
             <a:avLst/>
           </a:prstGeom>
         </p:spPr>
       </p:pic>
+      <p:sp>
+        <p:nvSpPr>
+          <p:cNvPr id="7" name="Segnaposto contenuto 2">
+            <a:extLst>
+              <a:ext uri="{FF2B5EF4-FFF2-40B4-BE49-F238E27FC236}">
+                <a16:creationId xmlns:a16="http://schemas.microsoft.com/office/drawing/2014/main" id="{73F921A7-3706-4662-BFDB-B4D9D0E30989}"/>
+              </a:ext>
+            </a:extLst>
+          </p:cNvPr>
+          <p:cNvSpPr txBox="1">
+            <a:spLocks/>
+          </p:cNvSpPr>
+          <p:nvPr/>
+        </p:nvSpPr>
+        <p:spPr bwMode="auto">
+          <a:xfrm>
+            <a:off x="5436096" y="4869160"/>
+            <a:ext cx="2304256" cy="882718"/>
+          </a:xfrm>
+          <a:prstGeom prst="rect">
+            <a:avLst/>
+          </a:prstGeom>
+          <a:noFill/>
+          <a:ln>
+            <a:noFill/>
+          </a:ln>
+          <a:extLst>
+            <a:ext uri="{909E8E84-426E-40DD-AFC4-6F175D3DCCD1}">
+              <a14:hiddenFill xmlns:a14="http://schemas.microsoft.com/office/drawing/2010/main">
+                <a:solidFill>
+                  <a:schemeClr val="accent1"/>
+                </a:solidFill>
+              </a14:hiddenFill>
+            </a:ext>
+            <a:ext uri="{91240B29-F687-4F45-9708-019B960494DF}">
+              <a14:hiddenLine xmlns:a14="http://schemas.microsoft.com/office/drawing/2010/main" w="9525">
+                <a:solidFill>
+                  <a:schemeClr val="tx1"/>
+                </a:solidFill>
+                <a:miter lim="800000"/>
+                <a:headEnd/>
+                <a:tailEnd/>
+              </a14:hiddenLine>
+            </a:ext>
+          </a:extLst>
+        </p:spPr>
+        <p:txBody>
+          <a:bodyPr vert="horz" wrap="square" lIns="91440" tIns="45720" rIns="91440" bIns="45720" numCol="1" anchor="t" anchorCtr="0" compatLnSpc="1">
+            <a:prstTxWarp prst="textNoShape">
+              <a:avLst/>
+            </a:prstTxWarp>
+          </a:bodyPr>
+          <a:lstStyle>
+            <a:lvl1pPr marL="342900" indent="-342900" algn="l" rtl="0" eaLnBrk="0" fontAlgn="base" hangingPunct="0">
+              <a:spcBef>
+                <a:spcPct val="20000"/>
+              </a:spcBef>
+              <a:spcAft>
+                <a:spcPct val="0"/>
+              </a:spcAft>
+              <a:buClr>
+                <a:srgbClr val="822433"/>
+              </a:buClr>
+              <a:buChar char="•"/>
+              <a:defRPr sz="2400">
+                <a:solidFill>
+                  <a:srgbClr val="000000"/>
+                </a:solidFill>
+                <a:latin typeface="Calibri"/>
+                <a:ea typeface="MS PGothic" panose="020B0600070205080204" pitchFamily="34" charset="-128"/>
+                <a:cs typeface="ＭＳ Ｐゴシック" charset="0"/>
+              </a:defRPr>
+            </a:lvl1pPr>
+            <a:lvl2pPr marL="742950" indent="-285750" algn="l" rtl="0" eaLnBrk="0" fontAlgn="base" hangingPunct="0">
+              <a:spcBef>
+                <a:spcPct val="20000"/>
+              </a:spcBef>
+              <a:spcAft>
+                <a:spcPct val="0"/>
+              </a:spcAft>
+              <a:buChar char="–"/>
+              <a:defRPr sz="2000">
+                <a:solidFill>
+                  <a:srgbClr val="000000"/>
+                </a:solidFill>
+                <a:latin typeface="Calibri"/>
+                <a:ea typeface="MS PGothic" panose="020B0600070205080204" pitchFamily="34" charset="-128"/>
+              </a:defRPr>
+            </a:lvl2pPr>
+            <a:lvl3pPr marL="1143000" indent="-228600" algn="l" rtl="0" eaLnBrk="0" fontAlgn="base" hangingPunct="0">
+              <a:spcBef>
+                <a:spcPct val="20000"/>
+              </a:spcBef>
+              <a:spcAft>
+                <a:spcPct val="0"/>
+              </a:spcAft>
+              <a:buChar char="•"/>
+              <a:defRPr sz="1600">
+                <a:solidFill>
+                  <a:srgbClr val="000000"/>
+                </a:solidFill>
+                <a:latin typeface="Calibri"/>
+                <a:ea typeface="MS PGothic" panose="020B0600070205080204" pitchFamily="34" charset="-128"/>
+              </a:defRPr>
+            </a:lvl3pPr>
+            <a:lvl4pPr marL="1562100" indent="-228600" algn="l" rtl="0" eaLnBrk="0" fontAlgn="base" hangingPunct="0">
+              <a:spcBef>
+                <a:spcPct val="20000"/>
+              </a:spcBef>
+              <a:spcAft>
+                <a:spcPct val="0"/>
+              </a:spcAft>
+              <a:buChar char="–"/>
+              <a:defRPr sz="1400">
+                <a:solidFill>
+                  <a:srgbClr val="000000"/>
+                </a:solidFill>
+                <a:latin typeface="Calibri"/>
+                <a:ea typeface="MS PGothic" panose="020B0600070205080204" pitchFamily="34" charset="-128"/>
+              </a:defRPr>
+            </a:lvl4pPr>
+            <a:lvl5pPr marL="1981200" indent="-228600" algn="l" rtl="0" eaLnBrk="0" fontAlgn="base" hangingPunct="0">
+              <a:spcBef>
+                <a:spcPct val="20000"/>
+              </a:spcBef>
+              <a:spcAft>
+                <a:spcPct val="0"/>
+              </a:spcAft>
+              <a:buChar char="»"/>
+              <a:defRPr sz="1200">
+                <a:solidFill>
+                  <a:srgbClr val="000000"/>
+                </a:solidFill>
+                <a:latin typeface="Calibri"/>
+                <a:ea typeface="MS PGothic" panose="020B0600070205080204" pitchFamily="34" charset="-128"/>
+              </a:defRPr>
+            </a:lvl5pPr>
+            <a:lvl6pPr marL="2438400" indent="-228600" algn="l" rtl="0" eaLnBrk="1" fontAlgn="base" hangingPunct="1">
+              <a:spcBef>
+                <a:spcPct val="20000"/>
+              </a:spcBef>
+              <a:spcAft>
+                <a:spcPct val="0"/>
+              </a:spcAft>
+              <a:buChar char="»"/>
+              <a:defRPr sz="1200">
+                <a:solidFill>
+                  <a:srgbClr val="000000"/>
+                </a:solidFill>
+                <a:latin typeface="+mn-lt"/>
+                <a:ea typeface="+mn-ea"/>
+              </a:defRPr>
+            </a:lvl6pPr>
+            <a:lvl7pPr marL="2895600" indent="-228600" algn="l" rtl="0" eaLnBrk="1" fontAlgn="base" hangingPunct="1">
+              <a:spcBef>
+                <a:spcPct val="20000"/>
+              </a:spcBef>
+              <a:spcAft>
+                <a:spcPct val="0"/>
+              </a:spcAft>
+              <a:buChar char="»"/>
+              <a:defRPr sz="1200">
+                <a:solidFill>
+                  <a:srgbClr val="000000"/>
+                </a:solidFill>
+                <a:latin typeface="+mn-lt"/>
+                <a:ea typeface="+mn-ea"/>
+              </a:defRPr>
+            </a:lvl7pPr>
+            <a:lvl8pPr marL="3352800" indent="-228600" algn="l" rtl="0" eaLnBrk="1" fontAlgn="base" hangingPunct="1">
+              <a:spcBef>
+                <a:spcPct val="20000"/>
+              </a:spcBef>
+              <a:spcAft>
+                <a:spcPct val="0"/>
+              </a:spcAft>
+              <a:buChar char="»"/>
+              <a:defRPr sz="1200">
+                <a:solidFill>
+                  <a:srgbClr val="000000"/>
+                </a:solidFill>
+                <a:latin typeface="+mn-lt"/>
+                <a:ea typeface="+mn-ea"/>
+              </a:defRPr>
+            </a:lvl8pPr>
+            <a:lvl9pPr marL="3810000" indent="-228600" algn="l" rtl="0" eaLnBrk="1" fontAlgn="base" hangingPunct="1">
+              <a:spcBef>
+                <a:spcPct val="20000"/>
+              </a:spcBef>
+              <a:spcAft>
+                <a:spcPct val="0"/>
+              </a:spcAft>
+              <a:buChar char="»"/>
+              <a:defRPr sz="1200">
+                <a:solidFill>
+                  <a:srgbClr val="000000"/>
+                </a:solidFill>
+                <a:latin typeface="+mn-lt"/>
+                <a:ea typeface="+mn-ea"/>
+              </a:defRPr>
+            </a:lvl9pPr>
+          </a:lstStyle>
+          <a:p>
+            <a:pPr marL="0" indent="0" algn="ctr">
+              <a:buFontTx/>
+              <a:buNone/>
+            </a:pPr>
+            <a:r>
+              <a:rPr lang="en-GB" altLang="it-IT" b="1" kern="0" dirty="0">
+                <a:latin typeface="Calibri" panose="020F0502020204030204" pitchFamily="34" charset="0"/>
+              </a:rPr>
+              <a:t>TCP segment format</a:t>
+            </a:r>
+          </a:p>
+        </p:txBody>
+      </p:sp>
     </p:spTree>
     <p:extLst>
       <p:ext uri="{BB962C8B-B14F-4D97-AF65-F5344CB8AC3E}">
-        <p14:creationId xmlns:p14="http://schemas.microsoft.com/office/powerpoint/2010/main" val="3084572269"/>
+        <p14:creationId xmlns:p14="http://schemas.microsoft.com/office/powerpoint/2010/main" val="776762415"/>
       </p:ext>
     </p:extLst>
   </p:cSld>
@@ -9646,10 +10288,10 @@
       </p:grpSpPr>
       <p:sp>
         <p:nvSpPr>
-          <p:cNvPr id="22530" name="Segnaposto contenuto 2">
+          <p:cNvPr id="71" name="Title 1">
             <a:extLst>
               <a:ext uri="{FF2B5EF4-FFF2-40B4-BE49-F238E27FC236}">
-                <a16:creationId xmlns:a16="http://schemas.microsoft.com/office/drawing/2014/main" id="{2CB01D02-6D42-4E8D-8544-627F15ABE9F0}"/>
+                <a16:creationId xmlns:a16="http://schemas.microsoft.com/office/drawing/2014/main" id="{ECFE5F78-E215-452E-B02D-49597153C527}"/>
               </a:ext>
             </a:extLst>
           </p:cNvPr>
@@ -9657,38 +10299,25 @@
             <a:spLocks noGrp="1"/>
           </p:cNvSpPr>
           <p:nvPr>
-            <p:ph idx="1"/>
+            <p:ph type="title"/>
           </p:nvPr>
         </p:nvSpPr>
         <p:spPr>
           <a:xfrm>
-            <a:off x="539935" y="1052736"/>
-            <a:ext cx="8064128" cy="576064"/>
+            <a:off x="1259632" y="1124744"/>
+            <a:ext cx="7415659" cy="504825"/>
           </a:xfrm>
         </p:spPr>
         <p:txBody>
-          <a:bodyPr/>
+          <a:bodyPr wrap="square" anchor="t">
+            <a:normAutofit/>
+          </a:bodyPr>
           <a:lstStyle/>
           <a:p>
-            <a:pPr marL="0" indent="0" algn="ctr">
-              <a:buNone/>
-            </a:pPr>
-            <a:r>
-              <a:rPr lang="en-GB" altLang="it-IT" dirty="0">
-                <a:latin typeface="Calibri" panose="020F0502020204030204" pitchFamily="34" charset="0"/>
-              </a:rPr>
-              <a:t>Statistics </a:t>
-            </a:r>
-            <a:r>
-              <a:rPr lang="en-GB" altLang="it-IT" dirty="0">
-                <a:latin typeface="Calibri" panose="020F0502020204030204" pitchFamily="34" charset="0"/>
-                <a:sym typeface="Wingdings" panose="05000000000000000000" pitchFamily="2" charset="2"/>
-              </a:rPr>
-              <a:t> Endpoints</a:t>
-            </a:r>
-            <a:endParaRPr lang="en-GB" altLang="it-IT" dirty="0">
-              <a:latin typeface="Calibri" panose="020F0502020204030204" pitchFamily="34" charset="0"/>
-            </a:endParaRPr>
+            <a:r>
+              <a:rPr lang="en-US" dirty="0"/>
+              <a:t>Filtering sniffed trace</a:t>
+            </a:r>
           </a:p>
         </p:txBody>
       </p:sp>
@@ -9697,7 +10326,7 @@
           <p:cNvPr id="4" name="Immagine 3" descr="Immagine che contiene tavolo&#10;&#10;Descrizione generata automaticamente">
             <a:extLst>
               <a:ext uri="{FF2B5EF4-FFF2-40B4-BE49-F238E27FC236}">
-                <a16:creationId xmlns:a16="http://schemas.microsoft.com/office/drawing/2014/main" id="{D30A13FB-604E-4992-BF3C-0918066E0BF5}"/>
+                <a16:creationId xmlns:a16="http://schemas.microsoft.com/office/drawing/2014/main" id="{C8CCB9B0-9442-4B1C-A497-9BF61F98C494}"/>
               </a:ext>
             </a:extLst>
           </p:cNvPr>
@@ -9714,8 +10343,8 @@
         </p:blipFill>
         <p:spPr>
           <a:xfrm>
-            <a:off x="1187624" y="1628800"/>
-            <a:ext cx="6696744" cy="4197494"/>
+            <a:off x="532041" y="1663870"/>
+            <a:ext cx="8079917" cy="4072021"/>
           </a:xfrm>
           <a:prstGeom prst="rect">
             <a:avLst/>
@@ -9725,7 +10354,7 @@
     </p:spTree>
     <p:extLst>
       <p:ext uri="{BB962C8B-B14F-4D97-AF65-F5344CB8AC3E}">
-        <p14:creationId xmlns:p14="http://schemas.microsoft.com/office/powerpoint/2010/main" val="3778702965"/>
+        <p14:creationId xmlns:p14="http://schemas.microsoft.com/office/powerpoint/2010/main" val="1851025452"/>
       </p:ext>
     </p:extLst>
   </p:cSld>
@@ -9754,10 +10383,10 @@
       </p:grpSpPr>
       <p:sp>
         <p:nvSpPr>
-          <p:cNvPr id="22530" name="Segnaposto contenuto 2">
+          <p:cNvPr id="71" name="Title 1">
             <a:extLst>
               <a:ext uri="{FF2B5EF4-FFF2-40B4-BE49-F238E27FC236}">
-                <a16:creationId xmlns:a16="http://schemas.microsoft.com/office/drawing/2014/main" id="{2CB01D02-6D42-4E8D-8544-627F15ABE9F0}"/>
+                <a16:creationId xmlns:a16="http://schemas.microsoft.com/office/drawing/2014/main" id="{ECFE5F78-E215-452E-B02D-49597153C527}"/>
               </a:ext>
             </a:extLst>
           </p:cNvPr>
@@ -9765,47 +10394,34 @@
             <a:spLocks noGrp="1"/>
           </p:cNvSpPr>
           <p:nvPr>
-            <p:ph idx="1"/>
+            <p:ph type="title"/>
           </p:nvPr>
         </p:nvSpPr>
         <p:spPr>
           <a:xfrm>
-            <a:off x="504051" y="830530"/>
-            <a:ext cx="8064128" cy="576064"/>
+            <a:off x="1259632" y="1124744"/>
+            <a:ext cx="7415659" cy="504825"/>
           </a:xfrm>
         </p:spPr>
         <p:txBody>
-          <a:bodyPr/>
+          <a:bodyPr wrap="square" anchor="t">
+            <a:normAutofit/>
+          </a:bodyPr>
           <a:lstStyle/>
           <a:p>
-            <a:pPr marL="0" indent="0" algn="ctr">
-              <a:buNone/>
-            </a:pPr>
-            <a:r>
-              <a:rPr lang="en-GB" altLang="it-IT" dirty="0">
-                <a:latin typeface="Calibri" panose="020F0502020204030204" pitchFamily="34" charset="0"/>
-              </a:rPr>
-              <a:t>Statistics </a:t>
-            </a:r>
-            <a:r>
-              <a:rPr lang="en-GB" altLang="it-IT" dirty="0">
-                <a:latin typeface="Calibri" panose="020F0502020204030204" pitchFamily="34" charset="0"/>
-                <a:sym typeface="Wingdings" panose="05000000000000000000" pitchFamily="2" charset="2"/>
-              </a:rPr>
-              <a:t> I/O Graphs</a:t>
-            </a:r>
-            <a:endParaRPr lang="en-GB" altLang="it-IT" dirty="0">
-              <a:latin typeface="Calibri" panose="020F0502020204030204" pitchFamily="34" charset="0"/>
-            </a:endParaRPr>
+            <a:r>
+              <a:rPr lang="en-US" dirty="0"/>
+              <a:t>Filtering sniffed trace</a:t>
+            </a:r>
           </a:p>
         </p:txBody>
       </p:sp>
       <p:pic>
         <p:nvPicPr>
-          <p:cNvPr id="6" name="Immagine 5">
+          <p:cNvPr id="6" name="Immagine 5" descr="Immagine che contiene tavolo&#10;&#10;Descrizione generata automaticamente">
             <a:extLst>
               <a:ext uri="{FF2B5EF4-FFF2-40B4-BE49-F238E27FC236}">
-                <a16:creationId xmlns:a16="http://schemas.microsoft.com/office/drawing/2014/main" id="{C6A0C82B-2F1C-4C55-A1A5-D155CD30802F}"/>
+                <a16:creationId xmlns:a16="http://schemas.microsoft.com/office/drawing/2014/main" id="{513CE20A-8B3B-48B4-9118-1529CFBB6924}"/>
               </a:ext>
             </a:extLst>
           </p:cNvPr>
@@ -9822,479 +10438,18 @@
         </p:blipFill>
         <p:spPr>
           <a:xfrm>
-            <a:off x="1475656" y="5217640"/>
-            <a:ext cx="6509308" cy="894208"/>
+            <a:off x="467544" y="1649576"/>
+            <a:ext cx="8428450" cy="3558848"/>
           </a:xfrm>
           <a:prstGeom prst="rect">
             <a:avLst/>
           </a:prstGeom>
         </p:spPr>
       </p:pic>
-      <p:pic>
-        <p:nvPicPr>
-          <p:cNvPr id="8" name="Immagine 7">
-            <a:extLst>
-              <a:ext uri="{FF2B5EF4-FFF2-40B4-BE49-F238E27FC236}">
-                <a16:creationId xmlns:a16="http://schemas.microsoft.com/office/drawing/2014/main" id="{2CBEA4B0-3FD9-4AE8-BF2E-EF48CE3D3954}"/>
-              </a:ext>
-            </a:extLst>
-          </p:cNvPr>
-          <p:cNvPicPr>
-            <a:picLocks noChangeAspect="1"/>
-          </p:cNvPicPr>
-          <p:nvPr/>
-        </p:nvPicPr>
-        <p:blipFill rotWithShape="1">
-          <a:blip r:embed="rId3"/>
-          <a:srcRect l="4525" t="1276" r="2262" b="3416"/>
-          <a:stretch/>
-        </p:blipFill>
-        <p:spPr>
-          <a:xfrm>
-            <a:off x="1403648" y="1413664"/>
-            <a:ext cx="5933244" cy="3576260"/>
-          </a:xfrm>
-          <a:prstGeom prst="rect">
-            <a:avLst/>
-          </a:prstGeom>
-        </p:spPr>
-      </p:pic>
-      <p:sp>
-        <p:nvSpPr>
-          <p:cNvPr id="10" name="Segnaposto contenuto 2">
-            <a:extLst>
-              <a:ext uri="{FF2B5EF4-FFF2-40B4-BE49-F238E27FC236}">
-                <a16:creationId xmlns:a16="http://schemas.microsoft.com/office/drawing/2014/main" id="{9068FAA7-7D45-4522-9945-E4E39553296C}"/>
-              </a:ext>
-            </a:extLst>
-          </p:cNvPr>
-          <p:cNvSpPr txBox="1">
-            <a:spLocks/>
-          </p:cNvSpPr>
-          <p:nvPr/>
-        </p:nvSpPr>
-        <p:spPr bwMode="auto">
-          <a:xfrm>
-            <a:off x="101418" y="2899053"/>
-            <a:ext cx="1354202" cy="479427"/>
-          </a:xfrm>
-          <a:prstGeom prst="rect">
-            <a:avLst/>
-          </a:prstGeom>
-          <a:noFill/>
-          <a:ln>
-            <a:noFill/>
-          </a:ln>
-          <a:extLst>
-            <a:ext uri="{909E8E84-426E-40DD-AFC4-6F175D3DCCD1}">
-              <a14:hiddenFill xmlns:a14="http://schemas.microsoft.com/office/drawing/2010/main">
-                <a:solidFill>
-                  <a:schemeClr val="accent1"/>
-                </a:solidFill>
-              </a14:hiddenFill>
-            </a:ext>
-            <a:ext uri="{91240B29-F687-4F45-9708-019B960494DF}">
-              <a14:hiddenLine xmlns:a14="http://schemas.microsoft.com/office/drawing/2010/main" w="9525">
-                <a:solidFill>
-                  <a:schemeClr val="tx1"/>
-                </a:solidFill>
-                <a:miter lim="800000"/>
-                <a:headEnd/>
-                <a:tailEnd/>
-              </a14:hiddenLine>
-            </a:ext>
-          </a:extLst>
-        </p:spPr>
-        <p:txBody>
-          <a:bodyPr vert="horz" wrap="square" lIns="91440" tIns="45720" rIns="91440" bIns="45720" numCol="1" anchor="t" anchorCtr="0" compatLnSpc="1">
-            <a:prstTxWarp prst="textNoShape">
-              <a:avLst/>
-            </a:prstTxWarp>
-          </a:bodyPr>
-          <a:lstStyle>
-            <a:lvl1pPr marL="342900" indent="-342900" algn="l" rtl="0" eaLnBrk="0" fontAlgn="base" hangingPunct="0">
-              <a:spcBef>
-                <a:spcPct val="20000"/>
-              </a:spcBef>
-              <a:spcAft>
-                <a:spcPct val="0"/>
-              </a:spcAft>
-              <a:buClr>
-                <a:srgbClr val="822433"/>
-              </a:buClr>
-              <a:buChar char="•"/>
-              <a:defRPr sz="2400">
-                <a:solidFill>
-                  <a:srgbClr val="000000"/>
-                </a:solidFill>
-                <a:latin typeface="Calibri"/>
-                <a:ea typeface="MS PGothic" panose="020B0600070205080204" pitchFamily="34" charset="-128"/>
-                <a:cs typeface="ＭＳ Ｐゴシック" charset="0"/>
-              </a:defRPr>
-            </a:lvl1pPr>
-            <a:lvl2pPr marL="742950" indent="-285750" algn="l" rtl="0" eaLnBrk="0" fontAlgn="base" hangingPunct="0">
-              <a:spcBef>
-                <a:spcPct val="20000"/>
-              </a:spcBef>
-              <a:spcAft>
-                <a:spcPct val="0"/>
-              </a:spcAft>
-              <a:buChar char="–"/>
-              <a:defRPr sz="2000">
-                <a:solidFill>
-                  <a:srgbClr val="000000"/>
-                </a:solidFill>
-                <a:latin typeface="Calibri"/>
-                <a:ea typeface="MS PGothic" panose="020B0600070205080204" pitchFamily="34" charset="-128"/>
-              </a:defRPr>
-            </a:lvl2pPr>
-            <a:lvl3pPr marL="1143000" indent="-228600" algn="l" rtl="0" eaLnBrk="0" fontAlgn="base" hangingPunct="0">
-              <a:spcBef>
-                <a:spcPct val="20000"/>
-              </a:spcBef>
-              <a:spcAft>
-                <a:spcPct val="0"/>
-              </a:spcAft>
-              <a:buChar char="•"/>
-              <a:defRPr sz="1600">
-                <a:solidFill>
-                  <a:srgbClr val="000000"/>
-                </a:solidFill>
-                <a:latin typeface="Calibri"/>
-                <a:ea typeface="MS PGothic" panose="020B0600070205080204" pitchFamily="34" charset="-128"/>
-              </a:defRPr>
-            </a:lvl3pPr>
-            <a:lvl4pPr marL="1562100" indent="-228600" algn="l" rtl="0" eaLnBrk="0" fontAlgn="base" hangingPunct="0">
-              <a:spcBef>
-                <a:spcPct val="20000"/>
-              </a:spcBef>
-              <a:spcAft>
-                <a:spcPct val="0"/>
-              </a:spcAft>
-              <a:buChar char="–"/>
-              <a:defRPr sz="1400">
-                <a:solidFill>
-                  <a:srgbClr val="000000"/>
-                </a:solidFill>
-                <a:latin typeface="Calibri"/>
-                <a:ea typeface="MS PGothic" panose="020B0600070205080204" pitchFamily="34" charset="-128"/>
-              </a:defRPr>
-            </a:lvl4pPr>
-            <a:lvl5pPr marL="1981200" indent="-228600" algn="l" rtl="0" eaLnBrk="0" fontAlgn="base" hangingPunct="0">
-              <a:spcBef>
-                <a:spcPct val="20000"/>
-              </a:spcBef>
-              <a:spcAft>
-                <a:spcPct val="0"/>
-              </a:spcAft>
-              <a:buChar char="»"/>
-              <a:defRPr sz="1200">
-                <a:solidFill>
-                  <a:srgbClr val="000000"/>
-                </a:solidFill>
-                <a:latin typeface="Calibri"/>
-                <a:ea typeface="MS PGothic" panose="020B0600070205080204" pitchFamily="34" charset="-128"/>
-              </a:defRPr>
-            </a:lvl5pPr>
-            <a:lvl6pPr marL="2438400" indent="-228600" algn="l" rtl="0" eaLnBrk="1" fontAlgn="base" hangingPunct="1">
-              <a:spcBef>
-                <a:spcPct val="20000"/>
-              </a:spcBef>
-              <a:spcAft>
-                <a:spcPct val="0"/>
-              </a:spcAft>
-              <a:buChar char="»"/>
-              <a:defRPr sz="1200">
-                <a:solidFill>
-                  <a:srgbClr val="000000"/>
-                </a:solidFill>
-                <a:latin typeface="+mn-lt"/>
-                <a:ea typeface="+mn-ea"/>
-              </a:defRPr>
-            </a:lvl6pPr>
-            <a:lvl7pPr marL="2895600" indent="-228600" algn="l" rtl="0" eaLnBrk="1" fontAlgn="base" hangingPunct="1">
-              <a:spcBef>
-                <a:spcPct val="20000"/>
-              </a:spcBef>
-              <a:spcAft>
-                <a:spcPct val="0"/>
-              </a:spcAft>
-              <a:buChar char="»"/>
-              <a:defRPr sz="1200">
-                <a:solidFill>
-                  <a:srgbClr val="000000"/>
-                </a:solidFill>
-                <a:latin typeface="+mn-lt"/>
-                <a:ea typeface="+mn-ea"/>
-              </a:defRPr>
-            </a:lvl7pPr>
-            <a:lvl8pPr marL="3352800" indent="-228600" algn="l" rtl="0" eaLnBrk="1" fontAlgn="base" hangingPunct="1">
-              <a:spcBef>
-                <a:spcPct val="20000"/>
-              </a:spcBef>
-              <a:spcAft>
-                <a:spcPct val="0"/>
-              </a:spcAft>
-              <a:buChar char="»"/>
-              <a:defRPr sz="1200">
-                <a:solidFill>
-                  <a:srgbClr val="000000"/>
-                </a:solidFill>
-                <a:latin typeface="+mn-lt"/>
-                <a:ea typeface="+mn-ea"/>
-              </a:defRPr>
-            </a:lvl8pPr>
-            <a:lvl9pPr marL="3810000" indent="-228600" algn="l" rtl="0" eaLnBrk="1" fontAlgn="base" hangingPunct="1">
-              <a:spcBef>
-                <a:spcPct val="20000"/>
-              </a:spcBef>
-              <a:spcAft>
-                <a:spcPct val="0"/>
-              </a:spcAft>
-              <a:buChar char="»"/>
-              <a:defRPr sz="1200">
-                <a:solidFill>
-                  <a:srgbClr val="000000"/>
-                </a:solidFill>
-                <a:latin typeface="+mn-lt"/>
-                <a:ea typeface="+mn-ea"/>
-              </a:defRPr>
-            </a:lvl9pPr>
-          </a:lstStyle>
-          <a:p>
-            <a:pPr marL="0" indent="0" algn="ctr">
-              <a:buFontTx/>
-              <a:buNone/>
-            </a:pPr>
-            <a:r>
-              <a:rPr lang="en-GB" altLang="it-IT" sz="1800" kern="0" dirty="0">
-                <a:latin typeface="Calibri" panose="020F0502020204030204" pitchFamily="34" charset="0"/>
-              </a:rPr>
-              <a:t>Pkt/sec</a:t>
-            </a:r>
-          </a:p>
-        </p:txBody>
-      </p:sp>
-      <p:sp>
-        <p:nvSpPr>
-          <p:cNvPr id="11" name="Segnaposto contenuto 2">
-            <a:extLst>
-              <a:ext uri="{FF2B5EF4-FFF2-40B4-BE49-F238E27FC236}">
-                <a16:creationId xmlns:a16="http://schemas.microsoft.com/office/drawing/2014/main" id="{2903D690-3352-4702-B8C2-89FFD3BC5367}"/>
-              </a:ext>
-            </a:extLst>
-          </p:cNvPr>
-          <p:cNvSpPr txBox="1">
-            <a:spLocks/>
-          </p:cNvSpPr>
-          <p:nvPr/>
-        </p:nvSpPr>
-        <p:spPr bwMode="auto">
-          <a:xfrm>
-            <a:off x="3859014" y="4828677"/>
-            <a:ext cx="1354202" cy="479427"/>
-          </a:xfrm>
-          <a:prstGeom prst="rect">
-            <a:avLst/>
-          </a:prstGeom>
-          <a:noFill/>
-          <a:ln>
-            <a:noFill/>
-          </a:ln>
-          <a:extLst>
-            <a:ext uri="{909E8E84-426E-40DD-AFC4-6F175D3DCCD1}">
-              <a14:hiddenFill xmlns:a14="http://schemas.microsoft.com/office/drawing/2010/main">
-                <a:solidFill>
-                  <a:schemeClr val="accent1"/>
-                </a:solidFill>
-              </a14:hiddenFill>
-            </a:ext>
-            <a:ext uri="{91240B29-F687-4F45-9708-019B960494DF}">
-              <a14:hiddenLine xmlns:a14="http://schemas.microsoft.com/office/drawing/2010/main" w="9525">
-                <a:solidFill>
-                  <a:schemeClr val="tx1"/>
-                </a:solidFill>
-                <a:miter lim="800000"/>
-                <a:headEnd/>
-                <a:tailEnd/>
-              </a14:hiddenLine>
-            </a:ext>
-          </a:extLst>
-        </p:spPr>
-        <p:txBody>
-          <a:bodyPr vert="horz" wrap="square" lIns="91440" tIns="45720" rIns="91440" bIns="45720" numCol="1" anchor="t" anchorCtr="0" compatLnSpc="1">
-            <a:prstTxWarp prst="textNoShape">
-              <a:avLst/>
-            </a:prstTxWarp>
-          </a:bodyPr>
-          <a:lstStyle>
-            <a:lvl1pPr marL="342900" indent="-342900" algn="l" rtl="0" eaLnBrk="0" fontAlgn="base" hangingPunct="0">
-              <a:spcBef>
-                <a:spcPct val="20000"/>
-              </a:spcBef>
-              <a:spcAft>
-                <a:spcPct val="0"/>
-              </a:spcAft>
-              <a:buClr>
-                <a:srgbClr val="822433"/>
-              </a:buClr>
-              <a:buChar char="•"/>
-              <a:defRPr sz="2400">
-                <a:solidFill>
-                  <a:srgbClr val="000000"/>
-                </a:solidFill>
-                <a:latin typeface="Calibri"/>
-                <a:ea typeface="MS PGothic" panose="020B0600070205080204" pitchFamily="34" charset="-128"/>
-                <a:cs typeface="ＭＳ Ｐゴシック" charset="0"/>
-              </a:defRPr>
-            </a:lvl1pPr>
-            <a:lvl2pPr marL="742950" indent="-285750" algn="l" rtl="0" eaLnBrk="0" fontAlgn="base" hangingPunct="0">
-              <a:spcBef>
-                <a:spcPct val="20000"/>
-              </a:spcBef>
-              <a:spcAft>
-                <a:spcPct val="0"/>
-              </a:spcAft>
-              <a:buChar char="–"/>
-              <a:defRPr sz="2000">
-                <a:solidFill>
-                  <a:srgbClr val="000000"/>
-                </a:solidFill>
-                <a:latin typeface="Calibri"/>
-                <a:ea typeface="MS PGothic" panose="020B0600070205080204" pitchFamily="34" charset="-128"/>
-              </a:defRPr>
-            </a:lvl2pPr>
-            <a:lvl3pPr marL="1143000" indent="-228600" algn="l" rtl="0" eaLnBrk="0" fontAlgn="base" hangingPunct="0">
-              <a:spcBef>
-                <a:spcPct val="20000"/>
-              </a:spcBef>
-              <a:spcAft>
-                <a:spcPct val="0"/>
-              </a:spcAft>
-              <a:buChar char="•"/>
-              <a:defRPr sz="1600">
-                <a:solidFill>
-                  <a:srgbClr val="000000"/>
-                </a:solidFill>
-                <a:latin typeface="Calibri"/>
-                <a:ea typeface="MS PGothic" panose="020B0600070205080204" pitchFamily="34" charset="-128"/>
-              </a:defRPr>
-            </a:lvl3pPr>
-            <a:lvl4pPr marL="1562100" indent="-228600" algn="l" rtl="0" eaLnBrk="0" fontAlgn="base" hangingPunct="0">
-              <a:spcBef>
-                <a:spcPct val="20000"/>
-              </a:spcBef>
-              <a:spcAft>
-                <a:spcPct val="0"/>
-              </a:spcAft>
-              <a:buChar char="–"/>
-              <a:defRPr sz="1400">
-                <a:solidFill>
-                  <a:srgbClr val="000000"/>
-                </a:solidFill>
-                <a:latin typeface="Calibri"/>
-                <a:ea typeface="MS PGothic" panose="020B0600070205080204" pitchFamily="34" charset="-128"/>
-              </a:defRPr>
-            </a:lvl4pPr>
-            <a:lvl5pPr marL="1981200" indent="-228600" algn="l" rtl="0" eaLnBrk="0" fontAlgn="base" hangingPunct="0">
-              <a:spcBef>
-                <a:spcPct val="20000"/>
-              </a:spcBef>
-              <a:spcAft>
-                <a:spcPct val="0"/>
-              </a:spcAft>
-              <a:buChar char="»"/>
-              <a:defRPr sz="1200">
-                <a:solidFill>
-                  <a:srgbClr val="000000"/>
-                </a:solidFill>
-                <a:latin typeface="Calibri"/>
-                <a:ea typeface="MS PGothic" panose="020B0600070205080204" pitchFamily="34" charset="-128"/>
-              </a:defRPr>
-            </a:lvl5pPr>
-            <a:lvl6pPr marL="2438400" indent="-228600" algn="l" rtl="0" eaLnBrk="1" fontAlgn="base" hangingPunct="1">
-              <a:spcBef>
-                <a:spcPct val="20000"/>
-              </a:spcBef>
-              <a:spcAft>
-                <a:spcPct val="0"/>
-              </a:spcAft>
-              <a:buChar char="»"/>
-              <a:defRPr sz="1200">
-                <a:solidFill>
-                  <a:srgbClr val="000000"/>
-                </a:solidFill>
-                <a:latin typeface="+mn-lt"/>
-                <a:ea typeface="+mn-ea"/>
-              </a:defRPr>
-            </a:lvl6pPr>
-            <a:lvl7pPr marL="2895600" indent="-228600" algn="l" rtl="0" eaLnBrk="1" fontAlgn="base" hangingPunct="1">
-              <a:spcBef>
-                <a:spcPct val="20000"/>
-              </a:spcBef>
-              <a:spcAft>
-                <a:spcPct val="0"/>
-              </a:spcAft>
-              <a:buChar char="»"/>
-              <a:defRPr sz="1200">
-                <a:solidFill>
-                  <a:srgbClr val="000000"/>
-                </a:solidFill>
-                <a:latin typeface="+mn-lt"/>
-                <a:ea typeface="+mn-ea"/>
-              </a:defRPr>
-            </a:lvl7pPr>
-            <a:lvl8pPr marL="3352800" indent="-228600" algn="l" rtl="0" eaLnBrk="1" fontAlgn="base" hangingPunct="1">
-              <a:spcBef>
-                <a:spcPct val="20000"/>
-              </a:spcBef>
-              <a:spcAft>
-                <a:spcPct val="0"/>
-              </a:spcAft>
-              <a:buChar char="»"/>
-              <a:defRPr sz="1200">
-                <a:solidFill>
-                  <a:srgbClr val="000000"/>
-                </a:solidFill>
-                <a:latin typeface="+mn-lt"/>
-                <a:ea typeface="+mn-ea"/>
-              </a:defRPr>
-            </a:lvl8pPr>
-            <a:lvl9pPr marL="3810000" indent="-228600" algn="l" rtl="0" eaLnBrk="1" fontAlgn="base" hangingPunct="1">
-              <a:spcBef>
-                <a:spcPct val="20000"/>
-              </a:spcBef>
-              <a:spcAft>
-                <a:spcPct val="0"/>
-              </a:spcAft>
-              <a:buChar char="»"/>
-              <a:defRPr sz="1200">
-                <a:solidFill>
-                  <a:srgbClr val="000000"/>
-                </a:solidFill>
-                <a:latin typeface="+mn-lt"/>
-                <a:ea typeface="+mn-ea"/>
-              </a:defRPr>
-            </a:lvl9pPr>
-          </a:lstStyle>
-          <a:p>
-            <a:pPr marL="0" indent="0" algn="ctr">
-              <a:buFontTx/>
-              <a:buNone/>
-            </a:pPr>
-            <a:r>
-              <a:rPr lang="en-GB" altLang="it-IT" sz="1800" kern="0" dirty="0">
-                <a:latin typeface="Calibri" panose="020F0502020204030204" pitchFamily="34" charset="0"/>
-              </a:rPr>
-              <a:t>Time(sec)</a:t>
-            </a:r>
-          </a:p>
-        </p:txBody>
-      </p:sp>
     </p:spTree>
     <p:extLst>
       <p:ext uri="{BB962C8B-B14F-4D97-AF65-F5344CB8AC3E}">
-        <p14:creationId xmlns:p14="http://schemas.microsoft.com/office/powerpoint/2010/main" val="269918056"/>
+        <p14:creationId xmlns:p14="http://schemas.microsoft.com/office/powerpoint/2010/main" val="3879483083"/>
       </p:ext>
     </p:extLst>
   </p:cSld>
@@ -10339,27 +10494,120 @@
         </p:nvSpPr>
         <p:spPr>
           <a:xfrm>
-            <a:off x="1115616" y="1196752"/>
+            <a:off x="1259632" y="1124744"/>
             <a:ext cx="7415659" cy="504825"/>
           </a:xfrm>
         </p:spPr>
         <p:txBody>
-          <a:bodyPr/>
+          <a:bodyPr wrap="square" anchor="t">
+            <a:normAutofit/>
+          </a:bodyPr>
           <a:lstStyle/>
           <a:p>
             <a:r>
-              <a:rPr lang="en-US" sz="2800" dirty="0"/>
-              <a:t>.pcap file</a:t>
+              <a:rPr lang="en-US" dirty="0"/>
+              <a:t>Filtering sniffed trace</a:t>
             </a:r>
           </a:p>
         </p:txBody>
       </p:sp>
+      <p:pic>
+        <p:nvPicPr>
+          <p:cNvPr id="3" name="Immagine 2" descr="Immagine che contiene tavolo&#10;&#10;Descrizione generata automaticamente">
+            <a:extLst>
+              <a:ext uri="{FF2B5EF4-FFF2-40B4-BE49-F238E27FC236}">
+                <a16:creationId xmlns:a16="http://schemas.microsoft.com/office/drawing/2014/main" id="{8FF55C85-36C5-4DED-B814-EFAFDF2B7C9C}"/>
+              </a:ext>
+            </a:extLst>
+          </p:cNvPr>
+          <p:cNvPicPr>
+            <a:picLocks noChangeAspect="1"/>
+          </p:cNvPicPr>
+          <p:nvPr/>
+        </p:nvPicPr>
+        <p:blipFill>
+          <a:blip r:embed="rId2"/>
+          <a:stretch>
+            <a:fillRect/>
+          </a:stretch>
+        </p:blipFill>
+        <p:spPr>
+          <a:xfrm>
+            <a:off x="525406" y="1629569"/>
+            <a:ext cx="8185348" cy="3807313"/>
+          </a:xfrm>
+          <a:prstGeom prst="rect">
+            <a:avLst/>
+          </a:prstGeom>
+        </p:spPr>
+      </p:pic>
+      <p:cxnSp>
+        <p:nvCxnSpPr>
+          <p:cNvPr id="5" name="Connettore 2 4">
+            <a:extLst>
+              <a:ext uri="{FF2B5EF4-FFF2-40B4-BE49-F238E27FC236}">
+                <a16:creationId xmlns:a16="http://schemas.microsoft.com/office/drawing/2014/main" id="{47DEEB26-149D-442F-AEC1-2065ED147E59}"/>
+              </a:ext>
+            </a:extLst>
+          </p:cNvPr>
+          <p:cNvCxnSpPr/>
+          <p:nvPr/>
+        </p:nvCxnSpPr>
+        <p:spPr bwMode="auto">
+          <a:xfrm flipH="1" flipV="1">
+            <a:off x="3203848" y="5085184"/>
+            <a:ext cx="648072" cy="648072"/>
+          </a:xfrm>
+          <a:prstGeom prst="straightConnector1">
+            <a:avLst/>
+          </a:prstGeom>
+          <a:noFill/>
+          <a:ln>
+            <a:solidFill>
+              <a:srgbClr val="830022"/>
+            </a:solidFill>
+            <a:tailEnd type="triangle"/>
+          </a:ln>
+          <a:effectLst/>
+          <a:extLst>
+            <a:ext uri="{909E8E84-426E-40dd-AFC4-6F175D3DCCD1}">
+              <a14:hiddenFill xmlns="" xmlns:a14="http://schemas.microsoft.com/office/drawing/2010/main">
+                <a:solidFill>
+                  <a:schemeClr val="accent1"/>
+                </a:solidFill>
+              </a14:hiddenFill>
+            </a:ext>
+            <a:ext uri="{91240B29-F687-4f45-9708-019B960494DF}">
+              <a14:hiddenLine xmlns="" xmlns:a14="http://schemas.microsoft.com/office/drawing/2010/main" w="9525" cap="flat" cmpd="sng" algn="ctr">
+                <a:solidFill>
+                  <a:schemeClr val="tx1"/>
+                </a:solidFill>
+                <a:prstDash val="solid"/>
+                <a:round/>
+                <a:headEnd type="none" w="med" len="med"/>
+                <a:tailEnd type="none" w="med" len="med"/>
+              </a14:hiddenLine>
+            </a:ext>
+            <a:ext uri="{AF507438-7753-43e0-B8FC-AC1667EBCBE1}">
+              <a14:hiddenEffects xmlns="" xmlns:a14="http://schemas.microsoft.com/office/drawing/2010/main">
+                <a:effectLst>
+                  <a:outerShdw blurRad="63500" dist="38099" dir="2700000" algn="ctr" rotWithShape="0">
+                    <a:srgbClr val="000000">
+                      <a:alpha val="74998"/>
+                    </a:srgbClr>
+                  </a:outerShdw>
+                </a:effectLst>
+              </a14:hiddenEffects>
+            </a:ext>
+          </a:extLst>
+        </p:spPr>
+      </p:cxnSp>
       <p:sp>
         <p:nvSpPr>
-          <p:cNvPr id="5" name="Segnaposto contenuto 2">
+          <p:cNvPr id="8" name="Segnaposto contenuto 2">
             <a:extLst>
               <a:ext uri="{FF2B5EF4-FFF2-40B4-BE49-F238E27FC236}">
-                <a16:creationId xmlns:a16="http://schemas.microsoft.com/office/drawing/2014/main" id="{B743704D-A3A9-40FA-82EC-9E70B33A8DDB}"/>
+                <a16:creationId xmlns:a16="http://schemas.microsoft.com/office/drawing/2014/main" id="{0C4223F0-CFBC-4A3E-9EE8-713900714FF2}"/>
               </a:ext>
             </a:extLst>
           </p:cNvPr>
@@ -10370,8 +10618,8 @@
         </p:nvSpPr>
         <p:spPr bwMode="auto">
           <a:xfrm>
-            <a:off x="3491880" y="2348880"/>
-            <a:ext cx="5327824" cy="2592288"/>
+            <a:off x="3707904" y="5509659"/>
+            <a:ext cx="2088232" cy="432048"/>
           </a:xfrm>
           <a:prstGeom prst="rect">
             <a:avLst/>
@@ -10557,6 +10805,285 @@
             </a:lvl9pPr>
           </a:lstStyle>
           <a:p>
+            <a:pPr marL="0" indent="0" algn="ctr">
+              <a:buFontTx/>
+              <a:buNone/>
+            </a:pPr>
+            <a:r>
+              <a:rPr lang="en-GB" altLang="it-IT" b="1" kern="0" dirty="0">
+                <a:latin typeface="Calibri" panose="020F0502020204030204" pitchFamily="34" charset="0"/>
+              </a:rPr>
+              <a:t>ARP request</a:t>
+            </a:r>
+          </a:p>
+        </p:txBody>
+      </p:sp>
+    </p:spTree>
+    <p:extLst>
+      <p:ext uri="{BB962C8B-B14F-4D97-AF65-F5344CB8AC3E}">
+        <p14:creationId xmlns:p14="http://schemas.microsoft.com/office/powerpoint/2010/main" val="3919650293"/>
+      </p:ext>
+    </p:extLst>
+  </p:cSld>
+  <p:clrMapOvr>
+    <a:masterClrMapping/>
+  </p:clrMapOvr>
+</p:sld>
+</file>
+
+<file path=ppt/slides/slide35.xml><?xml version="1.0" encoding="utf-8"?>
+<p:sld xmlns:a="http://schemas.openxmlformats.org/drawingml/2006/main" xmlns:r="http://schemas.openxmlformats.org/officeDocument/2006/relationships" xmlns:p="http://schemas.openxmlformats.org/presentationml/2006/main">
+  <p:cSld>
+    <p:spTree>
+      <p:nvGrpSpPr>
+        <p:cNvPr id="1" name=""/>
+        <p:cNvGrpSpPr/>
+        <p:nvPr/>
+      </p:nvGrpSpPr>
+      <p:grpSpPr>
+        <a:xfrm>
+          <a:off x="0" y="0"/>
+          <a:ext cx="0" cy="0"/>
+          <a:chOff x="0" y="0"/>
+          <a:chExt cx="0" cy="0"/>
+        </a:xfrm>
+      </p:grpSpPr>
+      <p:sp>
+        <p:nvSpPr>
+          <p:cNvPr id="71" name="Title 1">
+            <a:extLst>
+              <a:ext uri="{FF2B5EF4-FFF2-40B4-BE49-F238E27FC236}">
+                <a16:creationId xmlns:a16="http://schemas.microsoft.com/office/drawing/2014/main" id="{ECFE5F78-E215-452E-B02D-49597153C527}"/>
+              </a:ext>
+            </a:extLst>
+          </p:cNvPr>
+          <p:cNvSpPr>
+            <a:spLocks noGrp="1"/>
+          </p:cNvSpPr>
+          <p:nvPr>
+            <p:ph type="title"/>
+          </p:nvPr>
+        </p:nvSpPr>
+        <p:spPr>
+          <a:xfrm>
+            <a:off x="1259632" y="1124744"/>
+            <a:ext cx="7415659" cy="504825"/>
+          </a:xfrm>
+        </p:spPr>
+        <p:txBody>
+          <a:bodyPr/>
+          <a:lstStyle/>
+          <a:p>
+            <a:r>
+              <a:rPr lang="en-US" dirty="0"/>
+              <a:t>Statistics</a:t>
+            </a:r>
+          </a:p>
+        </p:txBody>
+      </p:sp>
+      <p:sp>
+        <p:nvSpPr>
+          <p:cNvPr id="5" name="Segnaposto contenuto 2">
+            <a:extLst>
+              <a:ext uri="{FF2B5EF4-FFF2-40B4-BE49-F238E27FC236}">
+                <a16:creationId xmlns:a16="http://schemas.microsoft.com/office/drawing/2014/main" id="{B743704D-A3A9-40FA-82EC-9E70B33A8DDB}"/>
+              </a:ext>
+            </a:extLst>
+          </p:cNvPr>
+          <p:cNvSpPr txBox="1">
+            <a:spLocks/>
+          </p:cNvSpPr>
+          <p:nvPr/>
+        </p:nvSpPr>
+        <p:spPr bwMode="auto">
+          <a:xfrm>
+            <a:off x="683568" y="1772816"/>
+            <a:ext cx="8064128" cy="1224136"/>
+          </a:xfrm>
+          <a:prstGeom prst="rect">
+            <a:avLst/>
+          </a:prstGeom>
+          <a:noFill/>
+          <a:ln>
+            <a:noFill/>
+          </a:ln>
+          <a:extLst>
+            <a:ext uri="{909E8E84-426E-40DD-AFC4-6F175D3DCCD1}">
+              <a14:hiddenFill xmlns:a14="http://schemas.microsoft.com/office/drawing/2010/main">
+                <a:solidFill>
+                  <a:schemeClr val="accent1"/>
+                </a:solidFill>
+              </a14:hiddenFill>
+            </a:ext>
+            <a:ext uri="{91240B29-F687-4F45-9708-019B960494DF}">
+              <a14:hiddenLine xmlns:a14="http://schemas.microsoft.com/office/drawing/2010/main" w="9525">
+                <a:solidFill>
+                  <a:schemeClr val="tx1"/>
+                </a:solidFill>
+                <a:miter lim="800000"/>
+                <a:headEnd/>
+                <a:tailEnd/>
+              </a14:hiddenLine>
+            </a:ext>
+          </a:extLst>
+        </p:spPr>
+        <p:txBody>
+          <a:bodyPr vert="horz" wrap="square" lIns="91440" tIns="45720" rIns="91440" bIns="45720" numCol="1" anchor="t" anchorCtr="0" compatLnSpc="1">
+            <a:prstTxWarp prst="textNoShape">
+              <a:avLst/>
+            </a:prstTxWarp>
+          </a:bodyPr>
+          <a:lstStyle>
+            <a:lvl1pPr marL="342900" indent="-342900" algn="l" rtl="0" eaLnBrk="0" fontAlgn="base" hangingPunct="0">
+              <a:spcBef>
+                <a:spcPct val="20000"/>
+              </a:spcBef>
+              <a:spcAft>
+                <a:spcPct val="0"/>
+              </a:spcAft>
+              <a:buClr>
+                <a:srgbClr val="822433"/>
+              </a:buClr>
+              <a:buChar char="•"/>
+              <a:defRPr sz="2400">
+                <a:solidFill>
+                  <a:srgbClr val="000000"/>
+                </a:solidFill>
+                <a:latin typeface="Calibri"/>
+                <a:ea typeface="MS PGothic" panose="020B0600070205080204" pitchFamily="34" charset="-128"/>
+                <a:cs typeface="ＭＳ Ｐゴシック" charset="0"/>
+              </a:defRPr>
+            </a:lvl1pPr>
+            <a:lvl2pPr marL="742950" indent="-285750" algn="l" rtl="0" eaLnBrk="0" fontAlgn="base" hangingPunct="0">
+              <a:spcBef>
+                <a:spcPct val="20000"/>
+              </a:spcBef>
+              <a:spcAft>
+                <a:spcPct val="0"/>
+              </a:spcAft>
+              <a:buChar char="–"/>
+              <a:defRPr sz="2000">
+                <a:solidFill>
+                  <a:srgbClr val="000000"/>
+                </a:solidFill>
+                <a:latin typeface="Calibri"/>
+                <a:ea typeface="MS PGothic" panose="020B0600070205080204" pitchFamily="34" charset="-128"/>
+              </a:defRPr>
+            </a:lvl2pPr>
+            <a:lvl3pPr marL="1143000" indent="-228600" algn="l" rtl="0" eaLnBrk="0" fontAlgn="base" hangingPunct="0">
+              <a:spcBef>
+                <a:spcPct val="20000"/>
+              </a:spcBef>
+              <a:spcAft>
+                <a:spcPct val="0"/>
+              </a:spcAft>
+              <a:buChar char="•"/>
+              <a:defRPr sz="1600">
+                <a:solidFill>
+                  <a:srgbClr val="000000"/>
+                </a:solidFill>
+                <a:latin typeface="Calibri"/>
+                <a:ea typeface="MS PGothic" panose="020B0600070205080204" pitchFamily="34" charset="-128"/>
+              </a:defRPr>
+            </a:lvl3pPr>
+            <a:lvl4pPr marL="1562100" indent="-228600" algn="l" rtl="0" eaLnBrk="0" fontAlgn="base" hangingPunct="0">
+              <a:spcBef>
+                <a:spcPct val="20000"/>
+              </a:spcBef>
+              <a:spcAft>
+                <a:spcPct val="0"/>
+              </a:spcAft>
+              <a:buChar char="–"/>
+              <a:defRPr sz="1400">
+                <a:solidFill>
+                  <a:srgbClr val="000000"/>
+                </a:solidFill>
+                <a:latin typeface="Calibri"/>
+                <a:ea typeface="MS PGothic" panose="020B0600070205080204" pitchFamily="34" charset="-128"/>
+              </a:defRPr>
+            </a:lvl4pPr>
+            <a:lvl5pPr marL="1981200" indent="-228600" algn="l" rtl="0" eaLnBrk="0" fontAlgn="base" hangingPunct="0">
+              <a:spcBef>
+                <a:spcPct val="20000"/>
+              </a:spcBef>
+              <a:spcAft>
+                <a:spcPct val="0"/>
+              </a:spcAft>
+              <a:buChar char="»"/>
+              <a:defRPr sz="1200">
+                <a:solidFill>
+                  <a:srgbClr val="000000"/>
+                </a:solidFill>
+                <a:latin typeface="Calibri"/>
+                <a:ea typeface="MS PGothic" panose="020B0600070205080204" pitchFamily="34" charset="-128"/>
+              </a:defRPr>
+            </a:lvl5pPr>
+            <a:lvl6pPr marL="2438400" indent="-228600" algn="l" rtl="0" eaLnBrk="1" fontAlgn="base" hangingPunct="1">
+              <a:spcBef>
+                <a:spcPct val="20000"/>
+              </a:spcBef>
+              <a:spcAft>
+                <a:spcPct val="0"/>
+              </a:spcAft>
+              <a:buChar char="»"/>
+              <a:defRPr sz="1200">
+                <a:solidFill>
+                  <a:srgbClr val="000000"/>
+                </a:solidFill>
+                <a:latin typeface="+mn-lt"/>
+                <a:ea typeface="+mn-ea"/>
+              </a:defRPr>
+            </a:lvl6pPr>
+            <a:lvl7pPr marL="2895600" indent="-228600" algn="l" rtl="0" eaLnBrk="1" fontAlgn="base" hangingPunct="1">
+              <a:spcBef>
+                <a:spcPct val="20000"/>
+              </a:spcBef>
+              <a:spcAft>
+                <a:spcPct val="0"/>
+              </a:spcAft>
+              <a:buChar char="»"/>
+              <a:defRPr sz="1200">
+                <a:solidFill>
+                  <a:srgbClr val="000000"/>
+                </a:solidFill>
+                <a:latin typeface="+mn-lt"/>
+                <a:ea typeface="+mn-ea"/>
+              </a:defRPr>
+            </a:lvl7pPr>
+            <a:lvl8pPr marL="3352800" indent="-228600" algn="l" rtl="0" eaLnBrk="1" fontAlgn="base" hangingPunct="1">
+              <a:spcBef>
+                <a:spcPct val="20000"/>
+              </a:spcBef>
+              <a:spcAft>
+                <a:spcPct val="0"/>
+              </a:spcAft>
+              <a:buChar char="»"/>
+              <a:defRPr sz="1200">
+                <a:solidFill>
+                  <a:srgbClr val="000000"/>
+                </a:solidFill>
+                <a:latin typeface="+mn-lt"/>
+                <a:ea typeface="+mn-ea"/>
+              </a:defRPr>
+            </a:lvl8pPr>
+            <a:lvl9pPr marL="3810000" indent="-228600" algn="l" rtl="0" eaLnBrk="1" fontAlgn="base" hangingPunct="1">
+              <a:spcBef>
+                <a:spcPct val="20000"/>
+              </a:spcBef>
+              <a:spcAft>
+                <a:spcPct val="0"/>
+              </a:spcAft>
+              <a:buChar char="»"/>
+              <a:defRPr sz="1200">
+                <a:solidFill>
+                  <a:srgbClr val="000000"/>
+                </a:solidFill>
+                <a:latin typeface="+mn-lt"/>
+                <a:ea typeface="+mn-ea"/>
+              </a:defRPr>
+            </a:lvl9pPr>
+          </a:lstStyle>
+          <a:p>
             <a:pPr marL="0" indent="0">
               <a:buFontTx/>
               <a:buNone/>
@@ -10565,81 +11092,1007 @@
               <a:rPr lang="en-GB" altLang="it-IT" kern="0" dirty="0">
                 <a:latin typeface="Calibri" panose="020F0502020204030204" pitchFamily="34" charset="0"/>
               </a:rPr>
-              <a:t>If we want to save our Packet-CAPture to reuse another time we need to save it in a pcap format. </a:t>
-            </a:r>
-          </a:p>
-          <a:p>
-            <a:pPr marL="0" indent="0">
-              <a:buFontTx/>
-              <a:buNone/>
-            </a:pPr>
-            <a:endParaRPr lang="en-GB" altLang="it-IT" kern="0" dirty="0">
-              <a:latin typeface="Calibri" panose="020F0502020204030204" pitchFamily="34" charset="0"/>
-            </a:endParaRPr>
-          </a:p>
-          <a:p>
-            <a:pPr marL="0" indent="0">
-              <a:buFontTx/>
-              <a:buNone/>
-            </a:pPr>
-            <a:r>
-              <a:rPr lang="en-GB" altLang="it-IT" kern="0" dirty="0">
-                <a:latin typeface="Calibri" panose="020F0502020204030204" pitchFamily="34" charset="0"/>
-              </a:rPr>
-              <a:t>Now, every time you will hear someone to talk about pcap file you’ll recognize it.</a:t>
+              <a:t>Every time we talk about data our beloved statistics comes out</a:t>
             </a:r>
           </a:p>
         </p:txBody>
       </p:sp>
       <p:pic>
         <p:nvPicPr>
-          <p:cNvPr id="2050" name="Picture 2" descr="Pcap Stickers | Redbubble">
+          <p:cNvPr id="4" name="Immagine 3" descr="Immagine che contiene testo&#10;&#10;Descrizione generata automaticamente">
             <a:extLst>
               <a:ext uri="{FF2B5EF4-FFF2-40B4-BE49-F238E27FC236}">
-                <a16:creationId xmlns:a16="http://schemas.microsoft.com/office/drawing/2014/main" id="{E82B6893-5E70-425B-ADEC-06EB1146C1E3}"/>
+                <a16:creationId xmlns:a16="http://schemas.microsoft.com/office/drawing/2014/main" id="{6C7BA247-196E-4D93-9661-47BF01BED1D2}"/>
               </a:ext>
             </a:extLst>
           </p:cNvPr>
           <p:cNvPicPr>
-            <a:picLocks noChangeAspect="1" noChangeArrowheads="1"/>
+            <a:picLocks noChangeAspect="1"/>
           </p:cNvPicPr>
           <p:nvPr/>
         </p:nvPicPr>
         <p:blipFill rotWithShape="1">
-          <a:blip r:embed="rId2">
-            <a:extLst>
-              <a:ext uri="{28A0092B-C50C-407E-A947-70E740481C1C}">
-                <a14:useLocalDpi xmlns:a14="http://schemas.microsoft.com/office/drawing/2010/main" val="0"/>
-              </a:ext>
-            </a:extLst>
-          </a:blip>
-          <a:srcRect l="10001" t="7406" r="9999" b="6667"/>
+          <a:blip r:embed="rId2"/>
+          <a:srcRect r="18029"/>
           <a:stretch/>
         </p:blipFill>
+        <p:spPr>
+          <a:xfrm>
+            <a:off x="414129" y="3140199"/>
+            <a:ext cx="8421007" cy="1936748"/>
+          </a:xfrm>
+          <a:prstGeom prst="rect">
+            <a:avLst/>
+          </a:prstGeom>
+        </p:spPr>
+      </p:pic>
+      <p:cxnSp>
+        <p:nvCxnSpPr>
+          <p:cNvPr id="8" name="Connettore 2 7">
+            <a:extLst>
+              <a:ext uri="{FF2B5EF4-FFF2-40B4-BE49-F238E27FC236}">
+                <a16:creationId xmlns:a16="http://schemas.microsoft.com/office/drawing/2014/main" id="{EF95CB4E-29E5-49DF-8AB4-189B847FA26A}"/>
+              </a:ext>
+            </a:extLst>
+          </p:cNvPr>
+          <p:cNvCxnSpPr/>
+          <p:nvPr/>
+        </p:nvCxnSpPr>
         <p:spPr bwMode="auto">
-          <a:xfrm>
-            <a:off x="827584" y="2420888"/>
-            <a:ext cx="2044779" cy="2196244"/>
+          <a:xfrm flipH="1">
+            <a:off x="3707904" y="2780928"/>
+            <a:ext cx="504056" cy="648072"/>
+          </a:xfrm>
+          <a:prstGeom prst="straightConnector1">
+            <a:avLst/>
+          </a:prstGeom>
+          <a:ln>
+            <a:tailEnd type="triangle"/>
+          </a:ln>
+          <a:extLst>
+            <a:ext uri="{909E8E84-426E-40dd-AFC4-6F175D3DCCD1}">
+              <a14:hiddenFill xmlns="" xmlns:a14="http://schemas.microsoft.com/office/drawing/2010/main">
+                <a:solidFill>
+                  <a:schemeClr val="accent1"/>
+                </a:solidFill>
+              </a14:hiddenFill>
+            </a:ext>
+            <a:ext uri="{91240B29-F687-4f45-9708-019B960494DF}">
+              <a14:hiddenLine xmlns="" xmlns:a14="http://schemas.microsoft.com/office/drawing/2010/main" w="9525" cap="flat" cmpd="sng" algn="ctr">
+                <a:solidFill>
+                  <a:schemeClr val="tx1"/>
+                </a:solidFill>
+                <a:prstDash val="solid"/>
+                <a:round/>
+                <a:headEnd type="none" w="med" len="med"/>
+                <a:tailEnd type="none" w="med" len="med"/>
+              </a14:hiddenLine>
+            </a:ext>
+            <a:ext uri="{AF507438-7753-43e0-B8FC-AC1667EBCBE1}">
+              <a14:hiddenEffects xmlns="" xmlns:a14="http://schemas.microsoft.com/office/drawing/2010/main">
+                <a:effectLst>
+                  <a:outerShdw blurRad="63500" dist="38099" dir="2700000" algn="ctr" rotWithShape="0">
+                    <a:srgbClr val="000000">
+                      <a:alpha val="74998"/>
+                    </a:srgbClr>
+                  </a:outerShdw>
+                </a:effectLst>
+              </a14:hiddenEffects>
+            </a:ext>
+          </a:extLst>
+        </p:spPr>
+        <p:style>
+          <a:lnRef idx="2">
+            <a:schemeClr val="accent4"/>
+          </a:lnRef>
+          <a:fillRef idx="0">
+            <a:schemeClr val="accent4"/>
+          </a:fillRef>
+          <a:effectRef idx="1">
+            <a:schemeClr val="accent4"/>
+          </a:effectRef>
+          <a:fontRef idx="minor">
+            <a:schemeClr val="tx1"/>
+          </a:fontRef>
+        </p:style>
+      </p:cxnSp>
+    </p:spTree>
+    <p:extLst>
+      <p:ext uri="{BB962C8B-B14F-4D97-AF65-F5344CB8AC3E}">
+        <p14:creationId xmlns:p14="http://schemas.microsoft.com/office/powerpoint/2010/main" val="3365183627"/>
+      </p:ext>
+    </p:extLst>
+  </p:cSld>
+  <p:clrMapOvr>
+    <a:masterClrMapping/>
+  </p:clrMapOvr>
+</p:sld>
+</file>
+
+<file path=ppt/slides/slide36.xml><?xml version="1.0" encoding="utf-8"?>
+<p:sld xmlns:a="http://schemas.openxmlformats.org/drawingml/2006/main" xmlns:r="http://schemas.openxmlformats.org/officeDocument/2006/relationships" xmlns:p="http://schemas.openxmlformats.org/presentationml/2006/main">
+  <p:cSld>
+    <p:spTree>
+      <p:nvGrpSpPr>
+        <p:cNvPr id="1" name=""/>
+        <p:cNvGrpSpPr/>
+        <p:nvPr/>
+      </p:nvGrpSpPr>
+      <p:grpSpPr>
+        <a:xfrm>
+          <a:off x="0" y="0"/>
+          <a:ext cx="0" cy="0"/>
+          <a:chOff x="0" y="0"/>
+          <a:chExt cx="0" cy="0"/>
+        </a:xfrm>
+      </p:grpSpPr>
+      <p:sp>
+        <p:nvSpPr>
+          <p:cNvPr id="22530" name="Segnaposto contenuto 2">
+            <a:extLst>
+              <a:ext uri="{FF2B5EF4-FFF2-40B4-BE49-F238E27FC236}">
+                <a16:creationId xmlns:a16="http://schemas.microsoft.com/office/drawing/2014/main" id="{2CB01D02-6D42-4E8D-8544-627F15ABE9F0}"/>
+              </a:ext>
+            </a:extLst>
+          </p:cNvPr>
+          <p:cNvSpPr>
+            <a:spLocks noGrp="1"/>
+          </p:cNvSpPr>
+          <p:nvPr>
+            <p:ph idx="1"/>
+          </p:nvPr>
+        </p:nvSpPr>
+        <p:spPr>
+          <a:xfrm>
+            <a:off x="539935" y="1052736"/>
+            <a:ext cx="8064128" cy="576064"/>
+          </a:xfrm>
+        </p:spPr>
+        <p:txBody>
+          <a:bodyPr/>
+          <a:lstStyle/>
+          <a:p>
+            <a:pPr marL="0" indent="0" algn="ctr">
+              <a:buNone/>
+            </a:pPr>
+            <a:r>
+              <a:rPr lang="en-GB" altLang="it-IT" dirty="0">
+                <a:latin typeface="Calibri" panose="020F0502020204030204" pitchFamily="34" charset="0"/>
+              </a:rPr>
+              <a:t>Statistics </a:t>
+            </a:r>
+            <a:r>
+              <a:rPr lang="en-GB" altLang="it-IT" dirty="0">
+                <a:latin typeface="Calibri" panose="020F0502020204030204" pitchFamily="34" charset="0"/>
+                <a:sym typeface="Wingdings" panose="05000000000000000000" pitchFamily="2" charset="2"/>
+              </a:rPr>
+              <a:t> Protocol Hierarchy</a:t>
+            </a:r>
+            <a:endParaRPr lang="en-GB" altLang="it-IT" dirty="0">
+              <a:latin typeface="Calibri" panose="020F0502020204030204" pitchFamily="34" charset="0"/>
+            </a:endParaRPr>
+          </a:p>
+        </p:txBody>
+      </p:sp>
+      <p:pic>
+        <p:nvPicPr>
+          <p:cNvPr id="7" name="Immagine 6">
+            <a:extLst>
+              <a:ext uri="{FF2B5EF4-FFF2-40B4-BE49-F238E27FC236}">
+                <a16:creationId xmlns:a16="http://schemas.microsoft.com/office/drawing/2014/main" id="{F298A001-16B7-4DD8-9756-F6997F439C37}"/>
+              </a:ext>
+            </a:extLst>
+          </p:cNvPr>
+          <p:cNvPicPr>
+            <a:picLocks noChangeAspect="1"/>
+          </p:cNvPicPr>
+          <p:nvPr/>
+        </p:nvPicPr>
+        <p:blipFill>
+          <a:blip r:embed="rId2"/>
+          <a:stretch>
+            <a:fillRect/>
+          </a:stretch>
+        </p:blipFill>
+        <p:spPr>
+          <a:xfrm>
+            <a:off x="23481" y="1700808"/>
+            <a:ext cx="8724984" cy="3470164"/>
+          </a:xfrm>
+          <a:prstGeom prst="rect">
+            <a:avLst/>
+          </a:prstGeom>
+        </p:spPr>
+      </p:pic>
+    </p:spTree>
+    <p:extLst>
+      <p:ext uri="{BB962C8B-B14F-4D97-AF65-F5344CB8AC3E}">
+        <p14:creationId xmlns:p14="http://schemas.microsoft.com/office/powerpoint/2010/main" val="248360581"/>
+      </p:ext>
+    </p:extLst>
+  </p:cSld>
+  <p:clrMapOvr>
+    <a:masterClrMapping/>
+  </p:clrMapOvr>
+</p:sld>
+</file>
+
+<file path=ppt/slides/slide37.xml><?xml version="1.0" encoding="utf-8"?>
+<p:sld xmlns:a="http://schemas.openxmlformats.org/drawingml/2006/main" xmlns:r="http://schemas.openxmlformats.org/officeDocument/2006/relationships" xmlns:p="http://schemas.openxmlformats.org/presentationml/2006/main">
+  <p:cSld>
+    <p:spTree>
+      <p:nvGrpSpPr>
+        <p:cNvPr id="1" name=""/>
+        <p:cNvGrpSpPr/>
+        <p:nvPr/>
+      </p:nvGrpSpPr>
+      <p:grpSpPr>
+        <a:xfrm>
+          <a:off x="0" y="0"/>
+          <a:ext cx="0" cy="0"/>
+          <a:chOff x="0" y="0"/>
+          <a:chExt cx="0" cy="0"/>
+        </a:xfrm>
+      </p:grpSpPr>
+      <p:sp>
+        <p:nvSpPr>
+          <p:cNvPr id="22530" name="Segnaposto contenuto 2">
+            <a:extLst>
+              <a:ext uri="{FF2B5EF4-FFF2-40B4-BE49-F238E27FC236}">
+                <a16:creationId xmlns:a16="http://schemas.microsoft.com/office/drawing/2014/main" id="{2CB01D02-6D42-4E8D-8544-627F15ABE9F0}"/>
+              </a:ext>
+            </a:extLst>
+          </p:cNvPr>
+          <p:cNvSpPr>
+            <a:spLocks noGrp="1"/>
+          </p:cNvSpPr>
+          <p:nvPr>
+            <p:ph idx="1"/>
+          </p:nvPr>
+        </p:nvSpPr>
+        <p:spPr>
+          <a:xfrm>
+            <a:off x="539935" y="1052736"/>
+            <a:ext cx="8064128" cy="576064"/>
+          </a:xfrm>
+        </p:spPr>
+        <p:txBody>
+          <a:bodyPr/>
+          <a:lstStyle/>
+          <a:p>
+            <a:pPr marL="0" indent="0" algn="ctr">
+              <a:buNone/>
+            </a:pPr>
+            <a:r>
+              <a:rPr lang="en-GB" altLang="it-IT" dirty="0">
+                <a:latin typeface="Calibri" panose="020F0502020204030204" pitchFamily="34" charset="0"/>
+              </a:rPr>
+              <a:t>Statistics </a:t>
+            </a:r>
+            <a:r>
+              <a:rPr lang="en-GB" altLang="it-IT" dirty="0">
+                <a:latin typeface="Calibri" panose="020F0502020204030204" pitchFamily="34" charset="0"/>
+                <a:sym typeface="Wingdings" panose="05000000000000000000" pitchFamily="2" charset="2"/>
+              </a:rPr>
+              <a:t> Packet Lengths</a:t>
+            </a:r>
+            <a:endParaRPr lang="en-GB" altLang="it-IT" dirty="0">
+              <a:latin typeface="Calibri" panose="020F0502020204030204" pitchFamily="34" charset="0"/>
+            </a:endParaRPr>
+          </a:p>
+        </p:txBody>
+      </p:sp>
+      <p:pic>
+        <p:nvPicPr>
+          <p:cNvPr id="3" name="Immagine 2" descr="Immagine che contiene tavolo&#10;&#10;Descrizione generata automaticamente">
+            <a:extLst>
+              <a:ext uri="{FF2B5EF4-FFF2-40B4-BE49-F238E27FC236}">
+                <a16:creationId xmlns:a16="http://schemas.microsoft.com/office/drawing/2014/main" id="{B5DCA3D1-A942-40BF-B381-66A9784A4807}"/>
+              </a:ext>
+            </a:extLst>
+          </p:cNvPr>
+          <p:cNvPicPr>
+            <a:picLocks noChangeAspect="1"/>
+          </p:cNvPicPr>
+          <p:nvPr/>
+        </p:nvPicPr>
+        <p:blipFill>
+          <a:blip r:embed="rId2"/>
+          <a:stretch>
+            <a:fillRect/>
+          </a:stretch>
+        </p:blipFill>
+        <p:spPr>
+          <a:xfrm>
+            <a:off x="688317" y="1916832"/>
+            <a:ext cx="7564904" cy="3299917"/>
+          </a:xfrm>
+          <a:prstGeom prst="rect">
+            <a:avLst/>
+          </a:prstGeom>
+        </p:spPr>
+      </p:pic>
+    </p:spTree>
+    <p:extLst>
+      <p:ext uri="{BB962C8B-B14F-4D97-AF65-F5344CB8AC3E}">
+        <p14:creationId xmlns:p14="http://schemas.microsoft.com/office/powerpoint/2010/main" val="3084572269"/>
+      </p:ext>
+    </p:extLst>
+  </p:cSld>
+  <p:clrMapOvr>
+    <a:masterClrMapping/>
+  </p:clrMapOvr>
+</p:sld>
+</file>
+
+<file path=ppt/slides/slide38.xml><?xml version="1.0" encoding="utf-8"?>
+<p:sld xmlns:a="http://schemas.openxmlformats.org/drawingml/2006/main" xmlns:r="http://schemas.openxmlformats.org/officeDocument/2006/relationships" xmlns:p="http://schemas.openxmlformats.org/presentationml/2006/main">
+  <p:cSld>
+    <p:spTree>
+      <p:nvGrpSpPr>
+        <p:cNvPr id="1" name=""/>
+        <p:cNvGrpSpPr/>
+        <p:nvPr/>
+      </p:nvGrpSpPr>
+      <p:grpSpPr>
+        <a:xfrm>
+          <a:off x="0" y="0"/>
+          <a:ext cx="0" cy="0"/>
+          <a:chOff x="0" y="0"/>
+          <a:chExt cx="0" cy="0"/>
+        </a:xfrm>
+      </p:grpSpPr>
+      <p:sp>
+        <p:nvSpPr>
+          <p:cNvPr id="22530" name="Segnaposto contenuto 2">
+            <a:extLst>
+              <a:ext uri="{FF2B5EF4-FFF2-40B4-BE49-F238E27FC236}">
+                <a16:creationId xmlns:a16="http://schemas.microsoft.com/office/drawing/2014/main" id="{2CB01D02-6D42-4E8D-8544-627F15ABE9F0}"/>
+              </a:ext>
+            </a:extLst>
+          </p:cNvPr>
+          <p:cNvSpPr>
+            <a:spLocks noGrp="1"/>
+          </p:cNvSpPr>
+          <p:nvPr>
+            <p:ph idx="1"/>
+          </p:nvPr>
+        </p:nvSpPr>
+        <p:spPr>
+          <a:xfrm>
+            <a:off x="539935" y="1052736"/>
+            <a:ext cx="8064128" cy="576064"/>
+          </a:xfrm>
+        </p:spPr>
+        <p:txBody>
+          <a:bodyPr/>
+          <a:lstStyle/>
+          <a:p>
+            <a:pPr marL="0" indent="0" algn="ctr">
+              <a:buNone/>
+            </a:pPr>
+            <a:r>
+              <a:rPr lang="en-GB" altLang="it-IT" dirty="0">
+                <a:latin typeface="Calibri" panose="020F0502020204030204" pitchFamily="34" charset="0"/>
+              </a:rPr>
+              <a:t>Statistics </a:t>
+            </a:r>
+            <a:r>
+              <a:rPr lang="en-GB" altLang="it-IT" dirty="0">
+                <a:latin typeface="Calibri" panose="020F0502020204030204" pitchFamily="34" charset="0"/>
+                <a:sym typeface="Wingdings" panose="05000000000000000000" pitchFamily="2" charset="2"/>
+              </a:rPr>
+              <a:t> Endpoints</a:t>
+            </a:r>
+            <a:endParaRPr lang="en-GB" altLang="it-IT" dirty="0">
+              <a:latin typeface="Calibri" panose="020F0502020204030204" pitchFamily="34" charset="0"/>
+            </a:endParaRPr>
+          </a:p>
+        </p:txBody>
+      </p:sp>
+      <p:pic>
+        <p:nvPicPr>
+          <p:cNvPr id="4" name="Immagine 3" descr="Immagine che contiene tavolo&#10;&#10;Descrizione generata automaticamente">
+            <a:extLst>
+              <a:ext uri="{FF2B5EF4-FFF2-40B4-BE49-F238E27FC236}">
+                <a16:creationId xmlns:a16="http://schemas.microsoft.com/office/drawing/2014/main" id="{D30A13FB-604E-4992-BF3C-0918066E0BF5}"/>
+              </a:ext>
+            </a:extLst>
+          </p:cNvPr>
+          <p:cNvPicPr>
+            <a:picLocks noChangeAspect="1"/>
+          </p:cNvPicPr>
+          <p:nvPr/>
+        </p:nvPicPr>
+        <p:blipFill>
+          <a:blip r:embed="rId2"/>
+          <a:stretch>
+            <a:fillRect/>
+          </a:stretch>
+        </p:blipFill>
+        <p:spPr>
+          <a:xfrm>
+            <a:off x="1187624" y="1628800"/>
+            <a:ext cx="6696744" cy="4197494"/>
+          </a:xfrm>
+          <a:prstGeom prst="rect">
+            <a:avLst/>
+          </a:prstGeom>
+        </p:spPr>
+      </p:pic>
+    </p:spTree>
+    <p:extLst>
+      <p:ext uri="{BB962C8B-B14F-4D97-AF65-F5344CB8AC3E}">
+        <p14:creationId xmlns:p14="http://schemas.microsoft.com/office/powerpoint/2010/main" val="3778702965"/>
+      </p:ext>
+    </p:extLst>
+  </p:cSld>
+  <p:clrMapOvr>
+    <a:masterClrMapping/>
+  </p:clrMapOvr>
+</p:sld>
+</file>
+
+<file path=ppt/slides/slide39.xml><?xml version="1.0" encoding="utf-8"?>
+<p:sld xmlns:a="http://schemas.openxmlformats.org/drawingml/2006/main" xmlns:r="http://schemas.openxmlformats.org/officeDocument/2006/relationships" xmlns:p="http://schemas.openxmlformats.org/presentationml/2006/main">
+  <p:cSld>
+    <p:spTree>
+      <p:nvGrpSpPr>
+        <p:cNvPr id="1" name=""/>
+        <p:cNvGrpSpPr/>
+        <p:nvPr/>
+      </p:nvGrpSpPr>
+      <p:grpSpPr>
+        <a:xfrm>
+          <a:off x="0" y="0"/>
+          <a:ext cx="0" cy="0"/>
+          <a:chOff x="0" y="0"/>
+          <a:chExt cx="0" cy="0"/>
+        </a:xfrm>
+      </p:grpSpPr>
+      <p:sp>
+        <p:nvSpPr>
+          <p:cNvPr id="22530" name="Segnaposto contenuto 2">
+            <a:extLst>
+              <a:ext uri="{FF2B5EF4-FFF2-40B4-BE49-F238E27FC236}">
+                <a16:creationId xmlns:a16="http://schemas.microsoft.com/office/drawing/2014/main" id="{2CB01D02-6D42-4E8D-8544-627F15ABE9F0}"/>
+              </a:ext>
+            </a:extLst>
+          </p:cNvPr>
+          <p:cNvSpPr>
+            <a:spLocks noGrp="1"/>
+          </p:cNvSpPr>
+          <p:nvPr>
+            <p:ph idx="1"/>
+          </p:nvPr>
+        </p:nvSpPr>
+        <p:spPr>
+          <a:xfrm>
+            <a:off x="504051" y="830530"/>
+            <a:ext cx="8064128" cy="576064"/>
+          </a:xfrm>
+        </p:spPr>
+        <p:txBody>
+          <a:bodyPr/>
+          <a:lstStyle/>
+          <a:p>
+            <a:pPr marL="0" indent="0" algn="ctr">
+              <a:buNone/>
+            </a:pPr>
+            <a:r>
+              <a:rPr lang="en-GB" altLang="it-IT" dirty="0">
+                <a:latin typeface="Calibri" panose="020F0502020204030204" pitchFamily="34" charset="0"/>
+              </a:rPr>
+              <a:t>Statistics </a:t>
+            </a:r>
+            <a:r>
+              <a:rPr lang="en-GB" altLang="it-IT" dirty="0">
+                <a:latin typeface="Calibri" panose="020F0502020204030204" pitchFamily="34" charset="0"/>
+                <a:sym typeface="Wingdings" panose="05000000000000000000" pitchFamily="2" charset="2"/>
+              </a:rPr>
+              <a:t> I/O Graphs</a:t>
+            </a:r>
+            <a:endParaRPr lang="en-GB" altLang="it-IT" dirty="0">
+              <a:latin typeface="Calibri" panose="020F0502020204030204" pitchFamily="34" charset="0"/>
+            </a:endParaRPr>
+          </a:p>
+        </p:txBody>
+      </p:sp>
+      <p:pic>
+        <p:nvPicPr>
+          <p:cNvPr id="6" name="Immagine 5">
+            <a:extLst>
+              <a:ext uri="{FF2B5EF4-FFF2-40B4-BE49-F238E27FC236}">
+                <a16:creationId xmlns:a16="http://schemas.microsoft.com/office/drawing/2014/main" id="{C6A0C82B-2F1C-4C55-A1A5-D155CD30802F}"/>
+              </a:ext>
+            </a:extLst>
+          </p:cNvPr>
+          <p:cNvPicPr>
+            <a:picLocks noChangeAspect="1"/>
+          </p:cNvPicPr>
+          <p:nvPr/>
+        </p:nvPicPr>
+        <p:blipFill>
+          <a:blip r:embed="rId2"/>
+          <a:stretch>
+            <a:fillRect/>
+          </a:stretch>
+        </p:blipFill>
+        <p:spPr>
+          <a:xfrm>
+            <a:off x="1475656" y="5217640"/>
+            <a:ext cx="6509308" cy="894208"/>
+          </a:xfrm>
+          <a:prstGeom prst="rect">
+            <a:avLst/>
+          </a:prstGeom>
+        </p:spPr>
+      </p:pic>
+      <p:pic>
+        <p:nvPicPr>
+          <p:cNvPr id="8" name="Immagine 7">
+            <a:extLst>
+              <a:ext uri="{FF2B5EF4-FFF2-40B4-BE49-F238E27FC236}">
+                <a16:creationId xmlns:a16="http://schemas.microsoft.com/office/drawing/2014/main" id="{2CBEA4B0-3FD9-4AE8-BF2E-EF48CE3D3954}"/>
+              </a:ext>
+            </a:extLst>
+          </p:cNvPr>
+          <p:cNvPicPr>
+            <a:picLocks noChangeAspect="1"/>
+          </p:cNvPicPr>
+          <p:nvPr/>
+        </p:nvPicPr>
+        <p:blipFill rotWithShape="1">
+          <a:blip r:embed="rId3"/>
+          <a:srcRect l="4525" t="1276" r="2262" b="3416"/>
+          <a:stretch/>
+        </p:blipFill>
+        <p:spPr>
+          <a:xfrm>
+            <a:off x="1403648" y="1413664"/>
+            <a:ext cx="5933244" cy="3576260"/>
+          </a:xfrm>
+          <a:prstGeom prst="rect">
+            <a:avLst/>
+          </a:prstGeom>
+        </p:spPr>
+      </p:pic>
+      <p:sp>
+        <p:nvSpPr>
+          <p:cNvPr id="10" name="Segnaposto contenuto 2">
+            <a:extLst>
+              <a:ext uri="{FF2B5EF4-FFF2-40B4-BE49-F238E27FC236}">
+                <a16:creationId xmlns:a16="http://schemas.microsoft.com/office/drawing/2014/main" id="{9068FAA7-7D45-4522-9945-E4E39553296C}"/>
+              </a:ext>
+            </a:extLst>
+          </p:cNvPr>
+          <p:cNvSpPr txBox="1">
+            <a:spLocks/>
+          </p:cNvSpPr>
+          <p:nvPr/>
+        </p:nvSpPr>
+        <p:spPr bwMode="auto">
+          <a:xfrm>
+            <a:off x="101418" y="2899053"/>
+            <a:ext cx="1354202" cy="479427"/>
           </a:xfrm>
           <a:prstGeom prst="rect">
             <a:avLst/>
           </a:prstGeom>
           <a:noFill/>
+          <a:ln>
+            <a:noFill/>
+          </a:ln>
           <a:extLst>
             <a:ext uri="{909E8E84-426E-40DD-AFC4-6F175D3DCCD1}">
               <a14:hiddenFill xmlns:a14="http://schemas.microsoft.com/office/drawing/2010/main">
                 <a:solidFill>
-                  <a:srgbClr val="FFFFFF"/>
+                  <a:schemeClr val="accent1"/>
                 </a:solidFill>
               </a14:hiddenFill>
             </a:ext>
+            <a:ext uri="{91240B29-F687-4F45-9708-019B960494DF}">
+              <a14:hiddenLine xmlns:a14="http://schemas.microsoft.com/office/drawing/2010/main" w="9525">
+                <a:solidFill>
+                  <a:schemeClr val="tx1"/>
+                </a:solidFill>
+                <a:miter lim="800000"/>
+                <a:headEnd/>
+                <a:tailEnd/>
+              </a14:hiddenLine>
+            </a:ext>
           </a:extLst>
         </p:spPr>
-      </p:pic>
+        <p:txBody>
+          <a:bodyPr vert="horz" wrap="square" lIns="91440" tIns="45720" rIns="91440" bIns="45720" numCol="1" anchor="t" anchorCtr="0" compatLnSpc="1">
+            <a:prstTxWarp prst="textNoShape">
+              <a:avLst/>
+            </a:prstTxWarp>
+          </a:bodyPr>
+          <a:lstStyle>
+            <a:lvl1pPr marL="342900" indent="-342900" algn="l" rtl="0" eaLnBrk="0" fontAlgn="base" hangingPunct="0">
+              <a:spcBef>
+                <a:spcPct val="20000"/>
+              </a:spcBef>
+              <a:spcAft>
+                <a:spcPct val="0"/>
+              </a:spcAft>
+              <a:buClr>
+                <a:srgbClr val="822433"/>
+              </a:buClr>
+              <a:buChar char="•"/>
+              <a:defRPr sz="2400">
+                <a:solidFill>
+                  <a:srgbClr val="000000"/>
+                </a:solidFill>
+                <a:latin typeface="Calibri"/>
+                <a:ea typeface="MS PGothic" panose="020B0600070205080204" pitchFamily="34" charset="-128"/>
+                <a:cs typeface="ＭＳ Ｐゴシック" charset="0"/>
+              </a:defRPr>
+            </a:lvl1pPr>
+            <a:lvl2pPr marL="742950" indent="-285750" algn="l" rtl="0" eaLnBrk="0" fontAlgn="base" hangingPunct="0">
+              <a:spcBef>
+                <a:spcPct val="20000"/>
+              </a:spcBef>
+              <a:spcAft>
+                <a:spcPct val="0"/>
+              </a:spcAft>
+              <a:buChar char="–"/>
+              <a:defRPr sz="2000">
+                <a:solidFill>
+                  <a:srgbClr val="000000"/>
+                </a:solidFill>
+                <a:latin typeface="Calibri"/>
+                <a:ea typeface="MS PGothic" panose="020B0600070205080204" pitchFamily="34" charset="-128"/>
+              </a:defRPr>
+            </a:lvl2pPr>
+            <a:lvl3pPr marL="1143000" indent="-228600" algn="l" rtl="0" eaLnBrk="0" fontAlgn="base" hangingPunct="0">
+              <a:spcBef>
+                <a:spcPct val="20000"/>
+              </a:spcBef>
+              <a:spcAft>
+                <a:spcPct val="0"/>
+              </a:spcAft>
+              <a:buChar char="•"/>
+              <a:defRPr sz="1600">
+                <a:solidFill>
+                  <a:srgbClr val="000000"/>
+                </a:solidFill>
+                <a:latin typeface="Calibri"/>
+                <a:ea typeface="MS PGothic" panose="020B0600070205080204" pitchFamily="34" charset="-128"/>
+              </a:defRPr>
+            </a:lvl3pPr>
+            <a:lvl4pPr marL="1562100" indent="-228600" algn="l" rtl="0" eaLnBrk="0" fontAlgn="base" hangingPunct="0">
+              <a:spcBef>
+                <a:spcPct val="20000"/>
+              </a:spcBef>
+              <a:spcAft>
+                <a:spcPct val="0"/>
+              </a:spcAft>
+              <a:buChar char="–"/>
+              <a:defRPr sz="1400">
+                <a:solidFill>
+                  <a:srgbClr val="000000"/>
+                </a:solidFill>
+                <a:latin typeface="Calibri"/>
+                <a:ea typeface="MS PGothic" panose="020B0600070205080204" pitchFamily="34" charset="-128"/>
+              </a:defRPr>
+            </a:lvl4pPr>
+            <a:lvl5pPr marL="1981200" indent="-228600" algn="l" rtl="0" eaLnBrk="0" fontAlgn="base" hangingPunct="0">
+              <a:spcBef>
+                <a:spcPct val="20000"/>
+              </a:spcBef>
+              <a:spcAft>
+                <a:spcPct val="0"/>
+              </a:spcAft>
+              <a:buChar char="»"/>
+              <a:defRPr sz="1200">
+                <a:solidFill>
+                  <a:srgbClr val="000000"/>
+                </a:solidFill>
+                <a:latin typeface="Calibri"/>
+                <a:ea typeface="MS PGothic" panose="020B0600070205080204" pitchFamily="34" charset="-128"/>
+              </a:defRPr>
+            </a:lvl5pPr>
+            <a:lvl6pPr marL="2438400" indent="-228600" algn="l" rtl="0" eaLnBrk="1" fontAlgn="base" hangingPunct="1">
+              <a:spcBef>
+                <a:spcPct val="20000"/>
+              </a:spcBef>
+              <a:spcAft>
+                <a:spcPct val="0"/>
+              </a:spcAft>
+              <a:buChar char="»"/>
+              <a:defRPr sz="1200">
+                <a:solidFill>
+                  <a:srgbClr val="000000"/>
+                </a:solidFill>
+                <a:latin typeface="+mn-lt"/>
+                <a:ea typeface="+mn-ea"/>
+              </a:defRPr>
+            </a:lvl6pPr>
+            <a:lvl7pPr marL="2895600" indent="-228600" algn="l" rtl="0" eaLnBrk="1" fontAlgn="base" hangingPunct="1">
+              <a:spcBef>
+                <a:spcPct val="20000"/>
+              </a:spcBef>
+              <a:spcAft>
+                <a:spcPct val="0"/>
+              </a:spcAft>
+              <a:buChar char="»"/>
+              <a:defRPr sz="1200">
+                <a:solidFill>
+                  <a:srgbClr val="000000"/>
+                </a:solidFill>
+                <a:latin typeface="+mn-lt"/>
+                <a:ea typeface="+mn-ea"/>
+              </a:defRPr>
+            </a:lvl7pPr>
+            <a:lvl8pPr marL="3352800" indent="-228600" algn="l" rtl="0" eaLnBrk="1" fontAlgn="base" hangingPunct="1">
+              <a:spcBef>
+                <a:spcPct val="20000"/>
+              </a:spcBef>
+              <a:spcAft>
+                <a:spcPct val="0"/>
+              </a:spcAft>
+              <a:buChar char="»"/>
+              <a:defRPr sz="1200">
+                <a:solidFill>
+                  <a:srgbClr val="000000"/>
+                </a:solidFill>
+                <a:latin typeface="+mn-lt"/>
+                <a:ea typeface="+mn-ea"/>
+              </a:defRPr>
+            </a:lvl8pPr>
+            <a:lvl9pPr marL="3810000" indent="-228600" algn="l" rtl="0" eaLnBrk="1" fontAlgn="base" hangingPunct="1">
+              <a:spcBef>
+                <a:spcPct val="20000"/>
+              </a:spcBef>
+              <a:spcAft>
+                <a:spcPct val="0"/>
+              </a:spcAft>
+              <a:buChar char="»"/>
+              <a:defRPr sz="1200">
+                <a:solidFill>
+                  <a:srgbClr val="000000"/>
+                </a:solidFill>
+                <a:latin typeface="+mn-lt"/>
+                <a:ea typeface="+mn-ea"/>
+              </a:defRPr>
+            </a:lvl9pPr>
+          </a:lstStyle>
+          <a:p>
+            <a:pPr marL="0" indent="0" algn="ctr">
+              <a:buFontTx/>
+              <a:buNone/>
+            </a:pPr>
+            <a:r>
+              <a:rPr lang="en-GB" altLang="it-IT" sz="1800" kern="0" dirty="0">
+                <a:latin typeface="Calibri" panose="020F0502020204030204" pitchFamily="34" charset="0"/>
+              </a:rPr>
+              <a:t>Pkt/sec</a:t>
+            </a:r>
+          </a:p>
+        </p:txBody>
+      </p:sp>
+      <p:sp>
+        <p:nvSpPr>
+          <p:cNvPr id="11" name="Segnaposto contenuto 2">
+            <a:extLst>
+              <a:ext uri="{FF2B5EF4-FFF2-40B4-BE49-F238E27FC236}">
+                <a16:creationId xmlns:a16="http://schemas.microsoft.com/office/drawing/2014/main" id="{2903D690-3352-4702-B8C2-89FFD3BC5367}"/>
+              </a:ext>
+            </a:extLst>
+          </p:cNvPr>
+          <p:cNvSpPr txBox="1">
+            <a:spLocks/>
+          </p:cNvSpPr>
+          <p:nvPr/>
+        </p:nvSpPr>
+        <p:spPr bwMode="auto">
+          <a:xfrm>
+            <a:off x="3859014" y="4828677"/>
+            <a:ext cx="1354202" cy="479427"/>
+          </a:xfrm>
+          <a:prstGeom prst="rect">
+            <a:avLst/>
+          </a:prstGeom>
+          <a:noFill/>
+          <a:ln>
+            <a:noFill/>
+          </a:ln>
+          <a:extLst>
+            <a:ext uri="{909E8E84-426E-40DD-AFC4-6F175D3DCCD1}">
+              <a14:hiddenFill xmlns:a14="http://schemas.microsoft.com/office/drawing/2010/main">
+                <a:solidFill>
+                  <a:schemeClr val="accent1"/>
+                </a:solidFill>
+              </a14:hiddenFill>
+            </a:ext>
+            <a:ext uri="{91240B29-F687-4F45-9708-019B960494DF}">
+              <a14:hiddenLine xmlns:a14="http://schemas.microsoft.com/office/drawing/2010/main" w="9525">
+                <a:solidFill>
+                  <a:schemeClr val="tx1"/>
+                </a:solidFill>
+                <a:miter lim="800000"/>
+                <a:headEnd/>
+                <a:tailEnd/>
+              </a14:hiddenLine>
+            </a:ext>
+          </a:extLst>
+        </p:spPr>
+        <p:txBody>
+          <a:bodyPr vert="horz" wrap="square" lIns="91440" tIns="45720" rIns="91440" bIns="45720" numCol="1" anchor="t" anchorCtr="0" compatLnSpc="1">
+            <a:prstTxWarp prst="textNoShape">
+              <a:avLst/>
+            </a:prstTxWarp>
+          </a:bodyPr>
+          <a:lstStyle>
+            <a:lvl1pPr marL="342900" indent="-342900" algn="l" rtl="0" eaLnBrk="0" fontAlgn="base" hangingPunct="0">
+              <a:spcBef>
+                <a:spcPct val="20000"/>
+              </a:spcBef>
+              <a:spcAft>
+                <a:spcPct val="0"/>
+              </a:spcAft>
+              <a:buClr>
+                <a:srgbClr val="822433"/>
+              </a:buClr>
+              <a:buChar char="•"/>
+              <a:defRPr sz="2400">
+                <a:solidFill>
+                  <a:srgbClr val="000000"/>
+                </a:solidFill>
+                <a:latin typeface="Calibri"/>
+                <a:ea typeface="MS PGothic" panose="020B0600070205080204" pitchFamily="34" charset="-128"/>
+                <a:cs typeface="ＭＳ Ｐゴシック" charset="0"/>
+              </a:defRPr>
+            </a:lvl1pPr>
+            <a:lvl2pPr marL="742950" indent="-285750" algn="l" rtl="0" eaLnBrk="0" fontAlgn="base" hangingPunct="0">
+              <a:spcBef>
+                <a:spcPct val="20000"/>
+              </a:spcBef>
+              <a:spcAft>
+                <a:spcPct val="0"/>
+              </a:spcAft>
+              <a:buChar char="–"/>
+              <a:defRPr sz="2000">
+                <a:solidFill>
+                  <a:srgbClr val="000000"/>
+                </a:solidFill>
+                <a:latin typeface="Calibri"/>
+                <a:ea typeface="MS PGothic" panose="020B0600070205080204" pitchFamily="34" charset="-128"/>
+              </a:defRPr>
+            </a:lvl2pPr>
+            <a:lvl3pPr marL="1143000" indent="-228600" algn="l" rtl="0" eaLnBrk="0" fontAlgn="base" hangingPunct="0">
+              <a:spcBef>
+                <a:spcPct val="20000"/>
+              </a:spcBef>
+              <a:spcAft>
+                <a:spcPct val="0"/>
+              </a:spcAft>
+              <a:buChar char="•"/>
+              <a:defRPr sz="1600">
+                <a:solidFill>
+                  <a:srgbClr val="000000"/>
+                </a:solidFill>
+                <a:latin typeface="Calibri"/>
+                <a:ea typeface="MS PGothic" panose="020B0600070205080204" pitchFamily="34" charset="-128"/>
+              </a:defRPr>
+            </a:lvl3pPr>
+            <a:lvl4pPr marL="1562100" indent="-228600" algn="l" rtl="0" eaLnBrk="0" fontAlgn="base" hangingPunct="0">
+              <a:spcBef>
+                <a:spcPct val="20000"/>
+              </a:spcBef>
+              <a:spcAft>
+                <a:spcPct val="0"/>
+              </a:spcAft>
+              <a:buChar char="–"/>
+              <a:defRPr sz="1400">
+                <a:solidFill>
+                  <a:srgbClr val="000000"/>
+                </a:solidFill>
+                <a:latin typeface="Calibri"/>
+                <a:ea typeface="MS PGothic" panose="020B0600070205080204" pitchFamily="34" charset="-128"/>
+              </a:defRPr>
+            </a:lvl4pPr>
+            <a:lvl5pPr marL="1981200" indent="-228600" algn="l" rtl="0" eaLnBrk="0" fontAlgn="base" hangingPunct="0">
+              <a:spcBef>
+                <a:spcPct val="20000"/>
+              </a:spcBef>
+              <a:spcAft>
+                <a:spcPct val="0"/>
+              </a:spcAft>
+              <a:buChar char="»"/>
+              <a:defRPr sz="1200">
+                <a:solidFill>
+                  <a:srgbClr val="000000"/>
+                </a:solidFill>
+                <a:latin typeface="Calibri"/>
+                <a:ea typeface="MS PGothic" panose="020B0600070205080204" pitchFamily="34" charset="-128"/>
+              </a:defRPr>
+            </a:lvl5pPr>
+            <a:lvl6pPr marL="2438400" indent="-228600" algn="l" rtl="0" eaLnBrk="1" fontAlgn="base" hangingPunct="1">
+              <a:spcBef>
+                <a:spcPct val="20000"/>
+              </a:spcBef>
+              <a:spcAft>
+                <a:spcPct val="0"/>
+              </a:spcAft>
+              <a:buChar char="»"/>
+              <a:defRPr sz="1200">
+                <a:solidFill>
+                  <a:srgbClr val="000000"/>
+                </a:solidFill>
+                <a:latin typeface="+mn-lt"/>
+                <a:ea typeface="+mn-ea"/>
+              </a:defRPr>
+            </a:lvl6pPr>
+            <a:lvl7pPr marL="2895600" indent="-228600" algn="l" rtl="0" eaLnBrk="1" fontAlgn="base" hangingPunct="1">
+              <a:spcBef>
+                <a:spcPct val="20000"/>
+              </a:spcBef>
+              <a:spcAft>
+                <a:spcPct val="0"/>
+              </a:spcAft>
+              <a:buChar char="»"/>
+              <a:defRPr sz="1200">
+                <a:solidFill>
+                  <a:srgbClr val="000000"/>
+                </a:solidFill>
+                <a:latin typeface="+mn-lt"/>
+                <a:ea typeface="+mn-ea"/>
+              </a:defRPr>
+            </a:lvl7pPr>
+            <a:lvl8pPr marL="3352800" indent="-228600" algn="l" rtl="0" eaLnBrk="1" fontAlgn="base" hangingPunct="1">
+              <a:spcBef>
+                <a:spcPct val="20000"/>
+              </a:spcBef>
+              <a:spcAft>
+                <a:spcPct val="0"/>
+              </a:spcAft>
+              <a:buChar char="»"/>
+              <a:defRPr sz="1200">
+                <a:solidFill>
+                  <a:srgbClr val="000000"/>
+                </a:solidFill>
+                <a:latin typeface="+mn-lt"/>
+                <a:ea typeface="+mn-ea"/>
+              </a:defRPr>
+            </a:lvl8pPr>
+            <a:lvl9pPr marL="3810000" indent="-228600" algn="l" rtl="0" eaLnBrk="1" fontAlgn="base" hangingPunct="1">
+              <a:spcBef>
+                <a:spcPct val="20000"/>
+              </a:spcBef>
+              <a:spcAft>
+                <a:spcPct val="0"/>
+              </a:spcAft>
+              <a:buChar char="»"/>
+              <a:defRPr sz="1200">
+                <a:solidFill>
+                  <a:srgbClr val="000000"/>
+                </a:solidFill>
+                <a:latin typeface="+mn-lt"/>
+                <a:ea typeface="+mn-ea"/>
+              </a:defRPr>
+            </a:lvl9pPr>
+          </a:lstStyle>
+          <a:p>
+            <a:pPr marL="0" indent="0" algn="ctr">
+              <a:buFontTx/>
+              <a:buNone/>
+            </a:pPr>
+            <a:r>
+              <a:rPr lang="en-GB" altLang="it-IT" sz="1800" kern="0" dirty="0">
+                <a:latin typeface="Calibri" panose="020F0502020204030204" pitchFamily="34" charset="0"/>
+              </a:rPr>
+              <a:t>Time(sec)</a:t>
+            </a:r>
+          </a:p>
+        </p:txBody>
+      </p:sp>
     </p:spTree>
     <p:extLst>
       <p:ext uri="{BB962C8B-B14F-4D97-AF65-F5344CB8AC3E}">
-        <p14:creationId xmlns:p14="http://schemas.microsoft.com/office/powerpoint/2010/main" val="1046536810"/>
+        <p14:creationId xmlns:p14="http://schemas.microsoft.com/office/powerpoint/2010/main" val="269918056"/>
       </p:ext>
     </p:extLst>
   </p:cSld>
@@ -10768,6 +12221,351 @@
         </p:txBody>
       </p:sp>
     </p:spTree>
+  </p:cSld>
+  <p:clrMapOvr>
+    <a:masterClrMapping/>
+  </p:clrMapOvr>
+</p:sld>
+</file>
+
+<file path=ppt/slides/slide40.xml><?xml version="1.0" encoding="utf-8"?>
+<p:sld xmlns:a="http://schemas.openxmlformats.org/drawingml/2006/main" xmlns:r="http://schemas.openxmlformats.org/officeDocument/2006/relationships" xmlns:p="http://schemas.openxmlformats.org/presentationml/2006/main">
+  <p:cSld>
+    <p:spTree>
+      <p:nvGrpSpPr>
+        <p:cNvPr id="1" name=""/>
+        <p:cNvGrpSpPr/>
+        <p:nvPr/>
+      </p:nvGrpSpPr>
+      <p:grpSpPr>
+        <a:xfrm>
+          <a:off x="0" y="0"/>
+          <a:ext cx="0" cy="0"/>
+          <a:chOff x="0" y="0"/>
+          <a:chExt cx="0" cy="0"/>
+        </a:xfrm>
+      </p:grpSpPr>
+      <p:sp>
+        <p:nvSpPr>
+          <p:cNvPr id="71" name="Title 1">
+            <a:extLst>
+              <a:ext uri="{FF2B5EF4-FFF2-40B4-BE49-F238E27FC236}">
+                <a16:creationId xmlns:a16="http://schemas.microsoft.com/office/drawing/2014/main" id="{ECFE5F78-E215-452E-B02D-49597153C527}"/>
+              </a:ext>
+            </a:extLst>
+          </p:cNvPr>
+          <p:cNvSpPr>
+            <a:spLocks noGrp="1"/>
+          </p:cNvSpPr>
+          <p:nvPr>
+            <p:ph type="title"/>
+          </p:nvPr>
+        </p:nvSpPr>
+        <p:spPr>
+          <a:xfrm>
+            <a:off x="1115616" y="1196752"/>
+            <a:ext cx="7415659" cy="504825"/>
+          </a:xfrm>
+        </p:spPr>
+        <p:txBody>
+          <a:bodyPr/>
+          <a:lstStyle/>
+          <a:p>
+            <a:r>
+              <a:rPr lang="en-US" sz="2800" dirty="0"/>
+              <a:t>.pcap file</a:t>
+            </a:r>
+          </a:p>
+        </p:txBody>
+      </p:sp>
+      <p:sp>
+        <p:nvSpPr>
+          <p:cNvPr id="5" name="Segnaposto contenuto 2">
+            <a:extLst>
+              <a:ext uri="{FF2B5EF4-FFF2-40B4-BE49-F238E27FC236}">
+                <a16:creationId xmlns:a16="http://schemas.microsoft.com/office/drawing/2014/main" id="{B743704D-A3A9-40FA-82EC-9E70B33A8DDB}"/>
+              </a:ext>
+            </a:extLst>
+          </p:cNvPr>
+          <p:cNvSpPr txBox="1">
+            <a:spLocks/>
+          </p:cNvSpPr>
+          <p:nvPr/>
+        </p:nvSpPr>
+        <p:spPr bwMode="auto">
+          <a:xfrm>
+            <a:off x="3491880" y="2348880"/>
+            <a:ext cx="5327824" cy="2592288"/>
+          </a:xfrm>
+          <a:prstGeom prst="rect">
+            <a:avLst/>
+          </a:prstGeom>
+          <a:noFill/>
+          <a:ln>
+            <a:noFill/>
+          </a:ln>
+          <a:extLst>
+            <a:ext uri="{909E8E84-426E-40DD-AFC4-6F175D3DCCD1}">
+              <a14:hiddenFill xmlns:a14="http://schemas.microsoft.com/office/drawing/2010/main">
+                <a:solidFill>
+                  <a:schemeClr val="accent1"/>
+                </a:solidFill>
+              </a14:hiddenFill>
+            </a:ext>
+            <a:ext uri="{91240B29-F687-4F45-9708-019B960494DF}">
+              <a14:hiddenLine xmlns:a14="http://schemas.microsoft.com/office/drawing/2010/main" w="9525">
+                <a:solidFill>
+                  <a:schemeClr val="tx1"/>
+                </a:solidFill>
+                <a:miter lim="800000"/>
+                <a:headEnd/>
+                <a:tailEnd/>
+              </a14:hiddenLine>
+            </a:ext>
+          </a:extLst>
+        </p:spPr>
+        <p:txBody>
+          <a:bodyPr vert="horz" wrap="square" lIns="91440" tIns="45720" rIns="91440" bIns="45720" numCol="1" anchor="t" anchorCtr="0" compatLnSpc="1">
+            <a:prstTxWarp prst="textNoShape">
+              <a:avLst/>
+            </a:prstTxWarp>
+          </a:bodyPr>
+          <a:lstStyle>
+            <a:lvl1pPr marL="342900" indent="-342900" algn="l" rtl="0" eaLnBrk="0" fontAlgn="base" hangingPunct="0">
+              <a:spcBef>
+                <a:spcPct val="20000"/>
+              </a:spcBef>
+              <a:spcAft>
+                <a:spcPct val="0"/>
+              </a:spcAft>
+              <a:buClr>
+                <a:srgbClr val="822433"/>
+              </a:buClr>
+              <a:buChar char="•"/>
+              <a:defRPr sz="2400">
+                <a:solidFill>
+                  <a:srgbClr val="000000"/>
+                </a:solidFill>
+                <a:latin typeface="Calibri"/>
+                <a:ea typeface="MS PGothic" panose="020B0600070205080204" pitchFamily="34" charset="-128"/>
+                <a:cs typeface="ＭＳ Ｐゴシック" charset="0"/>
+              </a:defRPr>
+            </a:lvl1pPr>
+            <a:lvl2pPr marL="742950" indent="-285750" algn="l" rtl="0" eaLnBrk="0" fontAlgn="base" hangingPunct="0">
+              <a:spcBef>
+                <a:spcPct val="20000"/>
+              </a:spcBef>
+              <a:spcAft>
+                <a:spcPct val="0"/>
+              </a:spcAft>
+              <a:buChar char="–"/>
+              <a:defRPr sz="2000">
+                <a:solidFill>
+                  <a:srgbClr val="000000"/>
+                </a:solidFill>
+                <a:latin typeface="Calibri"/>
+                <a:ea typeface="MS PGothic" panose="020B0600070205080204" pitchFamily="34" charset="-128"/>
+              </a:defRPr>
+            </a:lvl2pPr>
+            <a:lvl3pPr marL="1143000" indent="-228600" algn="l" rtl="0" eaLnBrk="0" fontAlgn="base" hangingPunct="0">
+              <a:spcBef>
+                <a:spcPct val="20000"/>
+              </a:spcBef>
+              <a:spcAft>
+                <a:spcPct val="0"/>
+              </a:spcAft>
+              <a:buChar char="•"/>
+              <a:defRPr sz="1600">
+                <a:solidFill>
+                  <a:srgbClr val="000000"/>
+                </a:solidFill>
+                <a:latin typeface="Calibri"/>
+                <a:ea typeface="MS PGothic" panose="020B0600070205080204" pitchFamily="34" charset="-128"/>
+              </a:defRPr>
+            </a:lvl3pPr>
+            <a:lvl4pPr marL="1562100" indent="-228600" algn="l" rtl="0" eaLnBrk="0" fontAlgn="base" hangingPunct="0">
+              <a:spcBef>
+                <a:spcPct val="20000"/>
+              </a:spcBef>
+              <a:spcAft>
+                <a:spcPct val="0"/>
+              </a:spcAft>
+              <a:buChar char="–"/>
+              <a:defRPr sz="1400">
+                <a:solidFill>
+                  <a:srgbClr val="000000"/>
+                </a:solidFill>
+                <a:latin typeface="Calibri"/>
+                <a:ea typeface="MS PGothic" panose="020B0600070205080204" pitchFamily="34" charset="-128"/>
+              </a:defRPr>
+            </a:lvl4pPr>
+            <a:lvl5pPr marL="1981200" indent="-228600" algn="l" rtl="0" eaLnBrk="0" fontAlgn="base" hangingPunct="0">
+              <a:spcBef>
+                <a:spcPct val="20000"/>
+              </a:spcBef>
+              <a:spcAft>
+                <a:spcPct val="0"/>
+              </a:spcAft>
+              <a:buChar char="»"/>
+              <a:defRPr sz="1200">
+                <a:solidFill>
+                  <a:srgbClr val="000000"/>
+                </a:solidFill>
+                <a:latin typeface="Calibri"/>
+                <a:ea typeface="MS PGothic" panose="020B0600070205080204" pitchFamily="34" charset="-128"/>
+              </a:defRPr>
+            </a:lvl5pPr>
+            <a:lvl6pPr marL="2438400" indent="-228600" algn="l" rtl="0" eaLnBrk="1" fontAlgn="base" hangingPunct="1">
+              <a:spcBef>
+                <a:spcPct val="20000"/>
+              </a:spcBef>
+              <a:spcAft>
+                <a:spcPct val="0"/>
+              </a:spcAft>
+              <a:buChar char="»"/>
+              <a:defRPr sz="1200">
+                <a:solidFill>
+                  <a:srgbClr val="000000"/>
+                </a:solidFill>
+                <a:latin typeface="+mn-lt"/>
+                <a:ea typeface="+mn-ea"/>
+              </a:defRPr>
+            </a:lvl6pPr>
+            <a:lvl7pPr marL="2895600" indent="-228600" algn="l" rtl="0" eaLnBrk="1" fontAlgn="base" hangingPunct="1">
+              <a:spcBef>
+                <a:spcPct val="20000"/>
+              </a:spcBef>
+              <a:spcAft>
+                <a:spcPct val="0"/>
+              </a:spcAft>
+              <a:buChar char="»"/>
+              <a:defRPr sz="1200">
+                <a:solidFill>
+                  <a:srgbClr val="000000"/>
+                </a:solidFill>
+                <a:latin typeface="+mn-lt"/>
+                <a:ea typeface="+mn-ea"/>
+              </a:defRPr>
+            </a:lvl7pPr>
+            <a:lvl8pPr marL="3352800" indent="-228600" algn="l" rtl="0" eaLnBrk="1" fontAlgn="base" hangingPunct="1">
+              <a:spcBef>
+                <a:spcPct val="20000"/>
+              </a:spcBef>
+              <a:spcAft>
+                <a:spcPct val="0"/>
+              </a:spcAft>
+              <a:buChar char="»"/>
+              <a:defRPr sz="1200">
+                <a:solidFill>
+                  <a:srgbClr val="000000"/>
+                </a:solidFill>
+                <a:latin typeface="+mn-lt"/>
+                <a:ea typeface="+mn-ea"/>
+              </a:defRPr>
+            </a:lvl8pPr>
+            <a:lvl9pPr marL="3810000" indent="-228600" algn="l" rtl="0" eaLnBrk="1" fontAlgn="base" hangingPunct="1">
+              <a:spcBef>
+                <a:spcPct val="20000"/>
+              </a:spcBef>
+              <a:spcAft>
+                <a:spcPct val="0"/>
+              </a:spcAft>
+              <a:buChar char="»"/>
+              <a:defRPr sz="1200">
+                <a:solidFill>
+                  <a:srgbClr val="000000"/>
+                </a:solidFill>
+                <a:latin typeface="+mn-lt"/>
+                <a:ea typeface="+mn-ea"/>
+              </a:defRPr>
+            </a:lvl9pPr>
+          </a:lstStyle>
+          <a:p>
+            <a:pPr marL="0" indent="0">
+              <a:buFontTx/>
+              <a:buNone/>
+            </a:pPr>
+            <a:r>
+              <a:rPr lang="en-GB" altLang="it-IT" kern="0" dirty="0">
+                <a:latin typeface="Calibri" panose="020F0502020204030204" pitchFamily="34" charset="0"/>
+              </a:rPr>
+              <a:t>If we want to save our Packet-CAPture to reuse another time we need to save it in a pcap format. </a:t>
+            </a:r>
+          </a:p>
+          <a:p>
+            <a:pPr marL="0" indent="0">
+              <a:buFontTx/>
+              <a:buNone/>
+            </a:pPr>
+            <a:endParaRPr lang="en-GB" altLang="it-IT" kern="0" dirty="0">
+              <a:latin typeface="Calibri" panose="020F0502020204030204" pitchFamily="34" charset="0"/>
+            </a:endParaRPr>
+          </a:p>
+          <a:p>
+            <a:pPr marL="0" indent="0">
+              <a:buFontTx/>
+              <a:buNone/>
+            </a:pPr>
+            <a:r>
+              <a:rPr lang="en-GB" altLang="it-IT" kern="0" dirty="0">
+                <a:latin typeface="Calibri" panose="020F0502020204030204" pitchFamily="34" charset="0"/>
+              </a:rPr>
+              <a:t>Now, every time you will hear someone to talk about pcap file you’ll recognize it.</a:t>
+            </a:r>
+          </a:p>
+        </p:txBody>
+      </p:sp>
+      <p:pic>
+        <p:nvPicPr>
+          <p:cNvPr id="2050" name="Picture 2" descr="Pcap Stickers | Redbubble">
+            <a:extLst>
+              <a:ext uri="{FF2B5EF4-FFF2-40B4-BE49-F238E27FC236}">
+                <a16:creationId xmlns:a16="http://schemas.microsoft.com/office/drawing/2014/main" id="{E82B6893-5E70-425B-ADEC-06EB1146C1E3}"/>
+              </a:ext>
+            </a:extLst>
+          </p:cNvPr>
+          <p:cNvPicPr>
+            <a:picLocks noChangeAspect="1" noChangeArrowheads="1"/>
+          </p:cNvPicPr>
+          <p:nvPr/>
+        </p:nvPicPr>
+        <p:blipFill rotWithShape="1">
+          <a:blip r:embed="rId2">
+            <a:extLst>
+              <a:ext uri="{28A0092B-C50C-407E-A947-70E740481C1C}">
+                <a14:useLocalDpi xmlns:a14="http://schemas.microsoft.com/office/drawing/2010/main" val="0"/>
+              </a:ext>
+            </a:extLst>
+          </a:blip>
+          <a:srcRect l="10001" t="7406" r="9999" b="6667"/>
+          <a:stretch/>
+        </p:blipFill>
+        <p:spPr bwMode="auto">
+          <a:xfrm>
+            <a:off x="827584" y="2420888"/>
+            <a:ext cx="2044779" cy="2196244"/>
+          </a:xfrm>
+          <a:prstGeom prst="rect">
+            <a:avLst/>
+          </a:prstGeom>
+          <a:noFill/>
+          <a:extLst>
+            <a:ext uri="{909E8E84-426E-40DD-AFC4-6F175D3DCCD1}">
+              <a14:hiddenFill xmlns:a14="http://schemas.microsoft.com/office/drawing/2010/main">
+                <a:solidFill>
+                  <a:srgbClr val="FFFFFF"/>
+                </a:solidFill>
+              </a14:hiddenFill>
+            </a:ext>
+          </a:extLst>
+        </p:spPr>
+      </p:pic>
+    </p:spTree>
+    <p:extLst>
+      <p:ext uri="{BB962C8B-B14F-4D97-AF65-F5344CB8AC3E}">
+        <p14:creationId xmlns:p14="http://schemas.microsoft.com/office/powerpoint/2010/main" val="1046536810"/>
+      </p:ext>
+    </p:extLst>
   </p:cSld>
   <p:clrMapOvr>
     <a:masterClrMapping/>
@@ -11083,14 +12881,14 @@
           <a:effectLst/>
           <a:extLst>
             <a:ext uri="{909E8E84-426E-40dd-AFC4-6F175D3DCCD1}">
-              <a14:hiddenFill xmlns:a14="http://schemas.microsoft.com/office/drawing/2010/main" xmlns="">
+              <a14:hiddenFill xmlns="" xmlns:a14="http://schemas.microsoft.com/office/drawing/2010/main">
                 <a:solidFill>
                   <a:schemeClr val="accent1"/>
                 </a:solidFill>
               </a14:hiddenFill>
             </a:ext>
             <a:ext uri="{91240B29-F687-4f45-9708-019B960494DF}">
-              <a14:hiddenLine xmlns:a14="http://schemas.microsoft.com/office/drawing/2010/main" xmlns="" w="9525" cap="flat" cmpd="sng" algn="ctr">
+              <a14:hiddenLine xmlns="" xmlns:a14="http://schemas.microsoft.com/office/drawing/2010/main" w="9525" cap="flat" cmpd="sng" algn="ctr">
                 <a:solidFill>
                   <a:schemeClr val="tx1"/>
                 </a:solidFill>
@@ -11101,7 +12899,7 @@
               </a14:hiddenLine>
             </a:ext>
             <a:ext uri="{AF507438-7753-43e0-B8FC-AC1667EBCBE1}">
-              <a14:hiddenEffects xmlns:a14="http://schemas.microsoft.com/office/drawing/2010/main" xmlns="">
+              <a14:hiddenEffects xmlns="" xmlns:a14="http://schemas.microsoft.com/office/drawing/2010/main">
                 <a:effectLst>
                   <a:outerShdw blurRad="63500" dist="38099" dir="2700000" algn="ctr" rotWithShape="0">
                     <a:srgbClr val="000000">
@@ -12494,14 +14292,14 @@
         <a:effectLst/>
         <a:extLst>
           <a:ext uri="{909E8E84-426E-40dd-AFC4-6F175D3DCCD1}">
-            <a14:hiddenFill xmlns="" xmlns:a14="http://schemas.microsoft.com/office/drawing/2010/main">
+            <a14:hiddenFill xmlns:a14="http://schemas.microsoft.com/office/drawing/2010/main" xmlns="">
               <a:solidFill>
                 <a:schemeClr val="accent1"/>
               </a:solidFill>
             </a14:hiddenFill>
           </a:ext>
           <a:ext uri="{91240B29-F687-4f45-9708-019B960494DF}">
-            <a14:hiddenLine xmlns="" xmlns:a14="http://schemas.microsoft.com/office/drawing/2010/main" w="9525" cap="flat" cmpd="sng" algn="ctr">
+            <a14:hiddenLine xmlns:a14="http://schemas.microsoft.com/office/drawing/2010/main" xmlns="" w="9525" cap="flat" cmpd="sng" algn="ctr">
               <a:solidFill>
                 <a:schemeClr val="tx1"/>
               </a:solidFill>
@@ -12512,7 +14310,7 @@
             </a14:hiddenLine>
           </a:ext>
           <a:ext uri="{AF507438-7753-43e0-B8FC-AC1667EBCBE1}">
-            <a14:hiddenEffects xmlns="" xmlns:a14="http://schemas.microsoft.com/office/drawing/2010/main">
+            <a14:hiddenEffects xmlns:a14="http://schemas.microsoft.com/office/drawing/2010/main" xmlns="">
               <a:effectLst>
                 <a:outerShdw blurRad="63500" dist="38099" dir="2700000" algn="ctr" rotWithShape="0">
                   <a:srgbClr val="000000">
@@ -12581,14 +14379,14 @@
         <a:effectLst/>
         <a:extLst>
           <a:ext uri="{909E8E84-426E-40dd-AFC4-6F175D3DCCD1}">
-            <a14:hiddenFill xmlns="" xmlns:a14="http://schemas.microsoft.com/office/drawing/2010/main">
+            <a14:hiddenFill xmlns:a14="http://schemas.microsoft.com/office/drawing/2010/main" xmlns="">
               <a:solidFill>
                 <a:schemeClr val="accent1"/>
               </a:solidFill>
             </a14:hiddenFill>
           </a:ext>
           <a:ext uri="{91240B29-F687-4f45-9708-019B960494DF}">
-            <a14:hiddenLine xmlns="" xmlns:a14="http://schemas.microsoft.com/office/drawing/2010/main" w="9525" cap="flat" cmpd="sng" algn="ctr">
+            <a14:hiddenLine xmlns:a14="http://schemas.microsoft.com/office/drawing/2010/main" xmlns="" w="9525" cap="flat" cmpd="sng" algn="ctr">
               <a:solidFill>
                 <a:schemeClr val="tx1"/>
               </a:solidFill>
@@ -12599,7 +14397,7 @@
             </a14:hiddenLine>
           </a:ext>
           <a:ext uri="{AF507438-7753-43e0-B8FC-AC1667EBCBE1}">
-            <a14:hiddenEffects xmlns="" xmlns:a14="http://schemas.microsoft.com/office/drawing/2010/main">
+            <a14:hiddenEffects xmlns:a14="http://schemas.microsoft.com/office/drawing/2010/main" xmlns="">
               <a:effectLst>
                 <a:outerShdw blurRad="63500" dist="38099" dir="2700000" algn="ctr" rotWithShape="0">
                   <a:srgbClr val="000000">
